--- a/presen.pptx
+++ b/presen.pptx
@@ -2,7 +2,7 @@
 <file path=ppt/presentation.xml><?xml version="1.0" encoding="utf-8"?>
 <p:presentation xmlns:a="http://schemas.openxmlformats.org/drawingml/2006/main" xmlns:r="http://schemas.openxmlformats.org/officeDocument/2006/relationships" xmlns:p="http://schemas.openxmlformats.org/presentationml/2006/main" saveSubsetFonts="1">
   <p:sldMasterIdLst>
-    <p:sldMasterId id="2147483660" r:id="rId1"/>
+    <p:sldMasterId id="2147483684" r:id="rId1"/>
   </p:sldMasterIdLst>
   <p:sldIdLst>
     <p:sldId id="256" r:id="rId2"/>
@@ -865,6 +865,927 @@
 </dgm:colorsDef>
 </file>
 
+<file path=ppt/diagrams/colors2.xml><?xml version="1.0" encoding="utf-8"?>
+<dgm:colorsDef xmlns:dgm="http://schemas.openxmlformats.org/drawingml/2006/diagram" xmlns:a="http://schemas.openxmlformats.org/drawingml/2006/main" uniqueId="urn:microsoft.com/office/officeart/2018/5/colors/Iconchunking_neutralicontext_colorful1">
+  <dgm:title val=""/>
+  <dgm:desc val=""/>
+  <dgm:catLst>
+    <dgm:cat type="colorful" pri="10100"/>
+  </dgm:catLst>
+  <dgm:styleLbl name="node0">
+    <dgm:fillClrLst meth="repeat">
+      <a:schemeClr val="accent1"/>
+    </dgm:fillClrLst>
+    <dgm:linClrLst meth="repeat">
+      <a:schemeClr val="lt1"/>
+    </dgm:linClrLst>
+    <dgm:effectClrLst/>
+    <dgm:txLinClrLst/>
+    <dgm:txFillClrLst/>
+    <dgm:txEffectClrLst/>
+  </dgm:styleLbl>
+  <dgm:styleLbl name="node1">
+    <dgm:fillClrLst meth="repeat">
+      <a:schemeClr val="bg1"/>
+    </dgm:fillClrLst>
+    <dgm:linClrLst meth="repeat">
+      <a:schemeClr val="lt1">
+        <a:alpha val="0"/>
+      </a:schemeClr>
+    </dgm:linClrLst>
+    <dgm:effectClrLst/>
+    <dgm:txLinClrLst/>
+    <dgm:txFillClrLst meth="repeat">
+      <a:schemeClr val="dk1"/>
+    </dgm:txFillClrLst>
+    <dgm:txEffectClrLst/>
+  </dgm:styleLbl>
+  <dgm:styleLbl name="alignNode1">
+    <dgm:fillClrLst meth="repeat">
+      <a:schemeClr val="accent2"/>
+      <a:schemeClr val="accent3"/>
+      <a:schemeClr val="accent4"/>
+      <a:schemeClr val="accent5"/>
+      <a:schemeClr val="accent6"/>
+    </dgm:fillClrLst>
+    <dgm:linClrLst meth="repeat">
+      <a:schemeClr val="accent2"/>
+      <a:schemeClr val="accent3"/>
+      <a:schemeClr val="accent4"/>
+      <a:schemeClr val="accent5"/>
+      <a:schemeClr val="accent6"/>
+    </dgm:linClrLst>
+    <dgm:effectClrLst/>
+    <dgm:txLinClrLst/>
+    <dgm:txFillClrLst/>
+    <dgm:txEffectClrLst/>
+  </dgm:styleLbl>
+  <dgm:styleLbl name="lnNode1">
+    <dgm:fillClrLst meth="repeat">
+      <a:schemeClr val="accent2"/>
+      <a:schemeClr val="accent3"/>
+      <a:schemeClr val="accent4"/>
+      <a:schemeClr val="accent5"/>
+      <a:schemeClr val="accent6"/>
+    </dgm:fillClrLst>
+    <dgm:linClrLst meth="repeat">
+      <a:schemeClr val="lt1"/>
+    </dgm:linClrLst>
+    <dgm:effectClrLst/>
+    <dgm:txLinClrLst/>
+    <dgm:txFillClrLst/>
+    <dgm:txEffectClrLst/>
+  </dgm:styleLbl>
+  <dgm:styleLbl name="vennNode1">
+    <dgm:fillClrLst meth="repeat">
+      <a:schemeClr val="accent2">
+        <a:alpha val="50000"/>
+      </a:schemeClr>
+      <a:schemeClr val="accent3">
+        <a:alpha val="50000"/>
+      </a:schemeClr>
+      <a:schemeClr val="accent4">
+        <a:alpha val="50000"/>
+      </a:schemeClr>
+      <a:schemeClr val="accent5">
+        <a:alpha val="50000"/>
+      </a:schemeClr>
+      <a:schemeClr val="accent6">
+        <a:alpha val="50000"/>
+      </a:schemeClr>
+    </dgm:fillClrLst>
+    <dgm:linClrLst meth="repeat">
+      <a:schemeClr val="lt1"/>
+    </dgm:linClrLst>
+    <dgm:effectClrLst/>
+    <dgm:txLinClrLst/>
+    <dgm:txFillClrLst/>
+    <dgm:txEffectClrLst/>
+  </dgm:styleLbl>
+  <dgm:styleLbl name="node2">
+    <dgm:fillClrLst>
+      <a:schemeClr val="accent2"/>
+    </dgm:fillClrLst>
+    <dgm:linClrLst meth="repeat">
+      <a:schemeClr val="lt1"/>
+    </dgm:linClrLst>
+    <dgm:effectClrLst/>
+    <dgm:txLinClrLst/>
+    <dgm:txFillClrLst/>
+    <dgm:txEffectClrLst/>
+  </dgm:styleLbl>
+  <dgm:styleLbl name="node3">
+    <dgm:fillClrLst>
+      <a:schemeClr val="accent3"/>
+    </dgm:fillClrLst>
+    <dgm:linClrLst meth="repeat">
+      <a:schemeClr val="lt1"/>
+    </dgm:linClrLst>
+    <dgm:effectClrLst/>
+    <dgm:txLinClrLst/>
+    <dgm:txFillClrLst/>
+    <dgm:txEffectClrLst/>
+  </dgm:styleLbl>
+  <dgm:styleLbl name="node4">
+    <dgm:fillClrLst>
+      <a:schemeClr val="accent4"/>
+    </dgm:fillClrLst>
+    <dgm:linClrLst meth="repeat">
+      <a:schemeClr val="lt1"/>
+    </dgm:linClrLst>
+    <dgm:effectClrLst/>
+    <dgm:txLinClrLst/>
+    <dgm:txFillClrLst/>
+    <dgm:txEffectClrLst/>
+  </dgm:styleLbl>
+  <dgm:styleLbl name="fgImgPlace1">
+    <dgm:fillClrLst meth="repeat">
+      <a:schemeClr val="accent2">
+        <a:tint val="50000"/>
+      </a:schemeClr>
+      <a:schemeClr val="accent3">
+        <a:tint val="50000"/>
+      </a:schemeClr>
+      <a:schemeClr val="accent4">
+        <a:tint val="50000"/>
+      </a:schemeClr>
+      <a:schemeClr val="accent5">
+        <a:tint val="50000"/>
+      </a:schemeClr>
+      <a:schemeClr val="accent6">
+        <a:tint val="50000"/>
+      </a:schemeClr>
+    </dgm:fillClrLst>
+    <dgm:linClrLst meth="repeat">
+      <a:schemeClr val="lt1"/>
+    </dgm:linClrLst>
+    <dgm:effectClrLst/>
+    <dgm:txLinClrLst/>
+    <dgm:txFillClrLst meth="repeat">
+      <a:schemeClr val="lt1"/>
+    </dgm:txFillClrLst>
+    <dgm:txEffectClrLst/>
+  </dgm:styleLbl>
+  <dgm:styleLbl name="alignImgPlace1">
+    <dgm:fillClrLst>
+      <a:schemeClr val="accent1">
+        <a:tint val="50000"/>
+      </a:schemeClr>
+      <a:schemeClr val="accent2">
+        <a:tint val="20000"/>
+      </a:schemeClr>
+    </dgm:fillClrLst>
+    <dgm:linClrLst meth="repeat">
+      <a:schemeClr val="lt1"/>
+    </dgm:linClrLst>
+    <dgm:effectClrLst/>
+    <dgm:txLinClrLst/>
+    <dgm:txFillClrLst meth="repeat">
+      <a:schemeClr val="lt1"/>
+    </dgm:txFillClrLst>
+    <dgm:txEffectClrLst/>
+  </dgm:styleLbl>
+  <dgm:styleLbl name="bgImgPlace1">
+    <dgm:fillClrLst>
+      <a:schemeClr val="accent1">
+        <a:tint val="50000"/>
+      </a:schemeClr>
+      <a:schemeClr val="accent2">
+        <a:tint val="20000"/>
+      </a:schemeClr>
+    </dgm:fillClrLst>
+    <dgm:linClrLst meth="repeat">
+      <a:schemeClr val="lt1"/>
+    </dgm:linClrLst>
+    <dgm:effectClrLst/>
+    <dgm:txLinClrLst/>
+    <dgm:txFillClrLst meth="repeat">
+      <a:schemeClr val="lt1"/>
+    </dgm:txFillClrLst>
+    <dgm:txEffectClrLst/>
+  </dgm:styleLbl>
+  <dgm:styleLbl name="sibTrans2D1">
+    <dgm:fillClrLst meth="repeat">
+      <a:schemeClr val="accent2"/>
+      <a:schemeClr val="accent3"/>
+      <a:schemeClr val="accent4"/>
+      <a:schemeClr val="accent5"/>
+      <a:schemeClr val="accent6"/>
+    </dgm:fillClrLst>
+    <dgm:linClrLst meth="cycle">
+      <a:schemeClr val="lt1"/>
+    </dgm:linClrLst>
+    <dgm:effectClrLst/>
+    <dgm:txLinClrLst/>
+    <dgm:txFillClrLst/>
+    <dgm:txEffectClrLst/>
+  </dgm:styleLbl>
+  <dgm:styleLbl name="fgSibTrans2D1">
+    <dgm:fillClrLst meth="repeat">
+      <a:schemeClr val="accent2"/>
+      <a:schemeClr val="accent3"/>
+      <a:schemeClr val="accent4"/>
+      <a:schemeClr val="accent5"/>
+      <a:schemeClr val="accent6"/>
+    </dgm:fillClrLst>
+    <dgm:linClrLst meth="cycle">
+      <a:schemeClr val="lt1"/>
+    </dgm:linClrLst>
+    <dgm:effectClrLst/>
+    <dgm:txLinClrLst/>
+    <dgm:txFillClrLst meth="repeat">
+      <a:schemeClr val="lt1"/>
+    </dgm:txFillClrLst>
+    <dgm:txEffectClrLst/>
+  </dgm:styleLbl>
+  <dgm:styleLbl name="bgSibTrans2D1">
+    <dgm:fillClrLst meth="repeat">
+      <a:schemeClr val="accent2"/>
+      <a:schemeClr val="accent3"/>
+      <a:schemeClr val="accent4"/>
+      <a:schemeClr val="accent5"/>
+      <a:schemeClr val="accent6"/>
+    </dgm:fillClrLst>
+    <dgm:linClrLst meth="cycle">
+      <a:schemeClr val="lt1"/>
+    </dgm:linClrLst>
+    <dgm:effectClrLst/>
+    <dgm:txLinClrLst/>
+    <dgm:txFillClrLst meth="repeat">
+      <a:schemeClr val="lt1"/>
+    </dgm:txFillClrLst>
+    <dgm:txEffectClrLst/>
+  </dgm:styleLbl>
+  <dgm:styleLbl name="sibTrans1D1">
+    <dgm:fillClrLst meth="repeat">
+      <a:schemeClr val="accent2"/>
+      <a:schemeClr val="accent3"/>
+      <a:schemeClr val="accent4"/>
+      <a:schemeClr val="accent5"/>
+      <a:schemeClr val="accent6"/>
+    </dgm:fillClrLst>
+    <dgm:linClrLst meth="repeat">
+      <a:schemeClr val="accent2"/>
+      <a:schemeClr val="accent3"/>
+      <a:schemeClr val="accent4"/>
+      <a:schemeClr val="accent5"/>
+      <a:schemeClr val="accent6"/>
+    </dgm:linClrLst>
+    <dgm:effectClrLst/>
+    <dgm:txLinClrLst/>
+    <dgm:txFillClrLst meth="repeat">
+      <a:schemeClr val="tx1"/>
+    </dgm:txFillClrLst>
+    <dgm:txEffectClrLst/>
+  </dgm:styleLbl>
+  <dgm:styleLbl name="callout">
+    <dgm:fillClrLst meth="repeat">
+      <a:schemeClr val="accent2"/>
+    </dgm:fillClrLst>
+    <dgm:linClrLst meth="repeat">
+      <a:schemeClr val="accent2">
+        <a:tint val="50000"/>
+      </a:schemeClr>
+    </dgm:linClrLst>
+    <dgm:effectClrLst/>
+    <dgm:txLinClrLst/>
+    <dgm:txFillClrLst meth="repeat">
+      <a:schemeClr val="tx1"/>
+    </dgm:txFillClrLst>
+    <dgm:txEffectClrLst/>
+  </dgm:styleLbl>
+  <dgm:styleLbl name="asst0">
+    <dgm:fillClrLst meth="repeat">
+      <a:schemeClr val="accent1"/>
+    </dgm:fillClrLst>
+    <dgm:linClrLst meth="repeat">
+      <a:schemeClr val="lt1"/>
+    </dgm:linClrLst>
+    <dgm:effectClrLst/>
+    <dgm:txLinClrLst/>
+    <dgm:txFillClrLst/>
+    <dgm:txEffectClrLst/>
+  </dgm:styleLbl>
+  <dgm:styleLbl name="asst1">
+    <dgm:fillClrLst meth="repeat">
+      <a:schemeClr val="accent2"/>
+    </dgm:fillClrLst>
+    <dgm:linClrLst meth="repeat">
+      <a:schemeClr val="lt1"/>
+    </dgm:linClrLst>
+    <dgm:effectClrLst/>
+    <dgm:txLinClrLst/>
+    <dgm:txFillClrLst/>
+    <dgm:txEffectClrLst/>
+  </dgm:styleLbl>
+  <dgm:styleLbl name="asst2">
+    <dgm:fillClrLst>
+      <a:schemeClr val="accent3"/>
+    </dgm:fillClrLst>
+    <dgm:linClrLst meth="repeat">
+      <a:schemeClr val="lt1"/>
+    </dgm:linClrLst>
+    <dgm:effectClrLst/>
+    <dgm:txLinClrLst/>
+    <dgm:txFillClrLst/>
+    <dgm:txEffectClrLst/>
+  </dgm:styleLbl>
+  <dgm:styleLbl name="asst3">
+    <dgm:fillClrLst>
+      <a:schemeClr val="accent4"/>
+    </dgm:fillClrLst>
+    <dgm:linClrLst meth="repeat">
+      <a:schemeClr val="lt1"/>
+    </dgm:linClrLst>
+    <dgm:effectClrLst/>
+    <dgm:txLinClrLst/>
+    <dgm:txFillClrLst/>
+    <dgm:txEffectClrLst/>
+  </dgm:styleLbl>
+  <dgm:styleLbl name="asst4">
+    <dgm:fillClrLst>
+      <a:schemeClr val="accent5"/>
+    </dgm:fillClrLst>
+    <dgm:linClrLst meth="repeat">
+      <a:schemeClr val="lt1"/>
+    </dgm:linClrLst>
+    <dgm:effectClrLst/>
+    <dgm:txLinClrLst/>
+    <dgm:txFillClrLst/>
+    <dgm:txEffectClrLst/>
+  </dgm:styleLbl>
+  <dgm:styleLbl name="parChTrans2D1">
+    <dgm:fillClrLst meth="repeat">
+      <a:schemeClr val="accent2"/>
+    </dgm:fillClrLst>
+    <dgm:linClrLst meth="repeat">
+      <a:schemeClr val="lt1"/>
+    </dgm:linClrLst>
+    <dgm:effectClrLst/>
+    <dgm:txLinClrLst/>
+    <dgm:txFillClrLst meth="repeat">
+      <a:schemeClr val="lt1"/>
+    </dgm:txFillClrLst>
+    <dgm:txEffectClrLst/>
+  </dgm:styleLbl>
+  <dgm:styleLbl name="parChTrans2D2">
+    <dgm:fillClrLst meth="repeat">
+      <a:schemeClr val="accent3"/>
+    </dgm:fillClrLst>
+    <dgm:linClrLst meth="repeat">
+      <a:schemeClr val="lt1"/>
+    </dgm:linClrLst>
+    <dgm:effectClrLst/>
+    <dgm:txLinClrLst/>
+    <dgm:txFillClrLst/>
+    <dgm:txEffectClrLst/>
+  </dgm:styleLbl>
+  <dgm:styleLbl name="parChTrans2D3">
+    <dgm:fillClrLst meth="repeat">
+      <a:schemeClr val="accent4"/>
+    </dgm:fillClrLst>
+    <dgm:linClrLst meth="repeat">
+      <a:schemeClr val="lt1"/>
+    </dgm:linClrLst>
+    <dgm:effectClrLst/>
+    <dgm:txLinClrLst/>
+    <dgm:txFillClrLst/>
+    <dgm:txEffectClrLst/>
+  </dgm:styleLbl>
+  <dgm:styleLbl name="parChTrans2D4">
+    <dgm:fillClrLst meth="repeat">
+      <a:schemeClr val="accent5"/>
+    </dgm:fillClrLst>
+    <dgm:linClrLst meth="repeat">
+      <a:schemeClr val="lt1"/>
+    </dgm:linClrLst>
+    <dgm:effectClrLst/>
+    <dgm:txLinClrLst/>
+    <dgm:txFillClrLst meth="repeat">
+      <a:schemeClr val="lt1"/>
+    </dgm:txFillClrLst>
+    <dgm:txEffectClrLst/>
+  </dgm:styleLbl>
+  <dgm:styleLbl name="parChTrans1D1">
+    <dgm:fillClrLst meth="repeat">
+      <a:schemeClr val="accent2"/>
+    </dgm:fillClrLst>
+    <dgm:linClrLst meth="repeat">
+      <a:schemeClr val="accent1"/>
+    </dgm:linClrLst>
+    <dgm:effectClrLst/>
+    <dgm:txLinClrLst/>
+    <dgm:txFillClrLst meth="repeat">
+      <a:schemeClr val="tx1"/>
+    </dgm:txFillClrLst>
+    <dgm:txEffectClrLst/>
+  </dgm:styleLbl>
+  <dgm:styleLbl name="parChTrans1D2">
+    <dgm:fillClrLst meth="repeat">
+      <a:schemeClr val="accent3">
+        <a:tint val="90000"/>
+      </a:schemeClr>
+    </dgm:fillClrLst>
+    <dgm:linClrLst meth="repeat">
+      <a:schemeClr val="accent2"/>
+    </dgm:linClrLst>
+    <dgm:effectClrLst/>
+    <dgm:txLinClrLst/>
+    <dgm:txFillClrLst meth="repeat">
+      <a:schemeClr val="tx1"/>
+    </dgm:txFillClrLst>
+    <dgm:txEffectClrLst/>
+  </dgm:styleLbl>
+  <dgm:styleLbl name="parChTrans1D3">
+    <dgm:fillClrLst meth="repeat">
+      <a:schemeClr val="accent4">
+        <a:tint val="70000"/>
+      </a:schemeClr>
+    </dgm:fillClrLst>
+    <dgm:linClrLst meth="repeat">
+      <a:schemeClr val="accent3"/>
+    </dgm:linClrLst>
+    <dgm:effectClrLst/>
+    <dgm:txLinClrLst/>
+    <dgm:txFillClrLst meth="repeat">
+      <a:schemeClr val="tx1"/>
+    </dgm:txFillClrLst>
+    <dgm:txEffectClrLst/>
+  </dgm:styleLbl>
+  <dgm:styleLbl name="parChTrans1D4">
+    <dgm:fillClrLst meth="repeat">
+      <a:schemeClr val="accent5">
+        <a:tint val="50000"/>
+      </a:schemeClr>
+    </dgm:fillClrLst>
+    <dgm:linClrLst meth="repeat">
+      <a:schemeClr val="accent4"/>
+    </dgm:linClrLst>
+    <dgm:effectClrLst/>
+    <dgm:txLinClrLst/>
+    <dgm:txFillClrLst meth="repeat">
+      <a:schemeClr val="tx1"/>
+    </dgm:txFillClrLst>
+    <dgm:txEffectClrLst/>
+  </dgm:styleLbl>
+  <dgm:styleLbl name="fgAcc1">
+    <dgm:fillClrLst meth="repeat">
+      <a:schemeClr val="lt1">
+        <a:alpha val="90000"/>
+      </a:schemeClr>
+    </dgm:fillClrLst>
+    <dgm:linClrLst meth="repeat">
+      <a:schemeClr val="accent2"/>
+      <a:schemeClr val="accent3"/>
+      <a:schemeClr val="accent4"/>
+      <a:schemeClr val="accent5"/>
+      <a:schemeClr val="accent6"/>
+    </dgm:linClrLst>
+    <dgm:effectClrLst/>
+    <dgm:txLinClrLst/>
+    <dgm:txFillClrLst meth="repeat">
+      <a:schemeClr val="dk1"/>
+    </dgm:txFillClrLst>
+    <dgm:txEffectClrLst/>
+  </dgm:styleLbl>
+  <dgm:styleLbl name="conFgAcc1">
+    <dgm:fillClrLst meth="repeat">
+      <a:schemeClr val="lt1">
+        <a:alpha val="90000"/>
+      </a:schemeClr>
+    </dgm:fillClrLst>
+    <dgm:linClrLst meth="repeat">
+      <a:schemeClr val="accent2"/>
+      <a:schemeClr val="accent3"/>
+      <a:schemeClr val="accent4"/>
+      <a:schemeClr val="accent5"/>
+      <a:schemeClr val="accent6"/>
+    </dgm:linClrLst>
+    <dgm:effectClrLst/>
+    <dgm:txLinClrLst/>
+    <dgm:txFillClrLst meth="repeat">
+      <a:schemeClr val="dk1"/>
+    </dgm:txFillClrLst>
+    <dgm:txEffectClrLst/>
+  </dgm:styleLbl>
+  <dgm:styleLbl name="alignAcc1">
+    <dgm:fillClrLst meth="repeat">
+      <a:schemeClr val="lt1">
+        <a:alpha val="90000"/>
+      </a:schemeClr>
+    </dgm:fillClrLst>
+    <dgm:linClrLst meth="repeat">
+      <a:schemeClr val="accent2"/>
+      <a:schemeClr val="accent3"/>
+      <a:schemeClr val="accent4"/>
+      <a:schemeClr val="accent5"/>
+      <a:schemeClr val="accent6"/>
+    </dgm:linClrLst>
+    <dgm:effectClrLst/>
+    <dgm:txLinClrLst/>
+    <dgm:txFillClrLst meth="repeat">
+      <a:schemeClr val="dk1"/>
+    </dgm:txFillClrLst>
+    <dgm:txEffectClrLst/>
+  </dgm:styleLbl>
+  <dgm:styleLbl name="trAlignAcc1">
+    <dgm:fillClrLst meth="repeat">
+      <a:schemeClr val="lt1">
+        <a:alpha val="40000"/>
+      </a:schemeClr>
+    </dgm:fillClrLst>
+    <dgm:linClrLst meth="repeat">
+      <a:schemeClr val="accent1"/>
+    </dgm:linClrLst>
+    <dgm:effectClrLst/>
+    <dgm:txLinClrLst/>
+    <dgm:txFillClrLst meth="repeat">
+      <a:schemeClr val="dk1"/>
+    </dgm:txFillClrLst>
+    <dgm:txEffectClrLst/>
+  </dgm:styleLbl>
+  <dgm:styleLbl name="bgAcc1">
+    <dgm:fillClrLst meth="repeat">
+      <a:schemeClr val="lt1">
+        <a:alpha val="90000"/>
+      </a:schemeClr>
+    </dgm:fillClrLst>
+    <dgm:linClrLst meth="repeat">
+      <a:schemeClr val="accent2"/>
+      <a:schemeClr val="accent3"/>
+      <a:schemeClr val="accent4"/>
+      <a:schemeClr val="accent5"/>
+      <a:schemeClr val="accent6"/>
+    </dgm:linClrLst>
+    <dgm:effectClrLst/>
+    <dgm:txLinClrLst/>
+    <dgm:txFillClrLst meth="repeat">
+      <a:schemeClr val="dk1"/>
+    </dgm:txFillClrLst>
+    <dgm:txEffectClrLst/>
+  </dgm:styleLbl>
+  <dgm:styleLbl name="solidFgAcc1">
+    <dgm:fillClrLst meth="repeat">
+      <a:schemeClr val="lt1"/>
+    </dgm:fillClrLst>
+    <dgm:linClrLst meth="repeat">
+      <a:schemeClr val="accent2"/>
+      <a:schemeClr val="accent3"/>
+      <a:schemeClr val="accent4"/>
+      <a:schemeClr val="accent5"/>
+      <a:schemeClr val="accent6"/>
+    </dgm:linClrLst>
+    <dgm:effectClrLst/>
+    <dgm:txLinClrLst/>
+    <dgm:txFillClrLst meth="repeat">
+      <a:schemeClr val="dk1"/>
+    </dgm:txFillClrLst>
+    <dgm:txEffectClrLst/>
+  </dgm:styleLbl>
+  <dgm:styleLbl name="solidAlignAcc1">
+    <dgm:fillClrLst meth="repeat">
+      <a:schemeClr val="lt1"/>
+    </dgm:fillClrLst>
+    <dgm:linClrLst meth="repeat">
+      <a:schemeClr val="accent2"/>
+      <a:schemeClr val="accent3"/>
+      <a:schemeClr val="accent4"/>
+      <a:schemeClr val="accent5"/>
+      <a:schemeClr val="accent6"/>
+    </dgm:linClrLst>
+    <dgm:effectClrLst/>
+    <dgm:txLinClrLst/>
+    <dgm:txFillClrLst meth="repeat">
+      <a:schemeClr val="dk1"/>
+    </dgm:txFillClrLst>
+    <dgm:txEffectClrLst/>
+  </dgm:styleLbl>
+  <dgm:styleLbl name="solidBgAcc1">
+    <dgm:fillClrLst meth="repeat">
+      <a:schemeClr val="lt1"/>
+    </dgm:fillClrLst>
+    <dgm:linClrLst meth="repeat">
+      <a:schemeClr val="accent2"/>
+      <a:schemeClr val="accent3"/>
+      <a:schemeClr val="accent4"/>
+      <a:schemeClr val="accent5"/>
+      <a:schemeClr val="accent6"/>
+    </dgm:linClrLst>
+    <dgm:effectClrLst/>
+    <dgm:txLinClrLst/>
+    <dgm:txFillClrLst meth="repeat">
+      <a:schemeClr val="dk1"/>
+    </dgm:txFillClrLst>
+    <dgm:txEffectClrLst/>
+  </dgm:styleLbl>
+  <dgm:styleLbl name="fgAccFollowNode1">
+    <dgm:fillClrLst meth="repeat">
+      <a:schemeClr val="accent2">
+        <a:tint val="40000"/>
+        <a:alpha val="90000"/>
+      </a:schemeClr>
+      <a:schemeClr val="accent3">
+        <a:tint val="40000"/>
+        <a:alpha val="90000"/>
+      </a:schemeClr>
+      <a:schemeClr val="accent4">
+        <a:tint val="40000"/>
+        <a:alpha val="90000"/>
+      </a:schemeClr>
+      <a:schemeClr val="accent5">
+        <a:tint val="40000"/>
+        <a:alpha val="90000"/>
+      </a:schemeClr>
+      <a:schemeClr val="accent6">
+        <a:tint val="40000"/>
+        <a:alpha val="90000"/>
+      </a:schemeClr>
+    </dgm:fillClrLst>
+    <dgm:linClrLst meth="repeat">
+      <a:schemeClr val="accent2">
+        <a:tint val="40000"/>
+        <a:alpha val="90000"/>
+      </a:schemeClr>
+      <a:schemeClr val="accent3">
+        <a:tint val="40000"/>
+        <a:alpha val="90000"/>
+      </a:schemeClr>
+      <a:schemeClr val="accent4">
+        <a:tint val="40000"/>
+        <a:alpha val="90000"/>
+      </a:schemeClr>
+      <a:schemeClr val="accent5">
+        <a:tint val="40000"/>
+        <a:alpha val="90000"/>
+      </a:schemeClr>
+      <a:schemeClr val="accent6">
+        <a:tint val="40000"/>
+        <a:alpha val="90000"/>
+      </a:schemeClr>
+    </dgm:linClrLst>
+    <dgm:effectClrLst/>
+    <dgm:txLinClrLst/>
+    <dgm:txFillClrLst meth="repeat">
+      <a:schemeClr val="dk1"/>
+    </dgm:txFillClrLst>
+    <dgm:txEffectClrLst/>
+  </dgm:styleLbl>
+  <dgm:styleLbl name="alignAccFollowNode1">
+    <dgm:fillClrLst meth="repeat">
+      <a:schemeClr val="accent2">
+        <a:tint val="40000"/>
+        <a:alpha val="90000"/>
+      </a:schemeClr>
+      <a:schemeClr val="accent3">
+        <a:tint val="40000"/>
+        <a:alpha val="90000"/>
+      </a:schemeClr>
+      <a:schemeClr val="accent4">
+        <a:tint val="40000"/>
+        <a:alpha val="90000"/>
+      </a:schemeClr>
+      <a:schemeClr val="accent5">
+        <a:tint val="40000"/>
+        <a:alpha val="90000"/>
+      </a:schemeClr>
+      <a:schemeClr val="accent6">
+        <a:tint val="40000"/>
+        <a:alpha val="90000"/>
+      </a:schemeClr>
+    </dgm:fillClrLst>
+    <dgm:linClrLst meth="repeat">
+      <a:schemeClr val="accent2">
+        <a:tint val="40000"/>
+        <a:alpha val="90000"/>
+      </a:schemeClr>
+      <a:schemeClr val="accent3">
+        <a:tint val="40000"/>
+        <a:alpha val="90000"/>
+      </a:schemeClr>
+      <a:schemeClr val="accent4">
+        <a:tint val="40000"/>
+        <a:alpha val="90000"/>
+      </a:schemeClr>
+      <a:schemeClr val="accent5">
+        <a:tint val="40000"/>
+        <a:alpha val="90000"/>
+      </a:schemeClr>
+      <a:schemeClr val="accent6">
+        <a:tint val="40000"/>
+        <a:alpha val="90000"/>
+      </a:schemeClr>
+    </dgm:linClrLst>
+    <dgm:effectClrLst/>
+    <dgm:txLinClrLst/>
+    <dgm:txFillClrLst meth="repeat">
+      <a:schemeClr val="dk1"/>
+    </dgm:txFillClrLst>
+    <dgm:txEffectClrLst/>
+  </dgm:styleLbl>
+  <dgm:styleLbl name="bgAccFollowNode1">
+    <dgm:fillClrLst meth="repeat">
+      <a:schemeClr val="accent2">
+        <a:tint val="40000"/>
+        <a:alpha val="90000"/>
+      </a:schemeClr>
+      <a:schemeClr val="accent3">
+        <a:tint val="40000"/>
+        <a:alpha val="90000"/>
+      </a:schemeClr>
+      <a:schemeClr val="accent4">
+        <a:tint val="40000"/>
+        <a:alpha val="90000"/>
+      </a:schemeClr>
+      <a:schemeClr val="accent5">
+        <a:tint val="40000"/>
+        <a:alpha val="90000"/>
+      </a:schemeClr>
+      <a:schemeClr val="accent6">
+        <a:tint val="40000"/>
+        <a:alpha val="90000"/>
+      </a:schemeClr>
+    </dgm:fillClrLst>
+    <dgm:linClrLst meth="repeat">
+      <a:schemeClr val="accent2">
+        <a:tint val="40000"/>
+        <a:alpha val="90000"/>
+      </a:schemeClr>
+      <a:schemeClr val="accent3">
+        <a:tint val="40000"/>
+        <a:alpha val="90000"/>
+      </a:schemeClr>
+      <a:schemeClr val="accent4">
+        <a:tint val="40000"/>
+        <a:alpha val="90000"/>
+      </a:schemeClr>
+      <a:schemeClr val="accent5">
+        <a:tint val="40000"/>
+        <a:alpha val="90000"/>
+      </a:schemeClr>
+      <a:schemeClr val="accent6">
+        <a:tint val="40000"/>
+        <a:alpha val="90000"/>
+      </a:schemeClr>
+    </dgm:linClrLst>
+    <dgm:effectClrLst/>
+    <dgm:txLinClrLst/>
+    <dgm:txFillClrLst meth="repeat">
+      <a:schemeClr val="dk1"/>
+    </dgm:txFillClrLst>
+    <dgm:txEffectClrLst/>
+  </dgm:styleLbl>
+  <dgm:styleLbl name="fgAcc0">
+    <dgm:fillClrLst meth="repeat">
+      <a:schemeClr val="lt1">
+        <a:alpha val="90000"/>
+      </a:schemeClr>
+    </dgm:fillClrLst>
+    <dgm:linClrLst>
+      <a:schemeClr val="accent1"/>
+    </dgm:linClrLst>
+    <dgm:effectClrLst/>
+    <dgm:txLinClrLst/>
+    <dgm:txFillClrLst meth="repeat">
+      <a:schemeClr val="dk1"/>
+    </dgm:txFillClrLst>
+    <dgm:txEffectClrLst/>
+  </dgm:styleLbl>
+  <dgm:styleLbl name="fgAcc2">
+    <dgm:fillClrLst meth="repeat">
+      <a:schemeClr val="lt1">
+        <a:alpha val="90000"/>
+      </a:schemeClr>
+    </dgm:fillClrLst>
+    <dgm:linClrLst>
+      <a:schemeClr val="accent2"/>
+    </dgm:linClrLst>
+    <dgm:effectClrLst/>
+    <dgm:txLinClrLst/>
+    <dgm:txFillClrLst meth="repeat">
+      <a:schemeClr val="dk1"/>
+    </dgm:txFillClrLst>
+    <dgm:txEffectClrLst/>
+  </dgm:styleLbl>
+  <dgm:styleLbl name="fgAcc3">
+    <dgm:fillClrLst meth="repeat">
+      <a:schemeClr val="lt1">
+        <a:alpha val="90000"/>
+      </a:schemeClr>
+    </dgm:fillClrLst>
+    <dgm:linClrLst>
+      <a:schemeClr val="accent3"/>
+    </dgm:linClrLst>
+    <dgm:effectClrLst/>
+    <dgm:txLinClrLst/>
+    <dgm:txFillClrLst meth="repeat">
+      <a:schemeClr val="dk1"/>
+    </dgm:txFillClrLst>
+    <dgm:txEffectClrLst/>
+  </dgm:styleLbl>
+  <dgm:styleLbl name="fgAcc4">
+    <dgm:fillClrLst meth="repeat">
+      <a:schemeClr val="lt1">
+        <a:alpha val="90000"/>
+      </a:schemeClr>
+    </dgm:fillClrLst>
+    <dgm:linClrLst>
+      <a:schemeClr val="accent4"/>
+    </dgm:linClrLst>
+    <dgm:effectClrLst/>
+    <dgm:txLinClrLst/>
+    <dgm:txFillClrLst meth="repeat">
+      <a:schemeClr val="dk1"/>
+    </dgm:txFillClrLst>
+    <dgm:txEffectClrLst/>
+  </dgm:styleLbl>
+  <dgm:styleLbl name="bgShp">
+    <dgm:fillClrLst meth="repeat">
+      <a:schemeClr val="accent2"/>
+      <a:schemeClr val="accent3"/>
+      <a:schemeClr val="accent4"/>
+      <a:schemeClr val="accent5"/>
+      <a:schemeClr val="accent6"/>
+    </dgm:fillClrLst>
+    <dgm:linClrLst meth="repeat">
+      <a:schemeClr val="lt1">
+        <a:alpha val="0"/>
+      </a:schemeClr>
+    </dgm:linClrLst>
+    <dgm:effectClrLst/>
+    <dgm:txLinClrLst/>
+    <dgm:txFillClrLst/>
+    <dgm:txEffectClrLst/>
+  </dgm:styleLbl>
+  <dgm:styleLbl name="dkBgShp">
+    <dgm:fillClrLst meth="repeat">
+      <a:schemeClr val="accent2">
+        <a:shade val="90000"/>
+      </a:schemeClr>
+    </dgm:fillClrLst>
+    <dgm:linClrLst meth="repeat">
+      <a:schemeClr val="dk1"/>
+    </dgm:linClrLst>
+    <dgm:effectClrLst/>
+    <dgm:txLinClrLst/>
+    <dgm:txFillClrLst meth="repeat">
+      <a:schemeClr val="lt1"/>
+    </dgm:txFillClrLst>
+    <dgm:txEffectClrLst/>
+  </dgm:styleLbl>
+  <dgm:styleLbl name="trBgShp">
+    <dgm:fillClrLst meth="repeat">
+      <a:schemeClr val="accent1">
+        <a:tint val="50000"/>
+        <a:alpha val="40000"/>
+      </a:schemeClr>
+    </dgm:fillClrLst>
+    <dgm:linClrLst meth="repeat">
+      <a:schemeClr val="accent2"/>
+    </dgm:linClrLst>
+    <dgm:effectClrLst/>
+    <dgm:txLinClrLst/>
+    <dgm:txFillClrLst meth="repeat">
+      <a:schemeClr val="lt1"/>
+    </dgm:txFillClrLst>
+    <dgm:txEffectClrLst/>
+  </dgm:styleLbl>
+  <dgm:styleLbl name="fgShp">
+    <dgm:fillClrLst meth="repeat">
+      <a:schemeClr val="accent2">
+        <a:tint val="40000"/>
+      </a:schemeClr>
+    </dgm:fillClrLst>
+    <dgm:linClrLst meth="repeat">
+      <a:schemeClr val="lt1"/>
+    </dgm:linClrLst>
+    <dgm:effectClrLst/>
+    <dgm:txLinClrLst/>
+    <dgm:txFillClrLst meth="repeat">
+      <a:schemeClr val="dk1"/>
+    </dgm:txFillClrLst>
+    <dgm:txEffectClrLst/>
+  </dgm:styleLbl>
+  <dgm:styleLbl name="revTx">
+    <dgm:fillClrLst meth="repeat">
+      <a:schemeClr val="lt1">
+        <a:alpha val="0"/>
+      </a:schemeClr>
+    </dgm:fillClrLst>
+    <dgm:linClrLst meth="repeat">
+      <a:schemeClr val="dk1">
+        <a:alpha val="0"/>
+      </a:schemeClr>
+    </dgm:linClrLst>
+    <dgm:effectClrLst/>
+    <dgm:txLinClrLst/>
+    <dgm:txFillClrLst meth="repeat">
+      <a:schemeClr val="bg1"/>
+    </dgm:txFillClrLst>
+    <dgm:txEffectClrLst/>
+  </dgm:styleLbl>
+</dgm:colorsDef>
+</file>
+
 <file path=ppt/diagrams/data1.xml><?xml version="1.0" encoding="utf-8"?>
 <dgm:dataModel xmlns:dgm="http://schemas.openxmlformats.org/drawingml/2006/diagram" xmlns:a="http://schemas.openxmlformats.org/drawingml/2006/main">
   <dgm:ptLst>
@@ -887,22 +1808,22 @@
         <a:lstStyle/>
         <a:p>
           <a:r>
-            <a:rPr kumimoji="1" lang="en-US"/>
+            <a:rPr kumimoji="1" lang="en-US" dirty="0"/>
             <a:t>Main</a:t>
           </a:r>
           <a:r>
-            <a:rPr kumimoji="1" lang="ja-JP"/>
+            <a:rPr kumimoji="1" lang="ja-JP" dirty="0"/>
             <a:t>クラス</a:t>
           </a:r>
           <a:r>
-            <a:rPr kumimoji="1" lang="en-US"/>
+            <a:rPr kumimoji="1" lang="en-US" dirty="0"/>
             <a:t>…</a:t>
           </a:r>
           <a:r>
-            <a:rPr kumimoji="1" lang="ja-JP"/>
+            <a:rPr kumimoji="1" lang="ja-JP" dirty="0"/>
             <a:t>イベント処理、初期化</a:t>
           </a:r>
-          <a:endParaRPr lang="en-US"/>
+          <a:endParaRPr lang="en-US" dirty="0"/>
         </a:p>
       </dgm:t>
     </dgm:pt>
@@ -1549,6 +2470,367 @@
 </dgm:dataModel>
 </file>
 
+<file path=ppt/diagrams/data2.xml><?xml version="1.0" encoding="utf-8"?>
+<dgm:dataModel xmlns:dgm="http://schemas.openxmlformats.org/drawingml/2006/diagram" xmlns:a="http://schemas.openxmlformats.org/drawingml/2006/main">
+  <dgm:ptLst>
+    <dgm:pt modelId="{52CFEC60-5BB8-4328-9ED6-07F9D537F8F9}" type="doc">
+      <dgm:prSet loTypeId="urn:microsoft.com/office/officeart/2018/2/layout/IconVerticalSolidList" loCatId="icon" qsTypeId="urn:microsoft.com/office/officeart/2005/8/quickstyle/simple1" qsCatId="simple" csTypeId="urn:microsoft.com/office/officeart/2018/5/colors/Iconchunking_neutralicontext_colorful1" csCatId="colorful" phldr="1"/>
+      <dgm:spPr/>
+      <dgm:t>
+        <a:bodyPr/>
+        <a:lstStyle/>
+        <a:p>
+          <a:endParaRPr lang="en-US"/>
+        </a:p>
+      </dgm:t>
+    </dgm:pt>
+    <dgm:pt modelId="{554E8303-6B76-431F-89DA-9309A504423C}">
+      <dgm:prSet/>
+      <dgm:spPr/>
+      <dgm:t>
+        <a:bodyPr/>
+        <a:lstStyle/>
+        <a:p>
+          <a:pPr>
+            <a:lnSpc>
+              <a:spcPct val="100000"/>
+            </a:lnSpc>
+          </a:pPr>
+          <a:r>
+            <a:rPr kumimoji="1" lang="ja-JP"/>
+            <a:t>拡張しきれなかった機能（落とし穴、アイテム</a:t>
+          </a:r>
+          <a:r>
+            <a:rPr kumimoji="1" lang="en-US"/>
+            <a:t>etc.</a:t>
+          </a:r>
+          <a:r>
+            <a:rPr kumimoji="1" lang="ja-JP"/>
+            <a:t>）</a:t>
+          </a:r>
+          <a:endParaRPr lang="en-US"/>
+        </a:p>
+      </dgm:t>
+    </dgm:pt>
+    <dgm:pt modelId="{CE1154C3-20E8-4450-A9A8-31F2ACC5444A}" type="parTrans" cxnId="{A365859B-3927-4437-A0D8-19AC82F3B17E}">
+      <dgm:prSet/>
+      <dgm:spPr/>
+      <dgm:t>
+        <a:bodyPr/>
+        <a:lstStyle/>
+        <a:p>
+          <a:endParaRPr lang="en-US"/>
+        </a:p>
+      </dgm:t>
+    </dgm:pt>
+    <dgm:pt modelId="{83FF09E9-359B-4DF2-A02F-D4C08B5EFCFD}" type="sibTrans" cxnId="{A365859B-3927-4437-A0D8-19AC82F3B17E}">
+      <dgm:prSet/>
+      <dgm:spPr/>
+      <dgm:t>
+        <a:bodyPr/>
+        <a:lstStyle/>
+        <a:p>
+          <a:endParaRPr lang="en-US"/>
+        </a:p>
+      </dgm:t>
+    </dgm:pt>
+    <dgm:pt modelId="{8B1EDDEE-1AFB-4CBA-9DD6-BB8BEEF4A1B7}">
+      <dgm:prSet/>
+      <dgm:spPr/>
+      <dgm:t>
+        <a:bodyPr/>
+        <a:lstStyle/>
+        <a:p>
+          <a:pPr>
+            <a:lnSpc>
+              <a:spcPct val="100000"/>
+            </a:lnSpc>
+          </a:pPr>
+          <a:r>
+            <a:rPr kumimoji="1" lang="ja-JP"/>
+            <a:t>駒の</a:t>
+          </a:r>
+          <a:r>
+            <a:rPr kumimoji="1" lang="en-US"/>
+            <a:t>ImageView</a:t>
+          </a:r>
+          <a:r>
+            <a:rPr kumimoji="1" lang="ja-JP"/>
+            <a:t>を</a:t>
+          </a:r>
+          <a:r>
+            <a:rPr kumimoji="1" lang="en-US"/>
+            <a:t>Piece</a:t>
+          </a:r>
+          <a:r>
+            <a:rPr kumimoji="1" lang="ja-JP"/>
+            <a:t>クラスで定義すればよかった</a:t>
+          </a:r>
+          <a:endParaRPr lang="en-US"/>
+        </a:p>
+      </dgm:t>
+    </dgm:pt>
+    <dgm:pt modelId="{8E432A23-3BF7-4D95-ADB7-CCA893839D90}" type="parTrans" cxnId="{DF498C99-211C-4214-9327-ABE6933668DC}">
+      <dgm:prSet/>
+      <dgm:spPr/>
+      <dgm:t>
+        <a:bodyPr/>
+        <a:lstStyle/>
+        <a:p>
+          <a:endParaRPr lang="en-US"/>
+        </a:p>
+      </dgm:t>
+    </dgm:pt>
+    <dgm:pt modelId="{F264D38B-20D9-4611-9EB3-077F1EC310F8}" type="sibTrans" cxnId="{DF498C99-211C-4214-9327-ABE6933668DC}">
+      <dgm:prSet/>
+      <dgm:spPr/>
+      <dgm:t>
+        <a:bodyPr/>
+        <a:lstStyle/>
+        <a:p>
+          <a:endParaRPr lang="en-US"/>
+        </a:p>
+      </dgm:t>
+    </dgm:pt>
+    <dgm:pt modelId="{9C39FD5B-B728-415A-B051-1291E83B9497}">
+      <dgm:prSet/>
+      <dgm:spPr/>
+      <dgm:t>
+        <a:bodyPr/>
+        <a:lstStyle/>
+        <a:p>
+          <a:pPr>
+            <a:lnSpc>
+              <a:spcPct val="100000"/>
+            </a:lnSpc>
+          </a:pPr>
+          <a:r>
+            <a:rPr lang="ja-JP"/>
+            <a:t>同じような処理を一つのメソッドにまとめればよかった</a:t>
+          </a:r>
+          <a:endParaRPr lang="en-US"/>
+        </a:p>
+      </dgm:t>
+    </dgm:pt>
+    <dgm:pt modelId="{DD0380B6-54D6-456C-A8C0-FA03F9984DA9}" type="parTrans" cxnId="{B858EC33-A38E-40B2-B9B1-F96B02AE7659}">
+      <dgm:prSet/>
+      <dgm:spPr/>
+      <dgm:t>
+        <a:bodyPr/>
+        <a:lstStyle/>
+        <a:p>
+          <a:endParaRPr lang="en-US"/>
+        </a:p>
+      </dgm:t>
+    </dgm:pt>
+    <dgm:pt modelId="{AA052051-CD84-4498-8EA6-10CE2A8973D0}" type="sibTrans" cxnId="{B858EC33-A38E-40B2-B9B1-F96B02AE7659}">
+      <dgm:prSet/>
+      <dgm:spPr/>
+      <dgm:t>
+        <a:bodyPr/>
+        <a:lstStyle/>
+        <a:p>
+          <a:endParaRPr lang="en-US"/>
+        </a:p>
+      </dgm:t>
+    </dgm:pt>
+    <dgm:pt modelId="{0FBF1F94-3ACA-4733-A916-40DF90EDFCFD}" type="pres">
+      <dgm:prSet presAssocID="{52CFEC60-5BB8-4328-9ED6-07F9D537F8F9}" presName="root" presStyleCnt="0">
+        <dgm:presLayoutVars>
+          <dgm:dir/>
+          <dgm:resizeHandles val="exact"/>
+        </dgm:presLayoutVars>
+      </dgm:prSet>
+      <dgm:spPr/>
+    </dgm:pt>
+    <dgm:pt modelId="{457F8ABA-B98C-4454-86C5-FEB84F13481D}" type="pres">
+      <dgm:prSet presAssocID="{554E8303-6B76-431F-89DA-9309A504423C}" presName="compNode" presStyleCnt="0"/>
+      <dgm:spPr/>
+    </dgm:pt>
+    <dgm:pt modelId="{64F2C8DB-B505-4326-8514-FF8FB96A7CBA}" type="pres">
+      <dgm:prSet presAssocID="{554E8303-6B76-431F-89DA-9309A504423C}" presName="bgRect" presStyleLbl="bgShp" presStyleIdx="0" presStyleCnt="3"/>
+      <dgm:spPr/>
+    </dgm:pt>
+    <dgm:pt modelId="{0DEE78D7-C8FC-4051-A0AD-76A7E7D5781F}" type="pres">
+      <dgm:prSet presAssocID="{554E8303-6B76-431F-89DA-9309A504423C}" presName="iconRect" presStyleLbl="node1" presStyleIdx="0" presStyleCnt="3"/>
+      <dgm:spPr>
+        <a:blipFill>
+          <a:blip xmlns:r="http://schemas.openxmlformats.org/officeDocument/2006/relationships" r:embed="rId1">
+            <a:extLst>
+              <a:ext uri="{28A0092B-C50C-407E-A947-70E740481C1C}">
+                <a14:useLocalDpi xmlns:a14="http://schemas.microsoft.com/office/drawing/2010/main" val="0"/>
+              </a:ext>
+              <a:ext uri="{96DAC541-7B7A-43D3-8B79-37D633B846F1}">
+                <asvg:svgBlip xmlns:asvg="http://schemas.microsoft.com/office/drawing/2016/SVG/main" r:embed="rId2"/>
+              </a:ext>
+            </a:extLst>
+          </a:blip>
+          <a:stretch>
+            <a:fillRect/>
+          </a:stretch>
+        </a:blipFill>
+        <a:ln>
+          <a:noFill/>
+        </a:ln>
+      </dgm:spPr>
+      <dgm:extLst>
+        <a:ext uri="{E40237B7-FDA0-4F09-8148-C483321AD2D9}">
+          <dgm14:cNvPr xmlns:dgm14="http://schemas.microsoft.com/office/drawing/2010/diagram" id="0" name="" descr="Tools"/>
+        </a:ext>
+      </dgm:extLst>
+    </dgm:pt>
+    <dgm:pt modelId="{6430593F-2F8E-43C2-A50E-47D990D187D6}" type="pres">
+      <dgm:prSet presAssocID="{554E8303-6B76-431F-89DA-9309A504423C}" presName="spaceRect" presStyleCnt="0"/>
+      <dgm:spPr/>
+    </dgm:pt>
+    <dgm:pt modelId="{82B6ED47-5777-44BF-93F1-72B431A43A11}" type="pres">
+      <dgm:prSet presAssocID="{554E8303-6B76-431F-89DA-9309A504423C}" presName="parTx" presStyleLbl="revTx" presStyleIdx="0" presStyleCnt="3">
+        <dgm:presLayoutVars>
+          <dgm:chMax val="0"/>
+          <dgm:chPref val="0"/>
+        </dgm:presLayoutVars>
+      </dgm:prSet>
+      <dgm:spPr/>
+    </dgm:pt>
+    <dgm:pt modelId="{D650224B-F05B-4D7B-BD30-4AA2B9FF0655}" type="pres">
+      <dgm:prSet presAssocID="{83FF09E9-359B-4DF2-A02F-D4C08B5EFCFD}" presName="sibTrans" presStyleCnt="0"/>
+      <dgm:spPr/>
+    </dgm:pt>
+    <dgm:pt modelId="{7D792E98-F253-4FB6-B70C-924A6FD6266E}" type="pres">
+      <dgm:prSet presAssocID="{8B1EDDEE-1AFB-4CBA-9DD6-BB8BEEF4A1B7}" presName="compNode" presStyleCnt="0"/>
+      <dgm:spPr/>
+    </dgm:pt>
+    <dgm:pt modelId="{CDF5FFE0-B6FD-4F4B-8741-767489EA6E17}" type="pres">
+      <dgm:prSet presAssocID="{8B1EDDEE-1AFB-4CBA-9DD6-BB8BEEF4A1B7}" presName="bgRect" presStyleLbl="bgShp" presStyleIdx="1" presStyleCnt="3"/>
+      <dgm:spPr/>
+    </dgm:pt>
+    <dgm:pt modelId="{73D338E3-4BBF-4CE1-BAEE-B12C4CEAF80F}" type="pres">
+      <dgm:prSet presAssocID="{8B1EDDEE-1AFB-4CBA-9DD6-BB8BEEF4A1B7}" presName="iconRect" presStyleLbl="node1" presStyleIdx="1" presStyleCnt="3"/>
+      <dgm:spPr>
+        <a:blipFill>
+          <a:blip xmlns:r="http://schemas.openxmlformats.org/officeDocument/2006/relationships" r:embed="rId3">
+            <a:extLst>
+              <a:ext uri="{96DAC541-7B7A-43D3-8B79-37D633B846F1}">
+                <asvg:svgBlip xmlns:asvg="http://schemas.microsoft.com/office/drawing/2016/SVG/main" r:embed="rId4"/>
+              </a:ext>
+            </a:extLst>
+          </a:blip>
+          <a:srcRect/>
+          <a:stretch>
+            <a:fillRect/>
+          </a:stretch>
+        </a:blipFill>
+        <a:ln>
+          <a:noFill/>
+        </a:ln>
+      </dgm:spPr>
+      <dgm:extLst>
+        <a:ext uri="{E40237B7-FDA0-4F09-8148-C483321AD2D9}">
+          <dgm14:cNvPr xmlns:dgm14="http://schemas.microsoft.com/office/drawing/2010/diagram" id="0" name="" descr="チェスの駒"/>
+        </a:ext>
+      </dgm:extLst>
+    </dgm:pt>
+    <dgm:pt modelId="{407A83EF-5966-4265-AAC6-B11C8EFD42A7}" type="pres">
+      <dgm:prSet presAssocID="{8B1EDDEE-1AFB-4CBA-9DD6-BB8BEEF4A1B7}" presName="spaceRect" presStyleCnt="0"/>
+      <dgm:spPr/>
+    </dgm:pt>
+    <dgm:pt modelId="{CD18F1A8-D1E1-4D65-BC90-CFA50C9094A6}" type="pres">
+      <dgm:prSet presAssocID="{8B1EDDEE-1AFB-4CBA-9DD6-BB8BEEF4A1B7}" presName="parTx" presStyleLbl="revTx" presStyleIdx="1" presStyleCnt="3">
+        <dgm:presLayoutVars>
+          <dgm:chMax val="0"/>
+          <dgm:chPref val="0"/>
+        </dgm:presLayoutVars>
+      </dgm:prSet>
+      <dgm:spPr/>
+    </dgm:pt>
+    <dgm:pt modelId="{0399521A-52D9-4CB6-903F-19504E3D9740}" type="pres">
+      <dgm:prSet presAssocID="{F264D38B-20D9-4611-9EB3-077F1EC310F8}" presName="sibTrans" presStyleCnt="0"/>
+      <dgm:spPr/>
+    </dgm:pt>
+    <dgm:pt modelId="{C39816F2-B10C-4871-9198-B210E3875A8F}" type="pres">
+      <dgm:prSet presAssocID="{9C39FD5B-B728-415A-B051-1291E83B9497}" presName="compNode" presStyleCnt="0"/>
+      <dgm:spPr/>
+    </dgm:pt>
+    <dgm:pt modelId="{526319B5-6702-4A8F-8259-0524E7735D4B}" type="pres">
+      <dgm:prSet presAssocID="{9C39FD5B-B728-415A-B051-1291E83B9497}" presName="bgRect" presStyleLbl="bgShp" presStyleIdx="2" presStyleCnt="3"/>
+      <dgm:spPr/>
+    </dgm:pt>
+    <dgm:pt modelId="{311AE193-CDB8-4EAC-BC4B-254ED9315F61}" type="pres">
+      <dgm:prSet presAssocID="{9C39FD5B-B728-415A-B051-1291E83B9497}" presName="iconRect" presStyleLbl="node1" presStyleIdx="2" presStyleCnt="3"/>
+      <dgm:spPr>
+        <a:blipFill>
+          <a:blip xmlns:r="http://schemas.openxmlformats.org/officeDocument/2006/relationships" r:embed="rId5">
+            <a:extLst>
+              <a:ext uri="{96DAC541-7B7A-43D3-8B79-37D633B846F1}">
+                <asvg:svgBlip xmlns:asvg="http://schemas.microsoft.com/office/drawing/2016/SVG/main" r:embed="rId6"/>
+              </a:ext>
+            </a:extLst>
+          </a:blip>
+          <a:srcRect/>
+          <a:stretch>
+            <a:fillRect/>
+          </a:stretch>
+        </a:blipFill>
+        <a:ln>
+          <a:noFill/>
+        </a:ln>
+      </dgm:spPr>
+      <dgm:extLst>
+        <a:ext uri="{E40237B7-FDA0-4F09-8148-C483321AD2D9}">
+          <dgm14:cNvPr xmlns:dgm14="http://schemas.microsoft.com/office/drawing/2010/diagram" id="0" name="" descr="歯車 1 つ"/>
+        </a:ext>
+      </dgm:extLst>
+    </dgm:pt>
+    <dgm:pt modelId="{7655D630-D48E-4463-A4A2-6C8E13CE590C}" type="pres">
+      <dgm:prSet presAssocID="{9C39FD5B-B728-415A-B051-1291E83B9497}" presName="spaceRect" presStyleCnt="0"/>
+      <dgm:spPr/>
+    </dgm:pt>
+    <dgm:pt modelId="{11DBCE95-D205-4424-A30A-96DED6B0ACE7}" type="pres">
+      <dgm:prSet presAssocID="{9C39FD5B-B728-415A-B051-1291E83B9497}" presName="parTx" presStyleLbl="revTx" presStyleIdx="2" presStyleCnt="3">
+        <dgm:presLayoutVars>
+          <dgm:chMax val="0"/>
+          <dgm:chPref val="0"/>
+        </dgm:presLayoutVars>
+      </dgm:prSet>
+      <dgm:spPr/>
+    </dgm:pt>
+  </dgm:ptLst>
+  <dgm:cxnLst>
+    <dgm:cxn modelId="{1696E715-0093-4C08-897B-CD8AC965B4DA}" type="presOf" srcId="{9C39FD5B-B728-415A-B051-1291E83B9497}" destId="{11DBCE95-D205-4424-A30A-96DED6B0ACE7}" srcOrd="0" destOrd="0" presId="urn:microsoft.com/office/officeart/2018/2/layout/IconVerticalSolidList"/>
+    <dgm:cxn modelId="{B858EC33-A38E-40B2-B9B1-F96B02AE7659}" srcId="{52CFEC60-5BB8-4328-9ED6-07F9D537F8F9}" destId="{9C39FD5B-B728-415A-B051-1291E83B9497}" srcOrd="2" destOrd="0" parTransId="{DD0380B6-54D6-456C-A8C0-FA03F9984DA9}" sibTransId="{AA052051-CD84-4498-8EA6-10CE2A8973D0}"/>
+    <dgm:cxn modelId="{15E29D63-AB8F-4D67-974A-1FB66B49D8E7}" type="presOf" srcId="{52CFEC60-5BB8-4328-9ED6-07F9D537F8F9}" destId="{0FBF1F94-3ACA-4733-A916-40DF90EDFCFD}" srcOrd="0" destOrd="0" presId="urn:microsoft.com/office/officeart/2018/2/layout/IconVerticalSolidList"/>
+    <dgm:cxn modelId="{6B2E1D48-91F2-4111-A4C7-231CDE2CF312}" type="presOf" srcId="{8B1EDDEE-1AFB-4CBA-9DD6-BB8BEEF4A1B7}" destId="{CD18F1A8-D1E1-4D65-BC90-CFA50C9094A6}" srcOrd="0" destOrd="0" presId="urn:microsoft.com/office/officeart/2018/2/layout/IconVerticalSolidList"/>
+    <dgm:cxn modelId="{06BF0890-91DA-4018-A1E3-2815F7D4EB52}" type="presOf" srcId="{554E8303-6B76-431F-89DA-9309A504423C}" destId="{82B6ED47-5777-44BF-93F1-72B431A43A11}" srcOrd="0" destOrd="0" presId="urn:microsoft.com/office/officeart/2018/2/layout/IconVerticalSolidList"/>
+    <dgm:cxn modelId="{DF498C99-211C-4214-9327-ABE6933668DC}" srcId="{52CFEC60-5BB8-4328-9ED6-07F9D537F8F9}" destId="{8B1EDDEE-1AFB-4CBA-9DD6-BB8BEEF4A1B7}" srcOrd="1" destOrd="0" parTransId="{8E432A23-3BF7-4D95-ADB7-CCA893839D90}" sibTransId="{F264D38B-20D9-4611-9EB3-077F1EC310F8}"/>
+    <dgm:cxn modelId="{A365859B-3927-4437-A0D8-19AC82F3B17E}" srcId="{52CFEC60-5BB8-4328-9ED6-07F9D537F8F9}" destId="{554E8303-6B76-431F-89DA-9309A504423C}" srcOrd="0" destOrd="0" parTransId="{CE1154C3-20E8-4450-A9A8-31F2ACC5444A}" sibTransId="{83FF09E9-359B-4DF2-A02F-D4C08B5EFCFD}"/>
+    <dgm:cxn modelId="{E32F8D49-3F27-4F59-8315-4DEE8BDA7177}" type="presParOf" srcId="{0FBF1F94-3ACA-4733-A916-40DF90EDFCFD}" destId="{457F8ABA-B98C-4454-86C5-FEB84F13481D}" srcOrd="0" destOrd="0" presId="urn:microsoft.com/office/officeart/2018/2/layout/IconVerticalSolidList"/>
+    <dgm:cxn modelId="{6028291F-1EEC-4C4E-ABDE-D35BBA8EE791}" type="presParOf" srcId="{457F8ABA-B98C-4454-86C5-FEB84F13481D}" destId="{64F2C8DB-B505-4326-8514-FF8FB96A7CBA}" srcOrd="0" destOrd="0" presId="urn:microsoft.com/office/officeart/2018/2/layout/IconVerticalSolidList"/>
+    <dgm:cxn modelId="{CC9FD89D-4B0F-4622-B012-B48057D603B5}" type="presParOf" srcId="{457F8ABA-B98C-4454-86C5-FEB84F13481D}" destId="{0DEE78D7-C8FC-4051-A0AD-76A7E7D5781F}" srcOrd="1" destOrd="0" presId="urn:microsoft.com/office/officeart/2018/2/layout/IconVerticalSolidList"/>
+    <dgm:cxn modelId="{6C475977-AB90-4AE1-9E64-CA763DC8BACE}" type="presParOf" srcId="{457F8ABA-B98C-4454-86C5-FEB84F13481D}" destId="{6430593F-2F8E-43C2-A50E-47D990D187D6}" srcOrd="2" destOrd="0" presId="urn:microsoft.com/office/officeart/2018/2/layout/IconVerticalSolidList"/>
+    <dgm:cxn modelId="{D8111C51-1F4A-4FF9-9460-F59E86750C26}" type="presParOf" srcId="{457F8ABA-B98C-4454-86C5-FEB84F13481D}" destId="{82B6ED47-5777-44BF-93F1-72B431A43A11}" srcOrd="3" destOrd="0" presId="urn:microsoft.com/office/officeart/2018/2/layout/IconVerticalSolidList"/>
+    <dgm:cxn modelId="{45E0997F-B208-4ACB-B3E2-9C658943F9EE}" type="presParOf" srcId="{0FBF1F94-3ACA-4733-A916-40DF90EDFCFD}" destId="{D650224B-F05B-4D7B-BD30-4AA2B9FF0655}" srcOrd="1" destOrd="0" presId="urn:microsoft.com/office/officeart/2018/2/layout/IconVerticalSolidList"/>
+    <dgm:cxn modelId="{BC583275-EEBD-46C2-8EEF-35557899F945}" type="presParOf" srcId="{0FBF1F94-3ACA-4733-A916-40DF90EDFCFD}" destId="{7D792E98-F253-4FB6-B70C-924A6FD6266E}" srcOrd="2" destOrd="0" presId="urn:microsoft.com/office/officeart/2018/2/layout/IconVerticalSolidList"/>
+    <dgm:cxn modelId="{4BF5CB92-5F1F-4AB5-8BD7-29A68ACDD804}" type="presParOf" srcId="{7D792E98-F253-4FB6-B70C-924A6FD6266E}" destId="{CDF5FFE0-B6FD-4F4B-8741-767489EA6E17}" srcOrd="0" destOrd="0" presId="urn:microsoft.com/office/officeart/2018/2/layout/IconVerticalSolidList"/>
+    <dgm:cxn modelId="{68493DD5-9727-4A2A-AD6A-AD8C6394A24E}" type="presParOf" srcId="{7D792E98-F253-4FB6-B70C-924A6FD6266E}" destId="{73D338E3-4BBF-4CE1-BAEE-B12C4CEAF80F}" srcOrd="1" destOrd="0" presId="urn:microsoft.com/office/officeart/2018/2/layout/IconVerticalSolidList"/>
+    <dgm:cxn modelId="{D616E31B-40CA-46A7-BAF2-7E26FDBA608E}" type="presParOf" srcId="{7D792E98-F253-4FB6-B70C-924A6FD6266E}" destId="{407A83EF-5966-4265-AAC6-B11C8EFD42A7}" srcOrd="2" destOrd="0" presId="urn:microsoft.com/office/officeart/2018/2/layout/IconVerticalSolidList"/>
+    <dgm:cxn modelId="{4B2C5527-C9DA-4EB0-883D-618D9DBE4E00}" type="presParOf" srcId="{7D792E98-F253-4FB6-B70C-924A6FD6266E}" destId="{CD18F1A8-D1E1-4D65-BC90-CFA50C9094A6}" srcOrd="3" destOrd="0" presId="urn:microsoft.com/office/officeart/2018/2/layout/IconVerticalSolidList"/>
+    <dgm:cxn modelId="{44DCE5A0-6AC1-4AB4-8A63-71F408F9307C}" type="presParOf" srcId="{0FBF1F94-3ACA-4733-A916-40DF90EDFCFD}" destId="{0399521A-52D9-4CB6-903F-19504E3D9740}" srcOrd="3" destOrd="0" presId="urn:microsoft.com/office/officeart/2018/2/layout/IconVerticalSolidList"/>
+    <dgm:cxn modelId="{00E91D79-4284-4313-82B0-6E7EB096DD6B}" type="presParOf" srcId="{0FBF1F94-3ACA-4733-A916-40DF90EDFCFD}" destId="{C39816F2-B10C-4871-9198-B210E3875A8F}" srcOrd="4" destOrd="0" presId="urn:microsoft.com/office/officeart/2018/2/layout/IconVerticalSolidList"/>
+    <dgm:cxn modelId="{9BE574EF-BBCA-4F6B-9CC4-46C52EE84A0D}" type="presParOf" srcId="{C39816F2-B10C-4871-9198-B210E3875A8F}" destId="{526319B5-6702-4A8F-8259-0524E7735D4B}" srcOrd="0" destOrd="0" presId="urn:microsoft.com/office/officeart/2018/2/layout/IconVerticalSolidList"/>
+    <dgm:cxn modelId="{82F0D67F-6F7F-4295-AE44-E244FBD538BA}" type="presParOf" srcId="{C39816F2-B10C-4871-9198-B210E3875A8F}" destId="{311AE193-CDB8-4EAC-BC4B-254ED9315F61}" srcOrd="1" destOrd="0" presId="urn:microsoft.com/office/officeart/2018/2/layout/IconVerticalSolidList"/>
+    <dgm:cxn modelId="{4646B43E-A932-44D0-92DD-424A2681ED6E}" type="presParOf" srcId="{C39816F2-B10C-4871-9198-B210E3875A8F}" destId="{7655D630-D48E-4463-A4A2-6C8E13CE590C}" srcOrd="2" destOrd="0" presId="urn:microsoft.com/office/officeart/2018/2/layout/IconVerticalSolidList"/>
+    <dgm:cxn modelId="{58382A58-397E-459D-92C1-94C6FDB7B0DC}" type="presParOf" srcId="{C39816F2-B10C-4871-9198-B210E3875A8F}" destId="{11DBCE95-D205-4424-A30A-96DED6B0ACE7}" srcOrd="3" destOrd="0" presId="urn:microsoft.com/office/officeart/2018/2/layout/IconVerticalSolidList"/>
+  </dgm:cxnLst>
+  <dgm:bg/>
+  <dgm:whole/>
+  <dgm:extLst>
+    <a:ext uri="http://schemas.microsoft.com/office/drawing/2008/diagram">
+      <dsp:dataModelExt xmlns:dsp="http://schemas.microsoft.com/office/drawing/2008/diagram" relId="rId6" minVer="http://schemas.openxmlformats.org/drawingml/2006/diagram"/>
+    </a:ext>
+  </dgm:extLst>
+</dgm:dataModel>
+</file>
+
 <file path=ppt/diagrams/drawing1.xml><?xml version="1.0" encoding="utf-8"?>
 <dsp:drawing xmlns:dgm="http://schemas.openxmlformats.org/drawingml/2006/diagram" xmlns:dsp="http://schemas.microsoft.com/office/drawing/2008/diagram" xmlns:a="http://schemas.openxmlformats.org/drawingml/2006/main">
   <dsp:spTree>
@@ -1699,22 +2981,22 @@
             <a:buNone/>
           </a:pPr>
           <a:r>
-            <a:rPr kumimoji="1" lang="en-US" sz="1900" kern="1200"/>
+            <a:rPr kumimoji="1" lang="en-US" sz="1900" kern="1200" dirty="0"/>
             <a:t>Main</a:t>
           </a:r>
           <a:r>
-            <a:rPr kumimoji="1" lang="ja-JP" sz="1900" kern="1200"/>
+            <a:rPr kumimoji="1" lang="ja-JP" sz="1900" kern="1200" dirty="0"/>
             <a:t>クラス</a:t>
           </a:r>
           <a:r>
-            <a:rPr kumimoji="1" lang="en-US" sz="1900" kern="1200"/>
+            <a:rPr kumimoji="1" lang="en-US" sz="1900" kern="1200" dirty="0"/>
             <a:t>…</a:t>
           </a:r>
           <a:r>
-            <a:rPr kumimoji="1" lang="ja-JP" sz="1900" kern="1200"/>
+            <a:rPr kumimoji="1" lang="ja-JP" sz="1900" kern="1200" dirty="0"/>
             <a:t>イベント処理、初期化</a:t>
           </a:r>
-          <a:endParaRPr lang="en-US" sz="1900" kern="1200"/>
+          <a:endParaRPr lang="en-US" sz="1900" kern="1200" dirty="0"/>
         </a:p>
       </dsp:txBody>
       <dsp:txXfrm>
@@ -2543,7 +3825,789 @@
 </dsp:drawing>
 </file>
 
+<file path=ppt/diagrams/drawing2.xml><?xml version="1.0" encoding="utf-8"?>
+<dsp:drawing xmlns:dgm="http://schemas.openxmlformats.org/drawingml/2006/diagram" xmlns:dsp="http://schemas.microsoft.com/office/drawing/2008/diagram" xmlns:a="http://schemas.openxmlformats.org/drawingml/2006/main">
+  <dsp:spTree>
+    <dsp:nvGrpSpPr>
+      <dsp:cNvPr id="0" name=""/>
+      <dsp:cNvGrpSpPr/>
+    </dsp:nvGrpSpPr>
+    <dsp:grpSpPr/>
+    <dsp:sp modelId="{64F2C8DB-B505-4326-8514-FF8FB96A7CBA}">
+      <dsp:nvSpPr>
+        <dsp:cNvPr id="0" name=""/>
+        <dsp:cNvSpPr/>
+      </dsp:nvSpPr>
+      <dsp:spPr>
+        <a:xfrm>
+          <a:off x="0" y="718"/>
+          <a:ext cx="6513603" cy="1681139"/>
+        </a:xfrm>
+        <a:prstGeom prst="roundRect">
+          <a:avLst>
+            <a:gd name="adj" fmla="val 10000"/>
+          </a:avLst>
+        </a:prstGeom>
+        <a:solidFill>
+          <a:schemeClr val="accent2">
+            <a:hueOff val="0"/>
+            <a:satOff val="0"/>
+            <a:lumOff val="0"/>
+            <a:alphaOff val="0"/>
+          </a:schemeClr>
+        </a:solidFill>
+        <a:ln>
+          <a:noFill/>
+        </a:ln>
+        <a:effectLst/>
+      </dsp:spPr>
+      <dsp:style>
+        <a:lnRef idx="0">
+          <a:scrgbClr r="0" g="0" b="0"/>
+        </a:lnRef>
+        <a:fillRef idx="1">
+          <a:scrgbClr r="0" g="0" b="0"/>
+        </a:fillRef>
+        <a:effectRef idx="0">
+          <a:scrgbClr r="0" g="0" b="0"/>
+        </a:effectRef>
+        <a:fontRef idx="minor"/>
+      </dsp:style>
+    </dsp:sp>
+    <dsp:sp modelId="{0DEE78D7-C8FC-4051-A0AD-76A7E7D5781F}">
+      <dsp:nvSpPr>
+        <dsp:cNvPr id="0" name=""/>
+        <dsp:cNvSpPr/>
+      </dsp:nvSpPr>
+      <dsp:spPr>
+        <a:xfrm>
+          <a:off x="508544" y="378974"/>
+          <a:ext cx="924626" cy="924626"/>
+        </a:xfrm>
+        <a:prstGeom prst="rect">
+          <a:avLst/>
+        </a:prstGeom>
+        <a:blipFill>
+          <a:blip xmlns:r="http://schemas.openxmlformats.org/officeDocument/2006/relationships" r:embed="rId1">
+            <a:extLst>
+              <a:ext uri="{28A0092B-C50C-407E-A947-70E740481C1C}">
+                <a14:useLocalDpi xmlns:a14="http://schemas.microsoft.com/office/drawing/2010/main" val="0"/>
+              </a:ext>
+              <a:ext uri="{96DAC541-7B7A-43D3-8B79-37D633B846F1}">
+                <asvg:svgBlip xmlns:asvg="http://schemas.microsoft.com/office/drawing/2016/SVG/main" r:embed="rId2"/>
+              </a:ext>
+            </a:extLst>
+          </a:blip>
+          <a:stretch>
+            <a:fillRect/>
+          </a:stretch>
+        </a:blipFill>
+        <a:ln w="12700" cap="flat" cmpd="sng" algn="ctr">
+          <a:noFill/>
+          <a:prstDash val="solid"/>
+          <a:miter lim="800000"/>
+        </a:ln>
+        <a:effectLst/>
+      </dsp:spPr>
+      <dsp:style>
+        <a:lnRef idx="2">
+          <a:scrgbClr r="0" g="0" b="0"/>
+        </a:lnRef>
+        <a:fillRef idx="1">
+          <a:scrgbClr r="0" g="0" b="0"/>
+        </a:fillRef>
+        <a:effectRef idx="0">
+          <a:scrgbClr r="0" g="0" b="0"/>
+        </a:effectRef>
+        <a:fontRef idx="minor">
+          <a:schemeClr val="lt1"/>
+        </a:fontRef>
+      </dsp:style>
+    </dsp:sp>
+    <dsp:sp modelId="{82B6ED47-5777-44BF-93F1-72B431A43A11}">
+      <dsp:nvSpPr>
+        <dsp:cNvPr id="0" name=""/>
+        <dsp:cNvSpPr/>
+      </dsp:nvSpPr>
+      <dsp:spPr>
+        <a:xfrm>
+          <a:off x="1941716" y="718"/>
+          <a:ext cx="4571887" cy="1681139"/>
+        </a:xfrm>
+        <a:prstGeom prst="rect">
+          <a:avLst/>
+        </a:prstGeom>
+        <a:noFill/>
+        <a:ln>
+          <a:noFill/>
+        </a:ln>
+        <a:effectLst/>
+      </dsp:spPr>
+      <dsp:style>
+        <a:lnRef idx="0">
+          <a:scrgbClr r="0" g="0" b="0"/>
+        </a:lnRef>
+        <a:fillRef idx="0">
+          <a:scrgbClr r="0" g="0" b="0"/>
+        </a:fillRef>
+        <a:effectRef idx="0">
+          <a:scrgbClr r="0" g="0" b="0"/>
+        </a:effectRef>
+        <a:fontRef idx="minor"/>
+      </dsp:style>
+      <dsp:txBody>
+        <a:bodyPr spcFirstLastPara="0" vert="horz" wrap="square" lIns="177921" tIns="177921" rIns="177921" bIns="177921" numCol="1" spcCol="1270" anchor="ctr" anchorCtr="0">
+          <a:noAutofit/>
+        </a:bodyPr>
+        <a:lstStyle/>
+        <a:p>
+          <a:pPr marL="0" lvl="0" indent="0" algn="l" defTabSz="1066800">
+            <a:lnSpc>
+              <a:spcPct val="100000"/>
+            </a:lnSpc>
+            <a:spcBef>
+              <a:spcPct val="0"/>
+            </a:spcBef>
+            <a:spcAft>
+              <a:spcPct val="35000"/>
+            </a:spcAft>
+            <a:buNone/>
+          </a:pPr>
+          <a:r>
+            <a:rPr kumimoji="1" lang="ja-JP" sz="2400" kern="1200"/>
+            <a:t>拡張しきれなかった機能（落とし穴、アイテム</a:t>
+          </a:r>
+          <a:r>
+            <a:rPr kumimoji="1" lang="en-US" sz="2400" kern="1200"/>
+            <a:t>etc.</a:t>
+          </a:r>
+          <a:r>
+            <a:rPr kumimoji="1" lang="ja-JP" sz="2400" kern="1200"/>
+            <a:t>）</a:t>
+          </a:r>
+          <a:endParaRPr lang="en-US" sz="2400" kern="1200"/>
+        </a:p>
+      </dsp:txBody>
+      <dsp:txXfrm>
+        <a:off x="1941716" y="718"/>
+        <a:ext cx="4571887" cy="1681139"/>
+      </dsp:txXfrm>
+    </dsp:sp>
+    <dsp:sp modelId="{CDF5FFE0-B6FD-4F4B-8741-767489EA6E17}">
+      <dsp:nvSpPr>
+        <dsp:cNvPr id="0" name=""/>
+        <dsp:cNvSpPr/>
+      </dsp:nvSpPr>
+      <dsp:spPr>
+        <a:xfrm>
+          <a:off x="0" y="2102143"/>
+          <a:ext cx="6513603" cy="1681139"/>
+        </a:xfrm>
+        <a:prstGeom prst="roundRect">
+          <a:avLst>
+            <a:gd name="adj" fmla="val 10000"/>
+          </a:avLst>
+        </a:prstGeom>
+        <a:solidFill>
+          <a:schemeClr val="accent3">
+            <a:hueOff val="0"/>
+            <a:satOff val="0"/>
+            <a:lumOff val="0"/>
+            <a:alphaOff val="0"/>
+          </a:schemeClr>
+        </a:solidFill>
+        <a:ln>
+          <a:noFill/>
+        </a:ln>
+        <a:effectLst/>
+      </dsp:spPr>
+      <dsp:style>
+        <a:lnRef idx="0">
+          <a:scrgbClr r="0" g="0" b="0"/>
+        </a:lnRef>
+        <a:fillRef idx="1">
+          <a:scrgbClr r="0" g="0" b="0"/>
+        </a:fillRef>
+        <a:effectRef idx="0">
+          <a:scrgbClr r="0" g="0" b="0"/>
+        </a:effectRef>
+        <a:fontRef idx="minor"/>
+      </dsp:style>
+    </dsp:sp>
+    <dsp:sp modelId="{73D338E3-4BBF-4CE1-BAEE-B12C4CEAF80F}">
+      <dsp:nvSpPr>
+        <dsp:cNvPr id="0" name=""/>
+        <dsp:cNvSpPr/>
+      </dsp:nvSpPr>
+      <dsp:spPr>
+        <a:xfrm>
+          <a:off x="508544" y="2480399"/>
+          <a:ext cx="924626" cy="924626"/>
+        </a:xfrm>
+        <a:prstGeom prst="rect">
+          <a:avLst/>
+        </a:prstGeom>
+        <a:blipFill>
+          <a:blip xmlns:r="http://schemas.openxmlformats.org/officeDocument/2006/relationships" r:embed="rId3">
+            <a:extLst>
+              <a:ext uri="{96DAC541-7B7A-43D3-8B79-37D633B846F1}">
+                <asvg:svgBlip xmlns:asvg="http://schemas.microsoft.com/office/drawing/2016/SVG/main" r:embed="rId4"/>
+              </a:ext>
+            </a:extLst>
+          </a:blip>
+          <a:srcRect/>
+          <a:stretch>
+            <a:fillRect/>
+          </a:stretch>
+        </a:blipFill>
+        <a:ln w="12700" cap="flat" cmpd="sng" algn="ctr">
+          <a:noFill/>
+          <a:prstDash val="solid"/>
+          <a:miter lim="800000"/>
+        </a:ln>
+        <a:effectLst/>
+      </dsp:spPr>
+      <dsp:style>
+        <a:lnRef idx="2">
+          <a:scrgbClr r="0" g="0" b="0"/>
+        </a:lnRef>
+        <a:fillRef idx="1">
+          <a:scrgbClr r="0" g="0" b="0"/>
+        </a:fillRef>
+        <a:effectRef idx="0">
+          <a:scrgbClr r="0" g="0" b="0"/>
+        </a:effectRef>
+        <a:fontRef idx="minor">
+          <a:schemeClr val="lt1"/>
+        </a:fontRef>
+      </dsp:style>
+    </dsp:sp>
+    <dsp:sp modelId="{CD18F1A8-D1E1-4D65-BC90-CFA50C9094A6}">
+      <dsp:nvSpPr>
+        <dsp:cNvPr id="0" name=""/>
+        <dsp:cNvSpPr/>
+      </dsp:nvSpPr>
+      <dsp:spPr>
+        <a:xfrm>
+          <a:off x="1941716" y="2102143"/>
+          <a:ext cx="4571887" cy="1681139"/>
+        </a:xfrm>
+        <a:prstGeom prst="rect">
+          <a:avLst/>
+        </a:prstGeom>
+        <a:noFill/>
+        <a:ln>
+          <a:noFill/>
+        </a:ln>
+        <a:effectLst/>
+      </dsp:spPr>
+      <dsp:style>
+        <a:lnRef idx="0">
+          <a:scrgbClr r="0" g="0" b="0"/>
+        </a:lnRef>
+        <a:fillRef idx="0">
+          <a:scrgbClr r="0" g="0" b="0"/>
+        </a:fillRef>
+        <a:effectRef idx="0">
+          <a:scrgbClr r="0" g="0" b="0"/>
+        </a:effectRef>
+        <a:fontRef idx="minor"/>
+      </dsp:style>
+      <dsp:txBody>
+        <a:bodyPr spcFirstLastPara="0" vert="horz" wrap="square" lIns="177921" tIns="177921" rIns="177921" bIns="177921" numCol="1" spcCol="1270" anchor="ctr" anchorCtr="0">
+          <a:noAutofit/>
+        </a:bodyPr>
+        <a:lstStyle/>
+        <a:p>
+          <a:pPr marL="0" lvl="0" indent="0" algn="l" defTabSz="1066800">
+            <a:lnSpc>
+              <a:spcPct val="100000"/>
+            </a:lnSpc>
+            <a:spcBef>
+              <a:spcPct val="0"/>
+            </a:spcBef>
+            <a:spcAft>
+              <a:spcPct val="35000"/>
+            </a:spcAft>
+            <a:buNone/>
+          </a:pPr>
+          <a:r>
+            <a:rPr kumimoji="1" lang="ja-JP" sz="2400" kern="1200"/>
+            <a:t>駒の</a:t>
+          </a:r>
+          <a:r>
+            <a:rPr kumimoji="1" lang="en-US" sz="2400" kern="1200"/>
+            <a:t>ImageView</a:t>
+          </a:r>
+          <a:r>
+            <a:rPr kumimoji="1" lang="ja-JP" sz="2400" kern="1200"/>
+            <a:t>を</a:t>
+          </a:r>
+          <a:r>
+            <a:rPr kumimoji="1" lang="en-US" sz="2400" kern="1200"/>
+            <a:t>Piece</a:t>
+          </a:r>
+          <a:r>
+            <a:rPr kumimoji="1" lang="ja-JP" sz="2400" kern="1200"/>
+            <a:t>クラスで定義すればよかった</a:t>
+          </a:r>
+          <a:endParaRPr lang="en-US" sz="2400" kern="1200"/>
+        </a:p>
+      </dsp:txBody>
+      <dsp:txXfrm>
+        <a:off x="1941716" y="2102143"/>
+        <a:ext cx="4571887" cy="1681139"/>
+      </dsp:txXfrm>
+    </dsp:sp>
+    <dsp:sp modelId="{526319B5-6702-4A8F-8259-0524E7735D4B}">
+      <dsp:nvSpPr>
+        <dsp:cNvPr id="0" name=""/>
+        <dsp:cNvSpPr/>
+      </dsp:nvSpPr>
+      <dsp:spPr>
+        <a:xfrm>
+          <a:off x="0" y="4203567"/>
+          <a:ext cx="6513603" cy="1681139"/>
+        </a:xfrm>
+        <a:prstGeom prst="roundRect">
+          <a:avLst>
+            <a:gd name="adj" fmla="val 10000"/>
+          </a:avLst>
+        </a:prstGeom>
+        <a:solidFill>
+          <a:schemeClr val="accent4">
+            <a:hueOff val="0"/>
+            <a:satOff val="0"/>
+            <a:lumOff val="0"/>
+            <a:alphaOff val="0"/>
+          </a:schemeClr>
+        </a:solidFill>
+        <a:ln>
+          <a:noFill/>
+        </a:ln>
+        <a:effectLst/>
+      </dsp:spPr>
+      <dsp:style>
+        <a:lnRef idx="0">
+          <a:scrgbClr r="0" g="0" b="0"/>
+        </a:lnRef>
+        <a:fillRef idx="1">
+          <a:scrgbClr r="0" g="0" b="0"/>
+        </a:fillRef>
+        <a:effectRef idx="0">
+          <a:scrgbClr r="0" g="0" b="0"/>
+        </a:effectRef>
+        <a:fontRef idx="minor"/>
+      </dsp:style>
+    </dsp:sp>
+    <dsp:sp modelId="{311AE193-CDB8-4EAC-BC4B-254ED9315F61}">
+      <dsp:nvSpPr>
+        <dsp:cNvPr id="0" name=""/>
+        <dsp:cNvSpPr/>
+      </dsp:nvSpPr>
+      <dsp:spPr>
+        <a:xfrm>
+          <a:off x="508544" y="4581824"/>
+          <a:ext cx="924626" cy="924626"/>
+        </a:xfrm>
+        <a:prstGeom prst="rect">
+          <a:avLst/>
+        </a:prstGeom>
+        <a:blipFill>
+          <a:blip xmlns:r="http://schemas.openxmlformats.org/officeDocument/2006/relationships" r:embed="rId5">
+            <a:extLst>
+              <a:ext uri="{96DAC541-7B7A-43D3-8B79-37D633B846F1}">
+                <asvg:svgBlip xmlns:asvg="http://schemas.microsoft.com/office/drawing/2016/SVG/main" r:embed="rId6"/>
+              </a:ext>
+            </a:extLst>
+          </a:blip>
+          <a:srcRect/>
+          <a:stretch>
+            <a:fillRect/>
+          </a:stretch>
+        </a:blipFill>
+        <a:ln w="12700" cap="flat" cmpd="sng" algn="ctr">
+          <a:noFill/>
+          <a:prstDash val="solid"/>
+          <a:miter lim="800000"/>
+        </a:ln>
+        <a:effectLst/>
+      </dsp:spPr>
+      <dsp:style>
+        <a:lnRef idx="2">
+          <a:scrgbClr r="0" g="0" b="0"/>
+        </a:lnRef>
+        <a:fillRef idx="1">
+          <a:scrgbClr r="0" g="0" b="0"/>
+        </a:fillRef>
+        <a:effectRef idx="0">
+          <a:scrgbClr r="0" g="0" b="0"/>
+        </a:effectRef>
+        <a:fontRef idx="minor">
+          <a:schemeClr val="lt1"/>
+        </a:fontRef>
+      </dsp:style>
+    </dsp:sp>
+    <dsp:sp modelId="{11DBCE95-D205-4424-A30A-96DED6B0ACE7}">
+      <dsp:nvSpPr>
+        <dsp:cNvPr id="0" name=""/>
+        <dsp:cNvSpPr/>
+      </dsp:nvSpPr>
+      <dsp:spPr>
+        <a:xfrm>
+          <a:off x="1941716" y="4203567"/>
+          <a:ext cx="4571887" cy="1681139"/>
+        </a:xfrm>
+        <a:prstGeom prst="rect">
+          <a:avLst/>
+        </a:prstGeom>
+        <a:noFill/>
+        <a:ln>
+          <a:noFill/>
+        </a:ln>
+        <a:effectLst/>
+      </dsp:spPr>
+      <dsp:style>
+        <a:lnRef idx="0">
+          <a:scrgbClr r="0" g="0" b="0"/>
+        </a:lnRef>
+        <a:fillRef idx="0">
+          <a:scrgbClr r="0" g="0" b="0"/>
+        </a:fillRef>
+        <a:effectRef idx="0">
+          <a:scrgbClr r="0" g="0" b="0"/>
+        </a:effectRef>
+        <a:fontRef idx="minor"/>
+      </dsp:style>
+      <dsp:txBody>
+        <a:bodyPr spcFirstLastPara="0" vert="horz" wrap="square" lIns="177921" tIns="177921" rIns="177921" bIns="177921" numCol="1" spcCol="1270" anchor="ctr" anchorCtr="0">
+          <a:noAutofit/>
+        </a:bodyPr>
+        <a:lstStyle/>
+        <a:p>
+          <a:pPr marL="0" lvl="0" indent="0" algn="l" defTabSz="1066800">
+            <a:lnSpc>
+              <a:spcPct val="100000"/>
+            </a:lnSpc>
+            <a:spcBef>
+              <a:spcPct val="0"/>
+            </a:spcBef>
+            <a:spcAft>
+              <a:spcPct val="35000"/>
+            </a:spcAft>
+            <a:buNone/>
+          </a:pPr>
+          <a:r>
+            <a:rPr lang="ja-JP" sz="2400" kern="1200"/>
+            <a:t>同じような処理を一つのメソッドにまとめればよかった</a:t>
+          </a:r>
+          <a:endParaRPr lang="en-US" sz="2400" kern="1200"/>
+        </a:p>
+      </dsp:txBody>
+      <dsp:txXfrm>
+        <a:off x="1941716" y="4203567"/>
+        <a:ext cx="4571887" cy="1681139"/>
+      </dsp:txXfrm>
+    </dsp:sp>
+  </dsp:spTree>
+</dsp:drawing>
+</file>
+
 <file path=ppt/diagrams/layout1.xml><?xml version="1.0" encoding="utf-8"?>
+<dgm:layoutDef xmlns:dgm="http://schemas.openxmlformats.org/drawingml/2006/diagram" xmlns:a="http://schemas.openxmlformats.org/drawingml/2006/main" uniqueId="urn:microsoft.com/office/officeart/2018/2/layout/IconVerticalSolidList">
+  <dgm:title val="Icon Vertical Solid List"/>
+  <dgm:desc val="Use to show a series of visuals from top to bottom with Level 1 or Level 1 and Level 2 text grouped in a shape. Works best with icons or small pictures with lengthier descriptions."/>
+  <dgm:catLst>
+    <dgm:cat type="icon" pri="500"/>
+  </dgm:catLst>
+  <dgm:sampData useDef="1">
+    <dgm:dataModel>
+      <dgm:ptLst/>
+      <dgm:bg/>
+      <dgm:whole/>
+    </dgm:dataModel>
+  </dgm:sampData>
+  <dgm:styleData useDef="1">
+    <dgm:dataModel>
+      <dgm:ptLst/>
+      <dgm:bg/>
+      <dgm:whole/>
+    </dgm:dataModel>
+  </dgm:styleData>
+  <dgm:clrData useDef="1">
+    <dgm:dataModel>
+      <dgm:ptLst/>
+      <dgm:bg/>
+      <dgm:whole/>
+    </dgm:dataModel>
+  </dgm:clrData>
+  <dgm:layoutNode name="root">
+    <dgm:varLst>
+      <dgm:dir/>
+      <dgm:resizeHandles val="exact"/>
+    </dgm:varLst>
+    <dgm:choose name="Name0">
+      <dgm:if name="Name1" axis="self" func="var" arg="dir" op="equ" val="norm">
+        <dgm:alg type="lin">
+          <dgm:param type="linDir" val="fromT"/>
+          <dgm:param type="nodeHorzAlign" val="l"/>
+        </dgm:alg>
+      </dgm:if>
+      <dgm:else name="Name2">
+        <dgm:alg type="lin">
+          <dgm:param type="linDir" val="fromT"/>
+          <dgm:param type="nodeHorzAlign" val="r"/>
+        </dgm:alg>
+      </dgm:else>
+    </dgm:choose>
+    <dgm:shape xmlns:r="http://schemas.openxmlformats.org/officeDocument/2006/relationships" r:blip="">
+      <dgm:adjLst/>
+    </dgm:shape>
+    <dgm:presOf/>
+    <dgm:choose name="Name3">
+      <dgm:if name="Name4" axis="ch" ptType="node" func="cnt" op="lte" val="3">
+        <dgm:constrLst>
+          <dgm:constr type="h" for="ch" forName="compNode" refType="h" fact="0.3"/>
+          <dgm:constr type="w" for="ch" forName="compNode" refType="w"/>
+          <dgm:constr type="h" for="ch" forName="sibTrans" refType="h" refFor="ch" refForName="compNode" fact="0.25"/>
+          <dgm:constr type="primFontSz" for="des" forName="parTx" val="25"/>
+          <dgm:constr type="primFontSz" for="des" forName="desTx" refType="primFontSz" refFor="des" refForName="parTx" op="lte" fact="0.75"/>
+          <dgm:constr type="h" for="des" forName="compNode" op="equ"/>
+          <dgm:constr type="h" for="des" forName="bgRect" op="equ"/>
+          <dgm:constr type="h" for="des" forName="iconRect" op="equ"/>
+          <dgm:constr type="w" for="des" forName="iconRect" op="equ"/>
+          <dgm:constr type="h" for="des" forName="spaceRect" op="equ"/>
+          <dgm:constr type="h" for="des" forName="parTx" op="equ"/>
+          <dgm:constr type="h" for="des" forName="desTx" op="equ"/>
+        </dgm:constrLst>
+      </dgm:if>
+      <dgm:if name="Name5" axis="ch" ptType="node" func="cnt" op="lte" val="4">
+        <dgm:constrLst>
+          <dgm:constr type="h" for="ch" forName="compNode" refType="h" fact="0.3"/>
+          <dgm:constr type="w" for="ch" forName="compNode" refType="w"/>
+          <dgm:constr type="h" for="ch" forName="sibTrans" refType="h" refFor="ch" refForName="compNode" fact="0.25"/>
+          <dgm:constr type="primFontSz" for="des" forName="parTx" val="22"/>
+          <dgm:constr type="primFontSz" for="des" forName="desTx" refType="primFontSz" refFor="des" refForName="parTx" op="lte" fact="0.75"/>
+          <dgm:constr type="h" for="des" forName="compNode" op="equ"/>
+          <dgm:constr type="h" for="des" forName="bgRect" op="equ"/>
+          <dgm:constr type="h" for="des" forName="iconRect" op="equ"/>
+          <dgm:constr type="w" for="des" forName="iconRect" op="equ"/>
+          <dgm:constr type="h" for="des" forName="spaceRect" op="equ"/>
+          <dgm:constr type="h" for="des" forName="parTx" op="equ"/>
+          <dgm:constr type="h" for="des" forName="desTx" op="equ"/>
+        </dgm:constrLst>
+      </dgm:if>
+      <dgm:if name="Name6" axis="ch" ptType="node" func="cnt" op="lte" val="6">
+        <dgm:constrLst>
+          <dgm:constr type="h" for="ch" forName="compNode" refType="h" fact="0.3"/>
+          <dgm:constr type="w" for="ch" forName="compNode" refType="w"/>
+          <dgm:constr type="h" for="ch" forName="sibTrans" refType="h" refFor="ch" refForName="compNode" fact="0.25"/>
+          <dgm:constr type="primFontSz" for="des" forName="parTx" val="19"/>
+          <dgm:constr type="primFontSz" for="des" forName="desTx" refType="primFontSz" refFor="des" refForName="parTx" op="lte" fact="0.75"/>
+          <dgm:constr type="h" for="des" forName="compNode" op="equ"/>
+          <dgm:constr type="h" for="des" forName="bgRect" op="equ"/>
+          <dgm:constr type="h" for="des" forName="iconRect" op="equ"/>
+          <dgm:constr type="w" for="des" forName="iconRect" op="equ"/>
+          <dgm:constr type="h" for="des" forName="spaceRect" op="equ"/>
+          <dgm:constr type="h" for="des" forName="parTx" op="equ"/>
+          <dgm:constr type="h" for="des" forName="desTx" op="equ"/>
+        </dgm:constrLst>
+      </dgm:if>
+      <dgm:else name="Name7">
+        <dgm:constrLst>
+          <dgm:constr type="h" for="ch" forName="compNode" refType="h" fact="0.3"/>
+          <dgm:constr type="w" for="ch" forName="compNode" refType="w"/>
+          <dgm:constr type="h" for="ch" forName="sibTrans" refType="h" refFor="ch" refForName="compNode" fact="0.25"/>
+          <dgm:constr type="primFontSz" for="des" forName="parTx" val="16"/>
+          <dgm:constr type="primFontSz" for="des" forName="desTx" refType="primFontSz" refFor="des" refForName="parTx" op="lte" fact="0.75"/>
+          <dgm:constr type="h" for="des" forName="compNode" op="equ"/>
+          <dgm:constr type="h" for="des" forName="bgRect" op="equ"/>
+          <dgm:constr type="h" for="des" forName="iconRect" op="equ"/>
+          <dgm:constr type="w" for="des" forName="iconRect" op="equ"/>
+          <dgm:constr type="h" for="des" forName="spaceRect" op="equ"/>
+          <dgm:constr type="h" for="des" forName="parTx" op="equ"/>
+          <dgm:constr type="h" for="des" forName="desTx" op="equ"/>
+        </dgm:constrLst>
+      </dgm:else>
+    </dgm:choose>
+    <dgm:ruleLst>
+      <dgm:rule type="h" for="ch" forName="compNode" val="0" fact="NaN" max="NaN"/>
+    </dgm:ruleLst>
+    <dgm:forEach name="Name8" axis="ch" ptType="node">
+      <dgm:layoutNode name="compNode">
+        <dgm:alg type="composite"/>
+        <dgm:shape xmlns:r="http://schemas.openxmlformats.org/officeDocument/2006/relationships" r:blip="">
+          <dgm:adjLst/>
+        </dgm:shape>
+        <dgm:presOf axis="self"/>
+        <dgm:choose name="Name9">
+          <dgm:if name="Name10" axis="ch" ptType="node" func="cnt" op="gte" val="1">
+            <dgm:constrLst>
+              <dgm:constr type="w" for="ch" forName="bgRect" refType="w"/>
+              <dgm:constr type="h" for="ch" forName="bgRect" refType="h"/>
+              <dgm:constr type="l" for="ch" forName="bgRect"/>
+              <dgm:constr type="t" for="ch" forName="bgRect"/>
+              <dgm:constr type="h" for="ch" forName="iconRect" refType="h" fact="0.55"/>
+              <dgm:constr type="w" for="ch" forName="iconRect" refType="h" refFor="ch" refForName="iconRect"/>
+              <dgm:constr type="l" for="ch" forName="iconRect" refType="h" refFor="ch" refForName="iconRect" fact="0.55"/>
+              <dgm:constr type="ctrY" for="ch" forName="iconRect" refType="ctrY" refFor="ch" refForName="bgRect"/>
+              <dgm:constr type="w" for="ch" forName="spaceRect" refType="l" refFor="ch" refForName="iconRect"/>
+              <dgm:constr type="h" for="ch" forName="spaceRect" refType="h"/>
+              <dgm:constr type="l" for="ch" forName="spaceRect" refType="r" refFor="ch" refForName="iconRect"/>
+              <dgm:constr type="t" for="ch" forName="spaceRect"/>
+              <dgm:constr type="w" for="ch" forName="parTx" refType="w" fact="0.45"/>
+              <dgm:constr type="h" for="ch" forName="parTx" refType="h"/>
+              <dgm:constr type="l" for="ch" forName="parTx" refType="r" refFor="ch" refForName="spaceRect"/>
+              <dgm:constr type="t" for="ch" forName="parTx"/>
+              <dgm:constr type="h" for="ch" forName="desTx" refType="h"/>
+              <dgm:constr type="l" for="ch" forName="desTx" refType="r" refFor="ch" refForName="parTx"/>
+              <dgm:constr type="t" for="ch" forName="desTx"/>
+            </dgm:constrLst>
+          </dgm:if>
+          <dgm:else name="Name11">
+            <dgm:constrLst>
+              <dgm:constr type="w" for="ch" forName="bgRect" refType="w"/>
+              <dgm:constr type="h" for="ch" forName="bgRect" refType="h"/>
+              <dgm:constr type="l" for="ch" forName="bgRect"/>
+              <dgm:constr type="t" for="ch" forName="bgRect"/>
+              <dgm:constr type="h" for="ch" forName="iconRect" refType="h" fact="0.55"/>
+              <dgm:constr type="w" for="ch" forName="iconRect" refType="h" refFor="ch" refForName="iconRect"/>
+              <dgm:constr type="l" for="ch" forName="iconRect" refType="h" refFor="ch" refForName="iconRect" fact="0.55"/>
+              <dgm:constr type="ctrY" for="ch" forName="iconRect" refType="ctrY" refFor="ch" refForName="bgRect"/>
+              <dgm:constr type="w" for="ch" forName="spaceRect" refType="l" refFor="ch" refForName="iconRect"/>
+              <dgm:constr type="h" for="ch" forName="spaceRect" refType="h"/>
+              <dgm:constr type="l" for="ch" forName="spaceRect" refType="r" refFor="ch" refForName="iconRect"/>
+              <dgm:constr type="t" for="ch" forName="spaceRect"/>
+              <dgm:constr type="h" for="ch" forName="parTx" refType="h"/>
+              <dgm:constr type="l" for="ch" forName="parTx" refType="r" refFor="ch" refForName="spaceRect"/>
+              <dgm:constr type="t" for="ch" forName="parTx"/>
+            </dgm:constrLst>
+          </dgm:else>
+        </dgm:choose>
+        <dgm:ruleLst>
+          <dgm:rule type="h" val="INF" fact="NaN" max="NaN"/>
+        </dgm:ruleLst>
+        <dgm:layoutNode name="bgRect" styleLbl="bgShp">
+          <dgm:alg type="sp"/>
+          <dgm:shape xmlns:r="http://schemas.openxmlformats.org/officeDocument/2006/relationships" type="roundRect" r:blip="">
+            <dgm:adjLst>
+              <dgm:adj idx="1" val="0.1"/>
+            </dgm:adjLst>
+          </dgm:shape>
+          <dgm:presOf/>
+          <dgm:constrLst/>
+          <dgm:ruleLst/>
+        </dgm:layoutNode>
+        <dgm:layoutNode name="iconRect" styleLbl="node1">
+          <dgm:alg type="sp"/>
+          <dgm:shape xmlns:r="http://schemas.openxmlformats.org/officeDocument/2006/relationships" type="rect" r:blip="" blipPhldr="1">
+            <dgm:adjLst/>
+          </dgm:shape>
+          <dgm:presOf/>
+          <dgm:constrLst/>
+          <dgm:ruleLst/>
+        </dgm:layoutNode>
+        <dgm:layoutNode name="spaceRect">
+          <dgm:alg type="sp"/>
+          <dgm:shape xmlns:r="http://schemas.openxmlformats.org/officeDocument/2006/relationships" r:blip="">
+            <dgm:adjLst/>
+          </dgm:shape>
+          <dgm:presOf/>
+          <dgm:constrLst/>
+          <dgm:ruleLst/>
+        </dgm:layoutNode>
+        <dgm:layoutNode name="parTx" styleLbl="revTx">
+          <dgm:varLst>
+            <dgm:chMax val="0"/>
+            <dgm:chPref val="0"/>
+          </dgm:varLst>
+          <dgm:alg type="tx">
+            <dgm:param type="txAnchorVert" val="mid"/>
+            <dgm:param type="parTxLTRAlign" val="l"/>
+            <dgm:param type="shpTxLTRAlignCh" val="l"/>
+            <dgm:param type="parTxRTLAlign" val="r"/>
+            <dgm:param type="shpTxRTLAlignCh" val="r"/>
+          </dgm:alg>
+          <dgm:shape xmlns:r="http://schemas.openxmlformats.org/officeDocument/2006/relationships" type="rect" r:blip="">
+            <dgm:adjLst/>
+          </dgm:shape>
+          <dgm:presOf axis="self" ptType="node"/>
+          <dgm:constrLst>
+            <dgm:constr type="lMarg" refType="h" fact="0.3"/>
+            <dgm:constr type="rMarg" refType="h" fact="0.3"/>
+            <dgm:constr type="tMarg" refType="h" fact="0.3"/>
+            <dgm:constr type="bMarg" refType="h" fact="0.3"/>
+          </dgm:constrLst>
+          <dgm:ruleLst>
+            <dgm:rule type="primFontSz" val="14" fact="NaN" max="NaN"/>
+            <dgm:rule type="h" val="INF" fact="NaN" max="NaN"/>
+          </dgm:ruleLst>
+        </dgm:layoutNode>
+        <dgm:choose name="Name12">
+          <dgm:if name="Name13" axis="ch" ptType="node" func="cnt" op="gte" val="1">
+            <dgm:layoutNode name="desTx" styleLbl="revTx">
+              <dgm:varLst/>
+              <dgm:alg type="tx">
+                <dgm:param type="txAnchorVertCh" val="mid"/>
+                <dgm:param type="parTxLTRAlign" val="l"/>
+                <dgm:param type="shpTxLTRAlignCh" val="l"/>
+                <dgm:param type="parTxRTLAlign" val="r"/>
+                <dgm:param type="shpTxRTLAlignCh" val="r"/>
+                <dgm:param type="stBulletLvl" val="0"/>
+              </dgm:alg>
+              <dgm:shape xmlns:r="http://schemas.openxmlformats.org/officeDocument/2006/relationships" type="rect" r:blip="">
+                <dgm:adjLst/>
+              </dgm:shape>
+              <dgm:presOf axis="des" ptType="node"/>
+              <dgm:constrLst>
+                <dgm:constr type="primFontSz" val="18"/>
+                <dgm:constr type="secFontSz" refType="primFontSz"/>
+                <dgm:constr type="lMarg" refType="h" fact="0.3"/>
+                <dgm:constr type="rMarg" refType="h" fact="0.3"/>
+                <dgm:constr type="tMarg" refType="h" fact="0.3"/>
+                <dgm:constr type="bMarg" refType="h" fact="0.3"/>
+              </dgm:constrLst>
+              <dgm:ruleLst>
+                <dgm:rule type="primFontSz" val="11" fact="NaN" max="NaN"/>
+              </dgm:ruleLst>
+            </dgm:layoutNode>
+          </dgm:if>
+          <dgm:else name="Name14"/>
+        </dgm:choose>
+      </dgm:layoutNode>
+      <dgm:forEach name="Name15" axis="followSib" ptType="sibTrans" cnt="1">
+        <dgm:layoutNode name="sibTrans">
+          <dgm:alg type="sp"/>
+          <dgm:shape xmlns:r="http://schemas.openxmlformats.org/officeDocument/2006/relationships" r:blip="">
+            <dgm:adjLst/>
+          </dgm:shape>
+          <dgm:presOf axis="self"/>
+          <dgm:constrLst/>
+          <dgm:ruleLst/>
+        </dgm:layoutNode>
+      </dgm:forEach>
+    </dgm:forEach>
+  </dgm:layoutNode>
+  <dgm:extLst>
+    <a:ext uri="{68A01E43-0DF5-4B5B-8FA6-DAF915123BFB}">
+      <dgm1612:lstStyle xmlns:dgm1612="http://schemas.microsoft.com/office/drawing/2016/12/diagram">
+        <a:lvl1pPr>
+          <a:lnSpc>
+            <a:spcPct val="100000"/>
+          </a:lnSpc>
+        </a:lvl1pPr>
+        <a:lvl2pPr>
+          <a:lnSpc>
+            <a:spcPct val="100000"/>
+          </a:lnSpc>
+        </a:lvl2pPr>
+      </dgm1612:lstStyle>
+    </a:ext>
+  </dgm:extLst>
+</dgm:layoutDef>
+</file>
+
+<file path=ppt/diagrams/layout2.xml><?xml version="1.0" encoding="utf-8"?>
 <dgm:layoutDef xmlns:dgm="http://schemas.openxmlformats.org/drawingml/2006/diagram" xmlns:a="http://schemas.openxmlformats.org/drawingml/2006/main" uniqueId="urn:microsoft.com/office/officeart/2018/2/layout/IconVerticalSolidList">
   <dgm:title val="Icon Vertical Solid List"/>
   <dgm:desc val="Use to show a series of visuals from top to bottom with Level 1 or Level 1 and Level 2 text grouped in a shape. Works best with icons or small pictures with lengthier descriptions."/>
@@ -3871,6 +5935,1040 @@
 </dgm:styleDef>
 </file>
 
+<file path=ppt/diagrams/quickStyle2.xml><?xml version="1.0" encoding="utf-8"?>
+<dgm:styleDef xmlns:dgm="http://schemas.openxmlformats.org/drawingml/2006/diagram" xmlns:a="http://schemas.openxmlformats.org/drawingml/2006/main" uniqueId="urn:microsoft.com/office/officeart/2005/8/quickstyle/simple1">
+  <dgm:title val=""/>
+  <dgm:desc val=""/>
+  <dgm:catLst>
+    <dgm:cat type="simple" pri="10100"/>
+  </dgm:catLst>
+  <dgm:scene3d>
+    <a:camera prst="orthographicFront"/>
+    <a:lightRig rig="threePt" dir="t"/>
+  </dgm:scene3d>
+  <dgm:styleLbl name="node0">
+    <dgm:scene3d>
+      <a:camera prst="orthographicFront"/>
+      <a:lightRig rig="threePt" dir="t"/>
+    </dgm:scene3d>
+    <dgm:sp3d/>
+    <dgm:txPr/>
+    <dgm:style>
+      <a:lnRef idx="2">
+        <a:scrgbClr r="0" g="0" b="0"/>
+      </a:lnRef>
+      <a:fillRef idx="1">
+        <a:scrgbClr r="0" g="0" b="0"/>
+      </a:fillRef>
+      <a:effectRef idx="0">
+        <a:scrgbClr r="0" g="0" b="0"/>
+      </a:effectRef>
+      <a:fontRef idx="minor">
+        <a:schemeClr val="lt1"/>
+      </a:fontRef>
+    </dgm:style>
+  </dgm:styleLbl>
+  <dgm:styleLbl name="lnNode1">
+    <dgm:scene3d>
+      <a:camera prst="orthographicFront"/>
+      <a:lightRig rig="threePt" dir="t"/>
+    </dgm:scene3d>
+    <dgm:sp3d/>
+    <dgm:txPr/>
+    <dgm:style>
+      <a:lnRef idx="2">
+        <a:scrgbClr r="0" g="0" b="0"/>
+      </a:lnRef>
+      <a:fillRef idx="1">
+        <a:scrgbClr r="0" g="0" b="0"/>
+      </a:fillRef>
+      <a:effectRef idx="0">
+        <a:scrgbClr r="0" g="0" b="0"/>
+      </a:effectRef>
+      <a:fontRef idx="minor">
+        <a:schemeClr val="lt1"/>
+      </a:fontRef>
+    </dgm:style>
+  </dgm:styleLbl>
+  <dgm:styleLbl name="vennNode1">
+    <dgm:scene3d>
+      <a:camera prst="orthographicFront"/>
+      <a:lightRig rig="threePt" dir="t"/>
+    </dgm:scene3d>
+    <dgm:sp3d/>
+    <dgm:txPr/>
+    <dgm:style>
+      <a:lnRef idx="2">
+        <a:scrgbClr r="0" g="0" b="0"/>
+      </a:lnRef>
+      <a:fillRef idx="1">
+        <a:scrgbClr r="0" g="0" b="0"/>
+      </a:fillRef>
+      <a:effectRef idx="0">
+        <a:scrgbClr r="0" g="0" b="0"/>
+      </a:effectRef>
+      <a:fontRef idx="minor">
+        <a:schemeClr val="tx1"/>
+      </a:fontRef>
+    </dgm:style>
+  </dgm:styleLbl>
+  <dgm:styleLbl name="alignNode1">
+    <dgm:scene3d>
+      <a:camera prst="orthographicFront"/>
+      <a:lightRig rig="threePt" dir="t"/>
+    </dgm:scene3d>
+    <dgm:sp3d/>
+    <dgm:txPr/>
+    <dgm:style>
+      <a:lnRef idx="2">
+        <a:scrgbClr r="0" g="0" b="0"/>
+      </a:lnRef>
+      <a:fillRef idx="1">
+        <a:scrgbClr r="0" g="0" b="0"/>
+      </a:fillRef>
+      <a:effectRef idx="0">
+        <a:scrgbClr r="0" g="0" b="0"/>
+      </a:effectRef>
+      <a:fontRef idx="minor">
+        <a:schemeClr val="lt1"/>
+      </a:fontRef>
+    </dgm:style>
+  </dgm:styleLbl>
+  <dgm:styleLbl name="node1">
+    <dgm:scene3d>
+      <a:camera prst="orthographicFront"/>
+      <a:lightRig rig="threePt" dir="t"/>
+    </dgm:scene3d>
+    <dgm:sp3d/>
+    <dgm:txPr/>
+    <dgm:style>
+      <a:lnRef idx="2">
+        <a:scrgbClr r="0" g="0" b="0"/>
+      </a:lnRef>
+      <a:fillRef idx="1">
+        <a:scrgbClr r="0" g="0" b="0"/>
+      </a:fillRef>
+      <a:effectRef idx="0">
+        <a:scrgbClr r="0" g="0" b="0"/>
+      </a:effectRef>
+      <a:fontRef idx="minor">
+        <a:schemeClr val="lt1"/>
+      </a:fontRef>
+    </dgm:style>
+  </dgm:styleLbl>
+  <dgm:styleLbl name="node2">
+    <dgm:scene3d>
+      <a:camera prst="orthographicFront"/>
+      <a:lightRig rig="threePt" dir="t"/>
+    </dgm:scene3d>
+    <dgm:sp3d/>
+    <dgm:txPr/>
+    <dgm:style>
+      <a:lnRef idx="2">
+        <a:scrgbClr r="0" g="0" b="0"/>
+      </a:lnRef>
+      <a:fillRef idx="1">
+        <a:scrgbClr r="0" g="0" b="0"/>
+      </a:fillRef>
+      <a:effectRef idx="0">
+        <a:scrgbClr r="0" g="0" b="0"/>
+      </a:effectRef>
+      <a:fontRef idx="minor">
+        <a:schemeClr val="lt1"/>
+      </a:fontRef>
+    </dgm:style>
+  </dgm:styleLbl>
+  <dgm:styleLbl name="node3">
+    <dgm:scene3d>
+      <a:camera prst="orthographicFront"/>
+      <a:lightRig rig="threePt" dir="t"/>
+    </dgm:scene3d>
+    <dgm:sp3d/>
+    <dgm:txPr/>
+    <dgm:style>
+      <a:lnRef idx="2">
+        <a:scrgbClr r="0" g="0" b="0"/>
+      </a:lnRef>
+      <a:fillRef idx="1">
+        <a:scrgbClr r="0" g="0" b="0"/>
+      </a:fillRef>
+      <a:effectRef idx="0">
+        <a:scrgbClr r="0" g="0" b="0"/>
+      </a:effectRef>
+      <a:fontRef idx="minor">
+        <a:schemeClr val="lt1"/>
+      </a:fontRef>
+    </dgm:style>
+  </dgm:styleLbl>
+  <dgm:styleLbl name="node4">
+    <dgm:scene3d>
+      <a:camera prst="orthographicFront"/>
+      <a:lightRig rig="threePt" dir="t"/>
+    </dgm:scene3d>
+    <dgm:sp3d/>
+    <dgm:txPr/>
+    <dgm:style>
+      <a:lnRef idx="2">
+        <a:scrgbClr r="0" g="0" b="0"/>
+      </a:lnRef>
+      <a:fillRef idx="1">
+        <a:scrgbClr r="0" g="0" b="0"/>
+      </a:fillRef>
+      <a:effectRef idx="0">
+        <a:scrgbClr r="0" g="0" b="0"/>
+      </a:effectRef>
+      <a:fontRef idx="minor">
+        <a:schemeClr val="lt1"/>
+      </a:fontRef>
+    </dgm:style>
+  </dgm:styleLbl>
+  <dgm:styleLbl name="fgImgPlace1">
+    <dgm:scene3d>
+      <a:camera prst="orthographicFront"/>
+      <a:lightRig rig="threePt" dir="t"/>
+    </dgm:scene3d>
+    <dgm:sp3d/>
+    <dgm:txPr/>
+    <dgm:style>
+      <a:lnRef idx="2">
+        <a:scrgbClr r="0" g="0" b="0"/>
+      </a:lnRef>
+      <a:fillRef idx="1">
+        <a:scrgbClr r="0" g="0" b="0"/>
+      </a:fillRef>
+      <a:effectRef idx="0">
+        <a:scrgbClr r="0" g="0" b="0"/>
+      </a:effectRef>
+      <a:fontRef idx="minor"/>
+    </dgm:style>
+  </dgm:styleLbl>
+  <dgm:styleLbl name="alignImgPlace1">
+    <dgm:scene3d>
+      <a:camera prst="orthographicFront"/>
+      <a:lightRig rig="threePt" dir="t"/>
+    </dgm:scene3d>
+    <dgm:sp3d/>
+    <dgm:txPr/>
+    <dgm:style>
+      <a:lnRef idx="2">
+        <a:scrgbClr r="0" g="0" b="0"/>
+      </a:lnRef>
+      <a:fillRef idx="1">
+        <a:scrgbClr r="0" g="0" b="0"/>
+      </a:fillRef>
+      <a:effectRef idx="0">
+        <a:scrgbClr r="0" g="0" b="0"/>
+      </a:effectRef>
+      <a:fontRef idx="minor"/>
+    </dgm:style>
+  </dgm:styleLbl>
+  <dgm:styleLbl name="bgImgPlace1">
+    <dgm:scene3d>
+      <a:camera prst="orthographicFront"/>
+      <a:lightRig rig="threePt" dir="t"/>
+    </dgm:scene3d>
+    <dgm:sp3d/>
+    <dgm:txPr/>
+    <dgm:style>
+      <a:lnRef idx="2">
+        <a:scrgbClr r="0" g="0" b="0"/>
+      </a:lnRef>
+      <a:fillRef idx="1">
+        <a:scrgbClr r="0" g="0" b="0"/>
+      </a:fillRef>
+      <a:effectRef idx="0">
+        <a:scrgbClr r="0" g="0" b="0"/>
+      </a:effectRef>
+      <a:fontRef idx="minor"/>
+    </dgm:style>
+  </dgm:styleLbl>
+  <dgm:styleLbl name="sibTrans2D1">
+    <dgm:scene3d>
+      <a:camera prst="orthographicFront"/>
+      <a:lightRig rig="threePt" dir="t"/>
+    </dgm:scene3d>
+    <dgm:sp3d/>
+    <dgm:txPr/>
+    <dgm:style>
+      <a:lnRef idx="0">
+        <a:scrgbClr r="0" g="0" b="0"/>
+      </a:lnRef>
+      <a:fillRef idx="1">
+        <a:scrgbClr r="0" g="0" b="0"/>
+      </a:fillRef>
+      <a:effectRef idx="0">
+        <a:scrgbClr r="0" g="0" b="0"/>
+      </a:effectRef>
+      <a:fontRef idx="minor">
+        <a:schemeClr val="lt1"/>
+      </a:fontRef>
+    </dgm:style>
+  </dgm:styleLbl>
+  <dgm:styleLbl name="fgSibTrans2D1">
+    <dgm:scene3d>
+      <a:camera prst="orthographicFront"/>
+      <a:lightRig rig="threePt" dir="t"/>
+    </dgm:scene3d>
+    <dgm:sp3d/>
+    <dgm:txPr/>
+    <dgm:style>
+      <a:lnRef idx="0">
+        <a:scrgbClr r="0" g="0" b="0"/>
+      </a:lnRef>
+      <a:fillRef idx="1">
+        <a:scrgbClr r="0" g="0" b="0"/>
+      </a:fillRef>
+      <a:effectRef idx="0">
+        <a:scrgbClr r="0" g="0" b="0"/>
+      </a:effectRef>
+      <a:fontRef idx="minor">
+        <a:schemeClr val="lt1"/>
+      </a:fontRef>
+    </dgm:style>
+  </dgm:styleLbl>
+  <dgm:styleLbl name="bgSibTrans2D1">
+    <dgm:scene3d>
+      <a:camera prst="orthographicFront"/>
+      <a:lightRig rig="threePt" dir="t"/>
+    </dgm:scene3d>
+    <dgm:sp3d/>
+    <dgm:txPr/>
+    <dgm:style>
+      <a:lnRef idx="0">
+        <a:scrgbClr r="0" g="0" b="0"/>
+      </a:lnRef>
+      <a:fillRef idx="1">
+        <a:scrgbClr r="0" g="0" b="0"/>
+      </a:fillRef>
+      <a:effectRef idx="0">
+        <a:scrgbClr r="0" g="0" b="0"/>
+      </a:effectRef>
+      <a:fontRef idx="minor">
+        <a:schemeClr val="lt1"/>
+      </a:fontRef>
+    </dgm:style>
+  </dgm:styleLbl>
+  <dgm:styleLbl name="sibTrans1D1">
+    <dgm:scene3d>
+      <a:camera prst="orthographicFront"/>
+      <a:lightRig rig="threePt" dir="t"/>
+    </dgm:scene3d>
+    <dgm:sp3d/>
+    <dgm:txPr/>
+    <dgm:style>
+      <a:lnRef idx="1">
+        <a:scrgbClr r="0" g="0" b="0"/>
+      </a:lnRef>
+      <a:fillRef idx="0">
+        <a:scrgbClr r="0" g="0" b="0"/>
+      </a:fillRef>
+      <a:effectRef idx="0">
+        <a:scrgbClr r="0" g="0" b="0"/>
+      </a:effectRef>
+      <a:fontRef idx="minor"/>
+    </dgm:style>
+  </dgm:styleLbl>
+  <dgm:styleLbl name="callout">
+    <dgm:scene3d>
+      <a:camera prst="orthographicFront"/>
+      <a:lightRig rig="threePt" dir="t"/>
+    </dgm:scene3d>
+    <dgm:sp3d/>
+    <dgm:txPr/>
+    <dgm:style>
+      <a:lnRef idx="2">
+        <a:scrgbClr r="0" g="0" b="0"/>
+      </a:lnRef>
+      <a:fillRef idx="1">
+        <a:scrgbClr r="0" g="0" b="0"/>
+      </a:fillRef>
+      <a:effectRef idx="0">
+        <a:scrgbClr r="0" g="0" b="0"/>
+      </a:effectRef>
+      <a:fontRef idx="minor"/>
+    </dgm:style>
+  </dgm:styleLbl>
+  <dgm:styleLbl name="asst0">
+    <dgm:scene3d>
+      <a:camera prst="orthographicFront"/>
+      <a:lightRig rig="threePt" dir="t"/>
+    </dgm:scene3d>
+    <dgm:sp3d/>
+    <dgm:txPr/>
+    <dgm:style>
+      <a:lnRef idx="2">
+        <a:scrgbClr r="0" g="0" b="0"/>
+      </a:lnRef>
+      <a:fillRef idx="1">
+        <a:scrgbClr r="0" g="0" b="0"/>
+      </a:fillRef>
+      <a:effectRef idx="0">
+        <a:scrgbClr r="0" g="0" b="0"/>
+      </a:effectRef>
+      <a:fontRef idx="minor">
+        <a:schemeClr val="lt1"/>
+      </a:fontRef>
+    </dgm:style>
+  </dgm:styleLbl>
+  <dgm:styleLbl name="asst1">
+    <dgm:scene3d>
+      <a:camera prst="orthographicFront"/>
+      <a:lightRig rig="threePt" dir="t"/>
+    </dgm:scene3d>
+    <dgm:sp3d/>
+    <dgm:txPr/>
+    <dgm:style>
+      <a:lnRef idx="2">
+        <a:scrgbClr r="0" g="0" b="0"/>
+      </a:lnRef>
+      <a:fillRef idx="1">
+        <a:scrgbClr r="0" g="0" b="0"/>
+      </a:fillRef>
+      <a:effectRef idx="0">
+        <a:scrgbClr r="0" g="0" b="0"/>
+      </a:effectRef>
+      <a:fontRef idx="minor">
+        <a:schemeClr val="lt1"/>
+      </a:fontRef>
+    </dgm:style>
+  </dgm:styleLbl>
+  <dgm:styleLbl name="asst2">
+    <dgm:scene3d>
+      <a:camera prst="orthographicFront"/>
+      <a:lightRig rig="threePt" dir="t"/>
+    </dgm:scene3d>
+    <dgm:sp3d/>
+    <dgm:txPr/>
+    <dgm:style>
+      <a:lnRef idx="2">
+        <a:scrgbClr r="0" g="0" b="0"/>
+      </a:lnRef>
+      <a:fillRef idx="1">
+        <a:scrgbClr r="0" g="0" b="0"/>
+      </a:fillRef>
+      <a:effectRef idx="0">
+        <a:scrgbClr r="0" g="0" b="0"/>
+      </a:effectRef>
+      <a:fontRef idx="minor">
+        <a:schemeClr val="lt1"/>
+      </a:fontRef>
+    </dgm:style>
+  </dgm:styleLbl>
+  <dgm:styleLbl name="asst3">
+    <dgm:scene3d>
+      <a:camera prst="orthographicFront"/>
+      <a:lightRig rig="threePt" dir="t"/>
+    </dgm:scene3d>
+    <dgm:sp3d/>
+    <dgm:txPr/>
+    <dgm:style>
+      <a:lnRef idx="2">
+        <a:scrgbClr r="0" g="0" b="0"/>
+      </a:lnRef>
+      <a:fillRef idx="1">
+        <a:scrgbClr r="0" g="0" b="0"/>
+      </a:fillRef>
+      <a:effectRef idx="0">
+        <a:scrgbClr r="0" g="0" b="0"/>
+      </a:effectRef>
+      <a:fontRef idx="minor">
+        <a:schemeClr val="lt1"/>
+      </a:fontRef>
+    </dgm:style>
+  </dgm:styleLbl>
+  <dgm:styleLbl name="asst4">
+    <dgm:scene3d>
+      <a:camera prst="orthographicFront"/>
+      <a:lightRig rig="threePt" dir="t"/>
+    </dgm:scene3d>
+    <dgm:sp3d/>
+    <dgm:txPr/>
+    <dgm:style>
+      <a:lnRef idx="2">
+        <a:scrgbClr r="0" g="0" b="0"/>
+      </a:lnRef>
+      <a:fillRef idx="1">
+        <a:scrgbClr r="0" g="0" b="0"/>
+      </a:fillRef>
+      <a:effectRef idx="0">
+        <a:scrgbClr r="0" g="0" b="0"/>
+      </a:effectRef>
+      <a:fontRef idx="minor">
+        <a:schemeClr val="lt1"/>
+      </a:fontRef>
+    </dgm:style>
+  </dgm:styleLbl>
+  <dgm:styleLbl name="parChTrans2D1">
+    <dgm:scene3d>
+      <a:camera prst="orthographicFront"/>
+      <a:lightRig rig="threePt" dir="t"/>
+    </dgm:scene3d>
+    <dgm:sp3d/>
+    <dgm:txPr/>
+    <dgm:style>
+      <a:lnRef idx="2">
+        <a:scrgbClr r="0" g="0" b="0"/>
+      </a:lnRef>
+      <a:fillRef idx="1">
+        <a:scrgbClr r="0" g="0" b="0"/>
+      </a:fillRef>
+      <a:effectRef idx="0">
+        <a:scrgbClr r="0" g="0" b="0"/>
+      </a:effectRef>
+      <a:fontRef idx="minor">
+        <a:schemeClr val="lt1"/>
+      </a:fontRef>
+    </dgm:style>
+  </dgm:styleLbl>
+  <dgm:styleLbl name="parChTrans2D2">
+    <dgm:scene3d>
+      <a:camera prst="orthographicFront"/>
+      <a:lightRig rig="threePt" dir="t"/>
+    </dgm:scene3d>
+    <dgm:sp3d/>
+    <dgm:txPr/>
+    <dgm:style>
+      <a:lnRef idx="2">
+        <a:scrgbClr r="0" g="0" b="0"/>
+      </a:lnRef>
+      <a:fillRef idx="1">
+        <a:scrgbClr r="0" g="0" b="0"/>
+      </a:fillRef>
+      <a:effectRef idx="0">
+        <a:scrgbClr r="0" g="0" b="0"/>
+      </a:effectRef>
+      <a:fontRef idx="minor">
+        <a:schemeClr val="lt1"/>
+      </a:fontRef>
+    </dgm:style>
+  </dgm:styleLbl>
+  <dgm:styleLbl name="parChTrans2D3">
+    <dgm:scene3d>
+      <a:camera prst="orthographicFront"/>
+      <a:lightRig rig="threePt" dir="t"/>
+    </dgm:scene3d>
+    <dgm:sp3d/>
+    <dgm:txPr/>
+    <dgm:style>
+      <a:lnRef idx="2">
+        <a:scrgbClr r="0" g="0" b="0"/>
+      </a:lnRef>
+      <a:fillRef idx="1">
+        <a:scrgbClr r="0" g="0" b="0"/>
+      </a:fillRef>
+      <a:effectRef idx="0">
+        <a:scrgbClr r="0" g="0" b="0"/>
+      </a:effectRef>
+      <a:fontRef idx="minor">
+        <a:schemeClr val="lt1"/>
+      </a:fontRef>
+    </dgm:style>
+  </dgm:styleLbl>
+  <dgm:styleLbl name="parChTrans2D4">
+    <dgm:scene3d>
+      <a:camera prst="orthographicFront"/>
+      <a:lightRig rig="threePt" dir="t"/>
+    </dgm:scene3d>
+    <dgm:sp3d/>
+    <dgm:txPr/>
+    <dgm:style>
+      <a:lnRef idx="2">
+        <a:scrgbClr r="0" g="0" b="0"/>
+      </a:lnRef>
+      <a:fillRef idx="1">
+        <a:scrgbClr r="0" g="0" b="0"/>
+      </a:fillRef>
+      <a:effectRef idx="0">
+        <a:scrgbClr r="0" g="0" b="0"/>
+      </a:effectRef>
+      <a:fontRef idx="minor">
+        <a:schemeClr val="lt1"/>
+      </a:fontRef>
+    </dgm:style>
+  </dgm:styleLbl>
+  <dgm:styleLbl name="parChTrans1D1">
+    <dgm:scene3d>
+      <a:camera prst="orthographicFront"/>
+      <a:lightRig rig="threePt" dir="t"/>
+    </dgm:scene3d>
+    <dgm:sp3d/>
+    <dgm:txPr/>
+    <dgm:style>
+      <a:lnRef idx="2">
+        <a:scrgbClr r="0" g="0" b="0"/>
+      </a:lnRef>
+      <a:fillRef idx="0">
+        <a:scrgbClr r="0" g="0" b="0"/>
+      </a:fillRef>
+      <a:effectRef idx="0">
+        <a:scrgbClr r="0" g="0" b="0"/>
+      </a:effectRef>
+      <a:fontRef idx="minor"/>
+    </dgm:style>
+  </dgm:styleLbl>
+  <dgm:styleLbl name="parChTrans1D2">
+    <dgm:scene3d>
+      <a:camera prst="orthographicFront"/>
+      <a:lightRig rig="threePt" dir="t"/>
+    </dgm:scene3d>
+    <dgm:sp3d/>
+    <dgm:txPr/>
+    <dgm:style>
+      <a:lnRef idx="2">
+        <a:scrgbClr r="0" g="0" b="0"/>
+      </a:lnRef>
+      <a:fillRef idx="0">
+        <a:scrgbClr r="0" g="0" b="0"/>
+      </a:fillRef>
+      <a:effectRef idx="0">
+        <a:scrgbClr r="0" g="0" b="0"/>
+      </a:effectRef>
+      <a:fontRef idx="minor"/>
+    </dgm:style>
+  </dgm:styleLbl>
+  <dgm:styleLbl name="parChTrans1D3">
+    <dgm:scene3d>
+      <a:camera prst="orthographicFront"/>
+      <a:lightRig rig="threePt" dir="t"/>
+    </dgm:scene3d>
+    <dgm:sp3d/>
+    <dgm:txPr/>
+    <dgm:style>
+      <a:lnRef idx="2">
+        <a:scrgbClr r="0" g="0" b="0"/>
+      </a:lnRef>
+      <a:fillRef idx="0">
+        <a:scrgbClr r="0" g="0" b="0"/>
+      </a:fillRef>
+      <a:effectRef idx="0">
+        <a:scrgbClr r="0" g="0" b="0"/>
+      </a:effectRef>
+      <a:fontRef idx="minor"/>
+    </dgm:style>
+  </dgm:styleLbl>
+  <dgm:styleLbl name="parChTrans1D4">
+    <dgm:scene3d>
+      <a:camera prst="orthographicFront"/>
+      <a:lightRig rig="threePt" dir="t"/>
+    </dgm:scene3d>
+    <dgm:sp3d/>
+    <dgm:txPr/>
+    <dgm:style>
+      <a:lnRef idx="2">
+        <a:scrgbClr r="0" g="0" b="0"/>
+      </a:lnRef>
+      <a:fillRef idx="0">
+        <a:scrgbClr r="0" g="0" b="0"/>
+      </a:fillRef>
+      <a:effectRef idx="0">
+        <a:scrgbClr r="0" g="0" b="0"/>
+      </a:effectRef>
+      <a:fontRef idx="minor"/>
+    </dgm:style>
+  </dgm:styleLbl>
+  <dgm:styleLbl name="fgAcc1">
+    <dgm:scene3d>
+      <a:camera prst="orthographicFront"/>
+      <a:lightRig rig="threePt" dir="t"/>
+    </dgm:scene3d>
+    <dgm:sp3d/>
+    <dgm:txPr/>
+    <dgm:style>
+      <a:lnRef idx="2">
+        <a:scrgbClr r="0" g="0" b="0"/>
+      </a:lnRef>
+      <a:fillRef idx="1">
+        <a:scrgbClr r="0" g="0" b="0"/>
+      </a:fillRef>
+      <a:effectRef idx="0">
+        <a:scrgbClr r="0" g="0" b="0"/>
+      </a:effectRef>
+      <a:fontRef idx="minor"/>
+    </dgm:style>
+  </dgm:styleLbl>
+  <dgm:styleLbl name="conFgAcc1">
+    <dgm:scene3d>
+      <a:camera prst="orthographicFront"/>
+      <a:lightRig rig="threePt" dir="t"/>
+    </dgm:scene3d>
+    <dgm:sp3d/>
+    <dgm:txPr/>
+    <dgm:style>
+      <a:lnRef idx="2">
+        <a:scrgbClr r="0" g="0" b="0"/>
+      </a:lnRef>
+      <a:fillRef idx="1">
+        <a:scrgbClr r="0" g="0" b="0"/>
+      </a:fillRef>
+      <a:effectRef idx="0">
+        <a:scrgbClr r="0" g="0" b="0"/>
+      </a:effectRef>
+      <a:fontRef idx="minor"/>
+    </dgm:style>
+  </dgm:styleLbl>
+  <dgm:styleLbl name="alignAcc1">
+    <dgm:scene3d>
+      <a:camera prst="orthographicFront"/>
+      <a:lightRig rig="threePt" dir="t"/>
+    </dgm:scene3d>
+    <dgm:sp3d/>
+    <dgm:txPr/>
+    <dgm:style>
+      <a:lnRef idx="2">
+        <a:scrgbClr r="0" g="0" b="0"/>
+      </a:lnRef>
+      <a:fillRef idx="1">
+        <a:scrgbClr r="0" g="0" b="0"/>
+      </a:fillRef>
+      <a:effectRef idx="0">
+        <a:scrgbClr r="0" g="0" b="0"/>
+      </a:effectRef>
+      <a:fontRef idx="minor"/>
+    </dgm:style>
+  </dgm:styleLbl>
+  <dgm:styleLbl name="trAlignAcc1">
+    <dgm:scene3d>
+      <a:camera prst="orthographicFront"/>
+      <a:lightRig rig="threePt" dir="t"/>
+    </dgm:scene3d>
+    <dgm:sp3d/>
+    <dgm:txPr/>
+    <dgm:style>
+      <a:lnRef idx="1">
+        <a:scrgbClr r="0" g="0" b="0"/>
+      </a:lnRef>
+      <a:fillRef idx="1">
+        <a:scrgbClr r="0" g="0" b="0"/>
+      </a:fillRef>
+      <a:effectRef idx="0">
+        <a:scrgbClr r="0" g="0" b="0"/>
+      </a:effectRef>
+      <a:fontRef idx="minor"/>
+    </dgm:style>
+  </dgm:styleLbl>
+  <dgm:styleLbl name="bgAcc1">
+    <dgm:scene3d>
+      <a:camera prst="orthographicFront"/>
+      <a:lightRig rig="threePt" dir="t"/>
+    </dgm:scene3d>
+    <dgm:sp3d/>
+    <dgm:txPr/>
+    <dgm:style>
+      <a:lnRef idx="2">
+        <a:scrgbClr r="0" g="0" b="0"/>
+      </a:lnRef>
+      <a:fillRef idx="1">
+        <a:scrgbClr r="0" g="0" b="0"/>
+      </a:fillRef>
+      <a:effectRef idx="0">
+        <a:scrgbClr r="0" g="0" b="0"/>
+      </a:effectRef>
+      <a:fontRef idx="minor"/>
+    </dgm:style>
+  </dgm:styleLbl>
+  <dgm:styleLbl name="solidFgAcc1">
+    <dgm:scene3d>
+      <a:camera prst="orthographicFront"/>
+      <a:lightRig rig="threePt" dir="t"/>
+    </dgm:scene3d>
+    <dgm:sp3d/>
+    <dgm:txPr/>
+    <dgm:style>
+      <a:lnRef idx="2">
+        <a:scrgbClr r="0" g="0" b="0"/>
+      </a:lnRef>
+      <a:fillRef idx="1">
+        <a:scrgbClr r="0" g="0" b="0"/>
+      </a:fillRef>
+      <a:effectRef idx="0">
+        <a:scrgbClr r="0" g="0" b="0"/>
+      </a:effectRef>
+      <a:fontRef idx="minor"/>
+    </dgm:style>
+  </dgm:styleLbl>
+  <dgm:styleLbl name="solidAlignAcc1">
+    <dgm:scene3d>
+      <a:camera prst="orthographicFront"/>
+      <a:lightRig rig="threePt" dir="t"/>
+    </dgm:scene3d>
+    <dgm:sp3d/>
+    <dgm:txPr/>
+    <dgm:style>
+      <a:lnRef idx="2">
+        <a:scrgbClr r="0" g="0" b="0"/>
+      </a:lnRef>
+      <a:fillRef idx="1">
+        <a:scrgbClr r="0" g="0" b="0"/>
+      </a:fillRef>
+      <a:effectRef idx="0">
+        <a:scrgbClr r="0" g="0" b="0"/>
+      </a:effectRef>
+      <a:fontRef idx="minor"/>
+    </dgm:style>
+  </dgm:styleLbl>
+  <dgm:styleLbl name="solidBgAcc1">
+    <dgm:scene3d>
+      <a:camera prst="orthographicFront"/>
+      <a:lightRig rig="threePt" dir="t"/>
+    </dgm:scene3d>
+    <dgm:sp3d/>
+    <dgm:txPr/>
+    <dgm:style>
+      <a:lnRef idx="2">
+        <a:scrgbClr r="0" g="0" b="0"/>
+      </a:lnRef>
+      <a:fillRef idx="1">
+        <a:scrgbClr r="0" g="0" b="0"/>
+      </a:fillRef>
+      <a:effectRef idx="0">
+        <a:scrgbClr r="0" g="0" b="0"/>
+      </a:effectRef>
+      <a:fontRef idx="minor"/>
+    </dgm:style>
+  </dgm:styleLbl>
+  <dgm:styleLbl name="fgAccFollowNode1">
+    <dgm:scene3d>
+      <a:camera prst="orthographicFront"/>
+      <a:lightRig rig="threePt" dir="t"/>
+    </dgm:scene3d>
+    <dgm:sp3d/>
+    <dgm:txPr/>
+    <dgm:style>
+      <a:lnRef idx="2">
+        <a:scrgbClr r="0" g="0" b="0"/>
+      </a:lnRef>
+      <a:fillRef idx="1">
+        <a:scrgbClr r="0" g="0" b="0"/>
+      </a:fillRef>
+      <a:effectRef idx="0">
+        <a:scrgbClr r="0" g="0" b="0"/>
+      </a:effectRef>
+      <a:fontRef idx="minor"/>
+    </dgm:style>
+  </dgm:styleLbl>
+  <dgm:styleLbl name="alignAccFollowNode1">
+    <dgm:scene3d>
+      <a:camera prst="orthographicFront"/>
+      <a:lightRig rig="threePt" dir="t"/>
+    </dgm:scene3d>
+    <dgm:sp3d/>
+    <dgm:txPr/>
+    <dgm:style>
+      <a:lnRef idx="2">
+        <a:scrgbClr r="0" g="0" b="0"/>
+      </a:lnRef>
+      <a:fillRef idx="1">
+        <a:scrgbClr r="0" g="0" b="0"/>
+      </a:fillRef>
+      <a:effectRef idx="0">
+        <a:scrgbClr r="0" g="0" b="0"/>
+      </a:effectRef>
+      <a:fontRef idx="minor"/>
+    </dgm:style>
+  </dgm:styleLbl>
+  <dgm:styleLbl name="bgAccFollowNode1">
+    <dgm:scene3d>
+      <a:camera prst="orthographicFront"/>
+      <a:lightRig rig="threePt" dir="t"/>
+    </dgm:scene3d>
+    <dgm:sp3d/>
+    <dgm:txPr/>
+    <dgm:style>
+      <a:lnRef idx="2">
+        <a:scrgbClr r="0" g="0" b="0"/>
+      </a:lnRef>
+      <a:fillRef idx="1">
+        <a:scrgbClr r="0" g="0" b="0"/>
+      </a:fillRef>
+      <a:effectRef idx="0">
+        <a:scrgbClr r="0" g="0" b="0"/>
+      </a:effectRef>
+      <a:fontRef idx="minor"/>
+    </dgm:style>
+  </dgm:styleLbl>
+  <dgm:styleLbl name="fgAcc0">
+    <dgm:scene3d>
+      <a:camera prst="orthographicFront"/>
+      <a:lightRig rig="threePt" dir="t"/>
+    </dgm:scene3d>
+    <dgm:sp3d/>
+    <dgm:txPr/>
+    <dgm:style>
+      <a:lnRef idx="2">
+        <a:scrgbClr r="0" g="0" b="0"/>
+      </a:lnRef>
+      <a:fillRef idx="1">
+        <a:scrgbClr r="0" g="0" b="0"/>
+      </a:fillRef>
+      <a:effectRef idx="0">
+        <a:scrgbClr r="0" g="0" b="0"/>
+      </a:effectRef>
+      <a:fontRef idx="minor"/>
+    </dgm:style>
+  </dgm:styleLbl>
+  <dgm:styleLbl name="fgAcc2">
+    <dgm:scene3d>
+      <a:camera prst="orthographicFront"/>
+      <a:lightRig rig="threePt" dir="t"/>
+    </dgm:scene3d>
+    <dgm:sp3d/>
+    <dgm:txPr/>
+    <dgm:style>
+      <a:lnRef idx="2">
+        <a:scrgbClr r="0" g="0" b="0"/>
+      </a:lnRef>
+      <a:fillRef idx="1">
+        <a:scrgbClr r="0" g="0" b="0"/>
+      </a:fillRef>
+      <a:effectRef idx="0">
+        <a:scrgbClr r="0" g="0" b="0"/>
+      </a:effectRef>
+      <a:fontRef idx="minor"/>
+    </dgm:style>
+  </dgm:styleLbl>
+  <dgm:styleLbl name="fgAcc3">
+    <dgm:scene3d>
+      <a:camera prst="orthographicFront"/>
+      <a:lightRig rig="threePt" dir="t"/>
+    </dgm:scene3d>
+    <dgm:sp3d/>
+    <dgm:txPr/>
+    <dgm:style>
+      <a:lnRef idx="2">
+        <a:scrgbClr r="0" g="0" b="0"/>
+      </a:lnRef>
+      <a:fillRef idx="1">
+        <a:scrgbClr r="0" g="0" b="0"/>
+      </a:fillRef>
+      <a:effectRef idx="0">
+        <a:scrgbClr r="0" g="0" b="0"/>
+      </a:effectRef>
+      <a:fontRef idx="minor"/>
+    </dgm:style>
+  </dgm:styleLbl>
+  <dgm:styleLbl name="fgAcc4">
+    <dgm:scene3d>
+      <a:camera prst="orthographicFront"/>
+      <a:lightRig rig="threePt" dir="t"/>
+    </dgm:scene3d>
+    <dgm:sp3d/>
+    <dgm:txPr/>
+    <dgm:style>
+      <a:lnRef idx="2">
+        <a:scrgbClr r="0" g="0" b="0"/>
+      </a:lnRef>
+      <a:fillRef idx="1">
+        <a:scrgbClr r="0" g="0" b="0"/>
+      </a:fillRef>
+      <a:effectRef idx="0">
+        <a:scrgbClr r="0" g="0" b="0"/>
+      </a:effectRef>
+      <a:fontRef idx="minor"/>
+    </dgm:style>
+  </dgm:styleLbl>
+  <dgm:styleLbl name="bgShp">
+    <dgm:scene3d>
+      <a:camera prst="orthographicFront"/>
+      <a:lightRig rig="threePt" dir="t"/>
+    </dgm:scene3d>
+    <dgm:sp3d/>
+    <dgm:txPr/>
+    <dgm:style>
+      <a:lnRef idx="0">
+        <a:scrgbClr r="0" g="0" b="0"/>
+      </a:lnRef>
+      <a:fillRef idx="1">
+        <a:scrgbClr r="0" g="0" b="0"/>
+      </a:fillRef>
+      <a:effectRef idx="0">
+        <a:scrgbClr r="0" g="0" b="0"/>
+      </a:effectRef>
+      <a:fontRef idx="minor"/>
+    </dgm:style>
+  </dgm:styleLbl>
+  <dgm:styleLbl name="dkBgShp">
+    <dgm:scene3d>
+      <a:camera prst="orthographicFront"/>
+      <a:lightRig rig="threePt" dir="t"/>
+    </dgm:scene3d>
+    <dgm:sp3d/>
+    <dgm:txPr/>
+    <dgm:style>
+      <a:lnRef idx="0">
+        <a:scrgbClr r="0" g="0" b="0"/>
+      </a:lnRef>
+      <a:fillRef idx="1">
+        <a:scrgbClr r="0" g="0" b="0"/>
+      </a:fillRef>
+      <a:effectRef idx="0">
+        <a:scrgbClr r="0" g="0" b="0"/>
+      </a:effectRef>
+      <a:fontRef idx="minor"/>
+    </dgm:style>
+  </dgm:styleLbl>
+  <dgm:styleLbl name="trBgShp">
+    <dgm:scene3d>
+      <a:camera prst="orthographicFront"/>
+      <a:lightRig rig="threePt" dir="t"/>
+    </dgm:scene3d>
+    <dgm:sp3d/>
+    <dgm:txPr/>
+    <dgm:style>
+      <a:lnRef idx="0">
+        <a:scrgbClr r="0" g="0" b="0"/>
+      </a:lnRef>
+      <a:fillRef idx="1">
+        <a:scrgbClr r="0" g="0" b="0"/>
+      </a:fillRef>
+      <a:effectRef idx="0">
+        <a:scrgbClr r="0" g="0" b="0"/>
+      </a:effectRef>
+      <a:fontRef idx="minor"/>
+    </dgm:style>
+  </dgm:styleLbl>
+  <dgm:styleLbl name="fgShp">
+    <dgm:scene3d>
+      <a:camera prst="orthographicFront"/>
+      <a:lightRig rig="threePt" dir="t"/>
+    </dgm:scene3d>
+    <dgm:sp3d/>
+    <dgm:txPr/>
+    <dgm:style>
+      <a:lnRef idx="2">
+        <a:scrgbClr r="0" g="0" b="0"/>
+      </a:lnRef>
+      <a:fillRef idx="1">
+        <a:scrgbClr r="0" g="0" b="0"/>
+      </a:fillRef>
+      <a:effectRef idx="0">
+        <a:scrgbClr r="0" g="0" b="0"/>
+      </a:effectRef>
+      <a:fontRef idx="minor"/>
+    </dgm:style>
+  </dgm:styleLbl>
+  <dgm:styleLbl name="revTx">
+    <dgm:scene3d>
+      <a:camera prst="orthographicFront"/>
+      <a:lightRig rig="threePt" dir="t"/>
+    </dgm:scene3d>
+    <dgm:sp3d/>
+    <dgm:txPr/>
+    <dgm:style>
+      <a:lnRef idx="0">
+        <a:scrgbClr r="0" g="0" b="0"/>
+      </a:lnRef>
+      <a:fillRef idx="0">
+        <a:scrgbClr r="0" g="0" b="0"/>
+      </a:fillRef>
+      <a:effectRef idx="0">
+        <a:scrgbClr r="0" g="0" b="0"/>
+      </a:effectRef>
+      <a:fontRef idx="minor"/>
+    </dgm:style>
+  </dgm:styleLbl>
+</dgm:styleDef>
+</file>
+
 <file path=ppt/slideLayouts/slideLayout1.xml><?xml version="1.0" encoding="utf-8"?>
 <p:sldLayout xmlns:a="http://schemas.openxmlformats.org/drawingml/2006/main" xmlns:r="http://schemas.openxmlformats.org/officeDocument/2006/relationships" xmlns:p="http://schemas.openxmlformats.org/presentationml/2006/main" type="title" preserve="1">
   <p:cSld name="タイトル スライド">
@@ -4053,7 +7151,7 @@
     </p:spTree>
     <p:extLst>
       <p:ext uri="{BB962C8B-B14F-4D97-AF65-F5344CB8AC3E}">
-        <p14:creationId xmlns:p14="http://schemas.microsoft.com/office/powerpoint/2010/main" val="3584915755"/>
+        <p14:creationId xmlns:p14="http://schemas.microsoft.com/office/powerpoint/2010/main" val="801375810"/>
       </p:ext>
     </p:extLst>
   </p:cSld>
@@ -4255,7 +7353,7 @@
     </p:spTree>
     <p:extLst>
       <p:ext uri="{BB962C8B-B14F-4D97-AF65-F5344CB8AC3E}">
-        <p14:creationId xmlns:p14="http://schemas.microsoft.com/office/powerpoint/2010/main" val="3866511552"/>
+        <p14:creationId xmlns:p14="http://schemas.microsoft.com/office/powerpoint/2010/main" val="909914504"/>
       </p:ext>
     </p:extLst>
   </p:cSld>
@@ -4467,7 +7565,7 @@
     </p:spTree>
     <p:extLst>
       <p:ext uri="{BB962C8B-B14F-4D97-AF65-F5344CB8AC3E}">
-        <p14:creationId xmlns:p14="http://schemas.microsoft.com/office/powerpoint/2010/main" val="4158543760"/>
+        <p14:creationId xmlns:p14="http://schemas.microsoft.com/office/powerpoint/2010/main" val="1876046726"/>
       </p:ext>
     </p:extLst>
   </p:cSld>
@@ -4669,7 +7767,7 @@
     </p:spTree>
     <p:extLst>
       <p:ext uri="{BB962C8B-B14F-4D97-AF65-F5344CB8AC3E}">
-        <p14:creationId xmlns:p14="http://schemas.microsoft.com/office/powerpoint/2010/main" val="3058341043"/>
+        <p14:creationId xmlns:p14="http://schemas.microsoft.com/office/powerpoint/2010/main" val="1649469273"/>
       </p:ext>
     </p:extLst>
   </p:cSld>
@@ -4915,7 +8013,7 @@
     </p:spTree>
     <p:extLst>
       <p:ext uri="{BB962C8B-B14F-4D97-AF65-F5344CB8AC3E}">
-        <p14:creationId xmlns:p14="http://schemas.microsoft.com/office/powerpoint/2010/main" val="2035366334"/>
+        <p14:creationId xmlns:p14="http://schemas.microsoft.com/office/powerpoint/2010/main" val="1979479865"/>
       </p:ext>
     </p:extLst>
   </p:cSld>
@@ -5211,7 +8309,7 @@
     </p:spTree>
     <p:extLst>
       <p:ext uri="{BB962C8B-B14F-4D97-AF65-F5344CB8AC3E}">
-        <p14:creationId xmlns:p14="http://schemas.microsoft.com/office/powerpoint/2010/main" val="965057372"/>
+        <p14:creationId xmlns:p14="http://schemas.microsoft.com/office/powerpoint/2010/main" val="1997645317"/>
       </p:ext>
     </p:extLst>
   </p:cSld>
@@ -5642,7 +8740,7 @@
     </p:spTree>
     <p:extLst>
       <p:ext uri="{BB962C8B-B14F-4D97-AF65-F5344CB8AC3E}">
-        <p14:creationId xmlns:p14="http://schemas.microsoft.com/office/powerpoint/2010/main" val="585910965"/>
+        <p14:creationId xmlns:p14="http://schemas.microsoft.com/office/powerpoint/2010/main" val="3608787139"/>
       </p:ext>
     </p:extLst>
   </p:cSld>
@@ -5760,7 +8858,7 @@
     </p:spTree>
     <p:extLst>
       <p:ext uri="{BB962C8B-B14F-4D97-AF65-F5344CB8AC3E}">
-        <p14:creationId xmlns:p14="http://schemas.microsoft.com/office/powerpoint/2010/main" val="423335172"/>
+        <p14:creationId xmlns:p14="http://schemas.microsoft.com/office/powerpoint/2010/main" val="3225785456"/>
       </p:ext>
     </p:extLst>
   </p:cSld>
@@ -5855,7 +8953,7 @@
     </p:spTree>
     <p:extLst>
       <p:ext uri="{BB962C8B-B14F-4D97-AF65-F5344CB8AC3E}">
-        <p14:creationId xmlns:p14="http://schemas.microsoft.com/office/powerpoint/2010/main" val="3410041298"/>
+        <p14:creationId xmlns:p14="http://schemas.microsoft.com/office/powerpoint/2010/main" val="15729872"/>
       </p:ext>
     </p:extLst>
   </p:cSld>
@@ -6164,7 +9262,7 @@
     </p:spTree>
     <p:extLst>
       <p:ext uri="{BB962C8B-B14F-4D97-AF65-F5344CB8AC3E}">
-        <p14:creationId xmlns:p14="http://schemas.microsoft.com/office/powerpoint/2010/main" val="1113585672"/>
+        <p14:creationId xmlns:p14="http://schemas.microsoft.com/office/powerpoint/2010/main" val="701004581"/>
       </p:ext>
     </p:extLst>
   </p:cSld>
@@ -6421,7 +9519,7 @@
     </p:spTree>
     <p:extLst>
       <p:ext uri="{BB962C8B-B14F-4D97-AF65-F5344CB8AC3E}">
-        <p14:creationId xmlns:p14="http://schemas.microsoft.com/office/powerpoint/2010/main" val="972166313"/>
+        <p14:creationId xmlns:p14="http://schemas.microsoft.com/office/powerpoint/2010/main" val="1990899510"/>
       </p:ext>
     </p:extLst>
   </p:cSld>
@@ -6702,23 +9800,23 @@
     </p:spTree>
     <p:extLst>
       <p:ext uri="{BB962C8B-B14F-4D97-AF65-F5344CB8AC3E}">
-        <p14:creationId xmlns:p14="http://schemas.microsoft.com/office/powerpoint/2010/main" val="3915744557"/>
+        <p14:creationId xmlns:p14="http://schemas.microsoft.com/office/powerpoint/2010/main" val="3835474617"/>
       </p:ext>
     </p:extLst>
   </p:cSld>
   <p:clrMap bg1="lt1" tx1="dk1" bg2="lt2" tx2="dk2" accent1="accent1" accent2="accent2" accent3="accent3" accent4="accent4" accent5="accent5" accent6="accent6" hlink="hlink" folHlink="folHlink"/>
   <p:sldLayoutIdLst>
-    <p:sldLayoutId id="2147483661" r:id="rId1"/>
-    <p:sldLayoutId id="2147483662" r:id="rId2"/>
-    <p:sldLayoutId id="2147483663" r:id="rId3"/>
-    <p:sldLayoutId id="2147483664" r:id="rId4"/>
-    <p:sldLayoutId id="2147483665" r:id="rId5"/>
-    <p:sldLayoutId id="2147483666" r:id="rId6"/>
-    <p:sldLayoutId id="2147483667" r:id="rId7"/>
-    <p:sldLayoutId id="2147483668" r:id="rId8"/>
-    <p:sldLayoutId id="2147483669" r:id="rId9"/>
-    <p:sldLayoutId id="2147483670" r:id="rId10"/>
-    <p:sldLayoutId id="2147483671" r:id="rId11"/>
+    <p:sldLayoutId id="2147483685" r:id="rId1"/>
+    <p:sldLayoutId id="2147483686" r:id="rId2"/>
+    <p:sldLayoutId id="2147483687" r:id="rId3"/>
+    <p:sldLayoutId id="2147483688" r:id="rId4"/>
+    <p:sldLayoutId id="2147483689" r:id="rId5"/>
+    <p:sldLayoutId id="2147483690" r:id="rId6"/>
+    <p:sldLayoutId id="2147483691" r:id="rId7"/>
+    <p:sldLayoutId id="2147483692" r:id="rId8"/>
+    <p:sldLayoutId id="2147483693" r:id="rId9"/>
+    <p:sldLayoutId id="2147483694" r:id="rId10"/>
+    <p:sldLayoutId id="2147483695" r:id="rId11"/>
   </p:sldLayoutIdLst>
   <p:txStyles>
     <p:titleStyle>
@@ -7030,7 +10128,7 @@
       </p:grpSpPr>
       <p:sp useBgFill="1">
         <p:nvSpPr>
-          <p:cNvPr id="5" name="Rectangle 7">
+          <p:cNvPr id="17" name="Rectangle 7">
             <a:extLst>
               <a:ext uri="{FF2B5EF4-FFF2-40B4-BE49-F238E27FC236}">
                 <a16:creationId xmlns:a16="http://schemas.microsoft.com/office/drawing/2014/main" id="{559AE206-7EBA-4D33-8BC9-9D8158553F0E}"/>
@@ -7185,18 +10283,6 @@
             <a:pPr algn="l"/>
             <a:r>
               <a:rPr lang="ja-JP" altLang="en-US" dirty="0"/>
-              <a:t>プログラミング</a:t>
-            </a:r>
-            <a:endParaRPr lang="en-US" altLang="ja-JP" dirty="0"/>
-          </a:p>
-          <a:p>
-            <a:pPr algn="l"/>
-            <a:endParaRPr lang="en-US" altLang="ja-JP" dirty="0"/>
-          </a:p>
-          <a:p>
-            <a:pPr algn="l"/>
-            <a:r>
-              <a:rPr lang="ja-JP" altLang="en-US" dirty="0"/>
               <a:t>髙見、平野</a:t>
             </a:r>
             <a:endParaRPr kumimoji="1" lang="en-US" altLang="ja-JP" dirty="0"/>
@@ -7205,7 +10291,7 @@
       </p:sp>
       <p:sp>
         <p:nvSpPr>
-          <p:cNvPr id="6" name="Oval 9">
+          <p:cNvPr id="19" name="Oval 9">
             <a:extLst>
               <a:ext uri="{FF2B5EF4-FFF2-40B4-BE49-F238E27FC236}">
                 <a16:creationId xmlns:a16="http://schemas.microsoft.com/office/drawing/2014/main" id="{6437D937-A7F1-4011-92B4-328E5BE1B166}"/>
@@ -7297,7 +10383,7 @@
       </p:sp>
       <p:sp>
         <p:nvSpPr>
-          <p:cNvPr id="7" name="Oval 11">
+          <p:cNvPr id="20" name="Oval 11">
             <a:extLst>
               <a:ext uri="{FF2B5EF4-FFF2-40B4-BE49-F238E27FC236}">
                 <a16:creationId xmlns:a16="http://schemas.microsoft.com/office/drawing/2014/main" id="{B672F332-AF08-46C6-94F0-77684310D7B7}"/>
@@ -7389,7 +10475,7 @@
       </p:sp>
       <p:sp>
         <p:nvSpPr>
-          <p:cNvPr id="9" name="Oval 13">
+          <p:cNvPr id="21" name="Oval 13">
             <a:extLst>
               <a:ext uri="{FF2B5EF4-FFF2-40B4-BE49-F238E27FC236}">
                 <a16:creationId xmlns:a16="http://schemas.microsoft.com/office/drawing/2014/main" id="{34244EF8-D73A-40E1-BE73-D46E6B4B04ED}"/>
@@ -7481,7 +10567,7 @@
       </p:sp>
       <p:sp>
         <p:nvSpPr>
-          <p:cNvPr id="11" name="Freeform: Shape 15">
+          <p:cNvPr id="16" name="Freeform: Shape 15">
             <a:extLst>
               <a:ext uri="{FF2B5EF4-FFF2-40B4-BE49-F238E27FC236}">
                 <a16:creationId xmlns:a16="http://schemas.microsoft.com/office/drawing/2014/main" id="{AB84D7E8-4ECB-42D7-ADBF-01689B0F24AE}"/>
@@ -7636,7 +10722,7 @@
       </p:sp>
       <p:cxnSp>
         <p:nvCxnSpPr>
-          <p:cNvPr id="13" name="Straight Connector 17">
+          <p:cNvPr id="18" name="Straight Connector 17">
             <a:extLst>
               <a:ext uri="{FF2B5EF4-FFF2-40B4-BE49-F238E27FC236}">
                 <a16:creationId xmlns:a16="http://schemas.microsoft.com/office/drawing/2014/main" id="{9E8E38ED-369A-44C2-B635-0BED0E48A6E8}"/>
@@ -7760,59 +10846,6 @@
           </a:p>
         </p:txBody>
       </p:sp>
-      <p:cxnSp>
-        <p:nvCxnSpPr>
-          <p:cNvPr id="13" name="Straight Arrow Connector 8">
-            <a:extLst>
-              <a:ext uri="{FF2B5EF4-FFF2-40B4-BE49-F238E27FC236}">
-                <a16:creationId xmlns:a16="http://schemas.microsoft.com/office/drawing/2014/main" id="{E4A809D5-3600-46D4-A466-67F2349A54FB}"/>
-              </a:ext>
-              <a:ext uri="{C183D7F6-B498-43B3-948B-1728B52AA6E4}">
-                <adec:decorative xmlns:adec="http://schemas.microsoft.com/office/drawing/2017/decorative" val="1"/>
-              </a:ext>
-            </a:extLst>
-          </p:cNvPr>
-          <p:cNvCxnSpPr>
-            <a:cxnSpLocks noGrp="1" noRot="1" noChangeAspect="1" noMove="1" noResize="1" noEditPoints="1" noAdjustHandles="1" noChangeArrowheads="1" noChangeShapeType="1"/>
-          </p:cNvCxnSpPr>
-          <p:nvPr>
-            <p:extLst>
-              <p:ext uri="{386F3935-93C4-4BCD-93E2-E3B085C9AB24}">
-                <p16:designElem xmlns:p16="http://schemas.microsoft.com/office/powerpoint/2015/main" val="1"/>
-              </p:ext>
-            </p:extLst>
-          </p:nvPr>
-        </p:nvCxnSpPr>
-        <p:spPr>
-          <a:xfrm>
-            <a:off x="655320" y="2316480"/>
-            <a:ext cx="4572000" cy="0"/>
-          </a:xfrm>
-          <a:prstGeom prst="straightConnector1">
-            <a:avLst/>
-          </a:prstGeom>
-          <a:ln w="19050" cap="sq">
-            <a:solidFill>
-              <a:schemeClr val="tx1"/>
-            </a:solidFill>
-            <a:tailEnd type="none"/>
-          </a:ln>
-        </p:spPr>
-        <p:style>
-          <a:lnRef idx="1">
-            <a:schemeClr val="accent1"/>
-          </a:lnRef>
-          <a:fillRef idx="0">
-            <a:schemeClr val="accent1"/>
-          </a:fillRef>
-          <a:effectRef idx="0">
-            <a:schemeClr val="accent1"/>
-          </a:effectRef>
-          <a:fontRef idx="minor">
-            <a:schemeClr val="tx1"/>
-          </a:fontRef>
-        </p:style>
-      </p:cxnSp>
       <p:sp>
         <p:nvSpPr>
           <p:cNvPr id="3" name="コンテンツ プレースホルダー 2">
@@ -8067,7 +11100,7 @@
             <p:ph idx="1"/>
             <p:extLst>
               <p:ext uri="{D42A27DB-BD31-4B8C-83A1-F6EECF244321}">
-                <p14:modId xmlns:p14="http://schemas.microsoft.com/office/powerpoint/2010/main" val="3670985614"/>
+                <p14:modId xmlns:p14="http://schemas.microsoft.com/office/powerpoint/2010/main" val="3270113528"/>
               </p:ext>
             </p:extLst>
           </p:nvPr>
@@ -8098,6 +11131,14 @@
 <file path=ppt/slides/slide4.xml><?xml version="1.0" encoding="utf-8"?>
 <p:sld xmlns:a="http://schemas.openxmlformats.org/drawingml/2006/main" xmlns:r="http://schemas.openxmlformats.org/officeDocument/2006/relationships" xmlns:p="http://schemas.openxmlformats.org/presentationml/2006/main">
   <p:cSld>
+    <p:bg>
+      <p:bgPr>
+        <a:solidFill>
+          <a:schemeClr val="bg1"/>
+        </a:solidFill>
+        <a:effectLst/>
+      </p:bgPr>
+    </p:bg>
     <p:spTree>
       <p:nvGrpSpPr>
         <p:cNvPr id="1" name=""/>
@@ -8114,6 +11155,101 @@
       </p:grpSpPr>
       <p:sp>
         <p:nvSpPr>
+          <p:cNvPr id="9" name="Down Arrow 7">
+            <a:extLst>
+              <a:ext uri="{FF2B5EF4-FFF2-40B4-BE49-F238E27FC236}">
+                <a16:creationId xmlns:a16="http://schemas.microsoft.com/office/drawing/2014/main" id="{73DE2CFE-42F2-48F0-8706-5264E012B10C}"/>
+              </a:ext>
+              <a:ext uri="{C183D7F6-B498-43B3-948B-1728B52AA6E4}">
+                <adec:decorative xmlns:adec="http://schemas.microsoft.com/office/drawing/2017/decorative" val="1"/>
+              </a:ext>
+            </a:extLst>
+          </p:cNvPr>
+          <p:cNvSpPr>
+            <a:spLocks noGrp="1" noRot="1" noChangeAspect="1" noMove="1" noResize="1" noEditPoints="1" noAdjustHandles="1" noChangeArrowheads="1" noChangeShapeType="1" noTextEdit="1"/>
+          </p:cNvSpPr>
+          <p:nvPr>
+            <p:extLst>
+              <p:ext uri="{386F3935-93C4-4BCD-93E2-E3B085C9AB24}">
+                <p16:designElem xmlns:p16="http://schemas.microsoft.com/office/powerpoint/2015/main" val="1"/>
+              </p:ext>
+            </p:extLst>
+          </p:nvPr>
+        </p:nvSpPr>
+        <p:spPr>
+          <a:xfrm rot="16200000">
+            <a:off x="1288521" y="381403"/>
+            <a:ext cx="2200313" cy="3342508"/>
+          </a:xfrm>
+          <a:prstGeom prst="downArrow">
+            <a:avLst>
+              <a:gd name="adj1" fmla="val 100000"/>
+              <a:gd name="adj2" fmla="val 15788"/>
+            </a:avLst>
+          </a:prstGeom>
+          <a:solidFill>
+            <a:srgbClr val="404040"/>
+          </a:solidFill>
+          <a:ln w="53975">
+            <a:noFill/>
+          </a:ln>
+        </p:spPr>
+        <p:style>
+          <a:lnRef idx="2">
+            <a:schemeClr val="accent1">
+              <a:shade val="50000"/>
+            </a:schemeClr>
+          </a:lnRef>
+          <a:fillRef idx="1">
+            <a:schemeClr val="accent1"/>
+          </a:fillRef>
+          <a:effectRef idx="0">
+            <a:schemeClr val="accent1"/>
+          </a:effectRef>
+          <a:fontRef idx="minor">
+            <a:schemeClr val="lt1"/>
+          </a:fontRef>
+        </p:style>
+        <p:txBody>
+          <a:bodyPr rtlCol="0" anchor="ctr"/>
+          <a:lstStyle/>
+          <a:p>
+            <a:pPr marL="0" marR="0" lvl="0" indent="0" algn="ctr" defTabSz="914400" rtl="0" eaLnBrk="1" fontAlgn="auto" latinLnBrk="0" hangingPunct="1">
+              <a:lnSpc>
+                <a:spcPct val="100000"/>
+              </a:lnSpc>
+              <a:spcBef>
+                <a:spcPts val="0"/>
+              </a:spcBef>
+              <a:spcAft>
+                <a:spcPts val="0"/>
+              </a:spcAft>
+              <a:buClrTx/>
+              <a:buSzTx/>
+              <a:buFontTx/>
+              <a:buNone/>
+              <a:tabLst/>
+              <a:defRPr/>
+            </a:pPr>
+            <a:endParaRPr kumimoji="0" lang="en-US" sz="1800" b="0" i="0" u="none" strike="noStrike" kern="1200" cap="none" spc="0" normalizeH="0" baseline="0" noProof="0">
+              <a:ln>
+                <a:noFill/>
+              </a:ln>
+              <a:solidFill>
+                <a:prstClr val="white"/>
+              </a:solidFill>
+              <a:effectLst/>
+              <a:uLnTx/>
+              <a:uFillTx/>
+              <a:latin typeface="Calibri" panose="020F0502020204030204"/>
+              <a:ea typeface="+mn-ea"/>
+              <a:cs typeface="+mn-cs"/>
+            </a:endParaRPr>
+          </a:p>
+        </p:txBody>
+      </p:sp>
+      <p:sp>
+        <p:nvSpPr>
           <p:cNvPr id="2" name="タイトル 1">
             <a:extLst>
               <a:ext uri="{FF2B5EF4-FFF2-40B4-BE49-F238E27FC236}">
@@ -8128,13 +11264,24 @@
             <p:ph type="title"/>
           </p:nvPr>
         </p:nvSpPr>
-        <p:spPr/>
+        <p:spPr>
+          <a:xfrm>
+            <a:off x="966952" y="1204108"/>
+            <a:ext cx="2669406" cy="1781175"/>
+          </a:xfrm>
+        </p:spPr>
         <p:txBody>
-          <a:bodyPr/>
+          <a:bodyPr>
+            <a:normAutofit/>
+          </a:bodyPr>
           <a:lstStyle/>
           <a:p>
             <a:r>
-              <a:rPr kumimoji="1" lang="ja-JP" altLang="en-US" dirty="0"/>
+              <a:rPr kumimoji="1" lang="ja-JP" altLang="en-US" sz="3200">
+                <a:solidFill>
+                  <a:srgbClr val="FFFFFF"/>
+                </a:solidFill>
+              </a:rPr>
               <a:t>ゲームの特徴</a:t>
             </a:r>
           </a:p>
@@ -8156,36 +11303,110 @@
             <p:ph idx="1"/>
           </p:nvPr>
         </p:nvSpPr>
-        <p:spPr/>
+        <p:spPr>
+          <a:xfrm>
+            <a:off x="966951" y="3355130"/>
+            <a:ext cx="3636783" cy="2550370"/>
+          </a:xfrm>
+        </p:spPr>
         <p:txBody>
-          <a:bodyPr/>
+          <a:bodyPr>
+            <a:normAutofit/>
+          </a:bodyPr>
           <a:lstStyle/>
           <a:p>
             <a:r>
-              <a:rPr kumimoji="1" lang="ja-JP" altLang="en-US" dirty="0"/>
-              <a:t>ノーマルモード、王選択モード、ランダムモード</a:t>
-            </a:r>
-            <a:endParaRPr kumimoji="1" lang="en-US" altLang="ja-JP" dirty="0"/>
+              <a:rPr kumimoji="1" lang="ja-JP" altLang="en-US" sz="2000" dirty="0"/>
+              <a:t>ノーマルモード</a:t>
+            </a:r>
+            <a:endParaRPr kumimoji="1" lang="en-US" altLang="ja-JP" sz="2000" dirty="0"/>
           </a:p>
           <a:p>
             <a:r>
-              <a:rPr kumimoji="1" lang="ja-JP" altLang="en-US" dirty="0"/>
-              <a:t>王選択モードでは王を相手に知られずに選択できる</a:t>
-            </a:r>
-            <a:endParaRPr kumimoji="1" lang="en-US" altLang="ja-JP" dirty="0"/>
+              <a:rPr kumimoji="1" lang="ja-JP" altLang="en-US" sz="2000" dirty="0"/>
+              <a:t>王選択モード</a:t>
+            </a:r>
+            <a:endParaRPr kumimoji="1" lang="en-US" altLang="ja-JP" sz="2000" dirty="0"/>
           </a:p>
           <a:p>
             <a:r>
-              <a:rPr lang="ja-JP" altLang="en-US" dirty="0"/>
-              <a:t>小さな子供でも遊びやすいようなデザイン、仕様</a:t>
-            </a:r>
-            <a:endParaRPr lang="en-US" altLang="ja-JP" dirty="0"/>
+              <a:rPr kumimoji="1" lang="ja-JP" altLang="en-US" sz="2000" dirty="0"/>
+              <a:t>王選択モードでは王を相手に知られずに選択できる</a:t>
+            </a:r>
+            <a:endParaRPr kumimoji="1" lang="en-US" altLang="ja-JP" sz="2000" dirty="0"/>
           </a:p>
           <a:p>
-            <a:endParaRPr lang="en-US" altLang="ja-JP" dirty="0"/>
+            <a:r>
+              <a:rPr lang="ja-JP" altLang="en-US" sz="2000" dirty="0"/>
+              <a:t>小さな子供でも遊びやすいようなデザイン、仕様</a:t>
+            </a:r>
+            <a:endParaRPr lang="en-US" altLang="ja-JP" sz="2000" dirty="0"/>
+          </a:p>
+          <a:p>
+            <a:endParaRPr lang="en-US" altLang="ja-JP" sz="1600" dirty="0"/>
           </a:p>
         </p:txBody>
       </p:sp>
+      <p:pic>
+        <p:nvPicPr>
+          <p:cNvPr id="5" name="図 4">
+            <a:extLst>
+              <a:ext uri="{FF2B5EF4-FFF2-40B4-BE49-F238E27FC236}">
+                <a16:creationId xmlns:a16="http://schemas.microsoft.com/office/drawing/2014/main" id="{FD5A8DC0-8D4C-420B-A45D-1C5708353B78}"/>
+              </a:ext>
+            </a:extLst>
+          </p:cNvPr>
+          <p:cNvPicPr>
+            <a:picLocks noChangeAspect="1"/>
+          </p:cNvPicPr>
+          <p:nvPr/>
+        </p:nvPicPr>
+        <p:blipFill>
+          <a:blip r:embed="rId2"/>
+          <a:stretch>
+            <a:fillRect/>
+          </a:stretch>
+        </p:blipFill>
+        <p:spPr>
+          <a:xfrm>
+            <a:off x="6709513" y="3355130"/>
+            <a:ext cx="4824061" cy="2903463"/>
+          </a:xfrm>
+          <a:prstGeom prst="rect">
+            <a:avLst/>
+          </a:prstGeom>
+        </p:spPr>
+      </p:pic>
+      <p:pic>
+        <p:nvPicPr>
+          <p:cNvPr id="4" name="図 3" descr="テーブル が含まれている画像&#10;&#10;自動的に生成された説明">
+            <a:extLst>
+              <a:ext uri="{FF2B5EF4-FFF2-40B4-BE49-F238E27FC236}">
+                <a16:creationId xmlns:a16="http://schemas.microsoft.com/office/drawing/2014/main" id="{1EC96D01-AB2D-4691-8552-EFB8A766C266}"/>
+              </a:ext>
+            </a:extLst>
+          </p:cNvPr>
+          <p:cNvPicPr>
+            <a:picLocks noChangeAspect="1"/>
+          </p:cNvPicPr>
+          <p:nvPr/>
+        </p:nvPicPr>
+        <p:blipFill>
+          <a:blip r:embed="rId3"/>
+          <a:stretch>
+            <a:fillRect/>
+          </a:stretch>
+        </p:blipFill>
+        <p:spPr>
+          <a:xfrm>
+            <a:off x="4603734" y="715218"/>
+            <a:ext cx="4819027" cy="2903463"/>
+          </a:xfrm>
+          <a:prstGeom prst="rect">
+            <a:avLst/>
+          </a:prstGeom>
+        </p:spPr>
+      </p:pic>
     </p:spTree>
     <p:extLst>
       <p:ext uri="{BB962C8B-B14F-4D97-AF65-F5344CB8AC3E}">
@@ -8202,6 +11423,14 @@
 <file path=ppt/slides/slide5.xml><?xml version="1.0" encoding="utf-8"?>
 <p:sld xmlns:a="http://schemas.openxmlformats.org/drawingml/2006/main" xmlns:r="http://schemas.openxmlformats.org/officeDocument/2006/relationships" xmlns:p="http://schemas.openxmlformats.org/presentationml/2006/main">
   <p:cSld>
+    <p:bg>
+      <p:bgPr>
+        <a:solidFill>
+          <a:schemeClr val="bg1"/>
+        </a:solidFill>
+        <a:effectLst/>
+      </p:bgPr>
+    </p:bg>
     <p:spTree>
       <p:nvGrpSpPr>
         <p:cNvPr id="1" name=""/>
@@ -8218,6 +11447,487 @@
       </p:grpSpPr>
       <p:sp>
         <p:nvSpPr>
+          <p:cNvPr id="10" name="Freeform: Shape 9">
+            <a:extLst>
+              <a:ext uri="{FF2B5EF4-FFF2-40B4-BE49-F238E27FC236}">
+                <a16:creationId xmlns:a16="http://schemas.microsoft.com/office/drawing/2014/main" id="{46C2E80F-49A6-4372-B103-219D417A55ED}"/>
+              </a:ext>
+              <a:ext uri="{C183D7F6-B498-43B3-948B-1728B52AA6E4}">
+                <adec:decorative xmlns:adec="http://schemas.microsoft.com/office/drawing/2017/decorative" val="1"/>
+              </a:ext>
+            </a:extLst>
+          </p:cNvPr>
+          <p:cNvSpPr>
+            <a:spLocks noGrp="1" noRot="1" noChangeAspect="1" noMove="1" noResize="1" noEditPoints="1" noAdjustHandles="1" noChangeArrowheads="1" noChangeShapeType="1" noTextEdit="1"/>
+          </p:cNvSpPr>
+          <p:nvPr>
+            <p:extLst>
+              <p:ext uri="{386F3935-93C4-4BCD-93E2-E3B085C9AB24}">
+                <p16:designElem xmlns:p16="http://schemas.microsoft.com/office/powerpoint/2015/main" val="1"/>
+              </p:ext>
+            </p:extLst>
+          </p:nvPr>
+        </p:nvSpPr>
+        <p:spPr>
+          <a:xfrm>
+            <a:off x="484096" y="470925"/>
+            <a:ext cx="4381009" cy="5892104"/>
+          </a:xfrm>
+          <a:custGeom>
+            <a:avLst/>
+            <a:gdLst>
+              <a:gd name="connsiteX0" fmla="*/ 0 w 4381009"/>
+              <a:gd name="connsiteY0" fmla="*/ 0 h 5892104"/>
+              <a:gd name="connsiteX1" fmla="*/ 4157628 w 4381009"/>
+              <a:gd name="connsiteY1" fmla="*/ 0 h 5892104"/>
+              <a:gd name="connsiteX2" fmla="*/ 4169302 w 4381009"/>
+              <a:gd name="connsiteY2" fmla="*/ 68659 h 5892104"/>
+              <a:gd name="connsiteX3" fmla="*/ 4191571 w 4381009"/>
+              <a:gd name="connsiteY3" fmla="*/ 205472 h 5892104"/>
+              <a:gd name="connsiteX4" fmla="*/ 4213368 w 4381009"/>
+              <a:gd name="connsiteY4" fmla="*/ 342890 h 5892104"/>
+              <a:gd name="connsiteX5" fmla="*/ 4232030 w 4381009"/>
+              <a:gd name="connsiteY5" fmla="*/ 480913 h 5892104"/>
+              <a:gd name="connsiteX6" fmla="*/ 4250848 w 4381009"/>
+              <a:gd name="connsiteY6" fmla="*/ 618332 h 5892104"/>
+              <a:gd name="connsiteX7" fmla="*/ 4268412 w 4381009"/>
+              <a:gd name="connsiteY7" fmla="*/ 756355 h 5892104"/>
+              <a:gd name="connsiteX8" fmla="*/ 4283467 w 4381009"/>
+              <a:gd name="connsiteY8" fmla="*/ 892563 h 5892104"/>
+              <a:gd name="connsiteX9" fmla="*/ 4297737 w 4381009"/>
+              <a:gd name="connsiteY9" fmla="*/ 1030587 h 5892104"/>
+              <a:gd name="connsiteX10" fmla="*/ 4310754 w 4381009"/>
+              <a:gd name="connsiteY10" fmla="*/ 1168005 h 5892104"/>
+              <a:gd name="connsiteX11" fmla="*/ 4322045 w 4381009"/>
+              <a:gd name="connsiteY11" fmla="*/ 1303002 h 5892104"/>
+              <a:gd name="connsiteX12" fmla="*/ 4333336 w 4381009"/>
+              <a:gd name="connsiteY12" fmla="*/ 1439815 h 5892104"/>
+              <a:gd name="connsiteX13" fmla="*/ 4342745 w 4381009"/>
+              <a:gd name="connsiteY13" fmla="*/ 1574812 h 5892104"/>
+              <a:gd name="connsiteX14" fmla="*/ 4350115 w 4381009"/>
+              <a:gd name="connsiteY14" fmla="*/ 1709808 h 5892104"/>
+              <a:gd name="connsiteX15" fmla="*/ 4357799 w 4381009"/>
+              <a:gd name="connsiteY15" fmla="*/ 1844200 h 5892104"/>
+              <a:gd name="connsiteX16" fmla="*/ 4364229 w 4381009"/>
+              <a:gd name="connsiteY16" fmla="*/ 1977381 h 5892104"/>
+              <a:gd name="connsiteX17" fmla="*/ 4368777 w 4381009"/>
+              <a:gd name="connsiteY17" fmla="*/ 2109351 h 5892104"/>
+              <a:gd name="connsiteX18" fmla="*/ 4372697 w 4381009"/>
+              <a:gd name="connsiteY18" fmla="*/ 2241321 h 5892104"/>
+              <a:gd name="connsiteX19" fmla="*/ 4376461 w 4381009"/>
+              <a:gd name="connsiteY19" fmla="*/ 2372080 h 5892104"/>
+              <a:gd name="connsiteX20" fmla="*/ 4378186 w 4381009"/>
+              <a:gd name="connsiteY20" fmla="*/ 2501023 h 5892104"/>
+              <a:gd name="connsiteX21" fmla="*/ 4380068 w 4381009"/>
+              <a:gd name="connsiteY21" fmla="*/ 2629966 h 5892104"/>
+              <a:gd name="connsiteX22" fmla="*/ 4381009 w 4381009"/>
+              <a:gd name="connsiteY22" fmla="*/ 2757093 h 5892104"/>
+              <a:gd name="connsiteX23" fmla="*/ 4380068 w 4381009"/>
+              <a:gd name="connsiteY23" fmla="*/ 2883010 h 5892104"/>
+              <a:gd name="connsiteX24" fmla="*/ 4380068 w 4381009"/>
+              <a:gd name="connsiteY24" fmla="*/ 3007715 h 5892104"/>
+              <a:gd name="connsiteX25" fmla="*/ 4378186 w 4381009"/>
+              <a:gd name="connsiteY25" fmla="*/ 3131210 h 5892104"/>
+              <a:gd name="connsiteX26" fmla="*/ 4375363 w 4381009"/>
+              <a:gd name="connsiteY26" fmla="*/ 3252283 h 5892104"/>
+              <a:gd name="connsiteX27" fmla="*/ 4372697 w 4381009"/>
+              <a:gd name="connsiteY27" fmla="*/ 3372146 h 5892104"/>
+              <a:gd name="connsiteX28" fmla="*/ 4369718 w 4381009"/>
+              <a:gd name="connsiteY28" fmla="*/ 3489587 h 5892104"/>
+              <a:gd name="connsiteX29" fmla="*/ 4365170 w 4381009"/>
+              <a:gd name="connsiteY29" fmla="*/ 3606423 h 5892104"/>
+              <a:gd name="connsiteX30" fmla="*/ 4360309 w 4381009"/>
+              <a:gd name="connsiteY30" fmla="*/ 3721443 h 5892104"/>
+              <a:gd name="connsiteX31" fmla="*/ 4355918 w 4381009"/>
+              <a:gd name="connsiteY31" fmla="*/ 3834041 h 5892104"/>
+              <a:gd name="connsiteX32" fmla="*/ 4343529 w 4381009"/>
+              <a:gd name="connsiteY32" fmla="*/ 4053789 h 5892104"/>
+              <a:gd name="connsiteX33" fmla="*/ 4330356 w 4381009"/>
+              <a:gd name="connsiteY33" fmla="*/ 4264457 h 5892104"/>
+              <a:gd name="connsiteX34" fmla="*/ 4316556 w 4381009"/>
+              <a:gd name="connsiteY34" fmla="*/ 4466650 h 5892104"/>
+              <a:gd name="connsiteX35" fmla="*/ 4301344 w 4381009"/>
+              <a:gd name="connsiteY35" fmla="*/ 4657946 h 5892104"/>
+              <a:gd name="connsiteX36" fmla="*/ 4285506 w 4381009"/>
+              <a:gd name="connsiteY36" fmla="*/ 4840767 h 5892104"/>
+              <a:gd name="connsiteX37" fmla="*/ 4268412 w 4381009"/>
+              <a:gd name="connsiteY37" fmla="*/ 5010269 h 5892104"/>
+              <a:gd name="connsiteX38" fmla="*/ 4251633 w 4381009"/>
+              <a:gd name="connsiteY38" fmla="*/ 5169481 h 5892104"/>
+              <a:gd name="connsiteX39" fmla="*/ 4234853 w 4381009"/>
+              <a:gd name="connsiteY39" fmla="*/ 5315980 h 5892104"/>
+              <a:gd name="connsiteX40" fmla="*/ 4219014 w 4381009"/>
+              <a:gd name="connsiteY40" fmla="*/ 5450371 h 5892104"/>
+              <a:gd name="connsiteX41" fmla="*/ 4203959 w 4381009"/>
+              <a:gd name="connsiteY41" fmla="*/ 5569628 h 5892104"/>
+              <a:gd name="connsiteX42" fmla="*/ 4189689 w 4381009"/>
+              <a:gd name="connsiteY42" fmla="*/ 5677384 h 5892104"/>
+              <a:gd name="connsiteX43" fmla="*/ 4177770 w 4381009"/>
+              <a:gd name="connsiteY43" fmla="*/ 5768189 h 5892104"/>
+              <a:gd name="connsiteX44" fmla="*/ 4166479 w 4381009"/>
+              <a:gd name="connsiteY44" fmla="*/ 5844465 h 5892104"/>
+              <a:gd name="connsiteX45" fmla="*/ 4159132 w 4381009"/>
+              <a:gd name="connsiteY45" fmla="*/ 5892104 h 5892104"/>
+              <a:gd name="connsiteX46" fmla="*/ 0 w 4381009"/>
+              <a:gd name="connsiteY46" fmla="*/ 5892104 h 5892104"/>
+            </a:gdLst>
+            <a:ahLst/>
+            <a:cxnLst>
+              <a:cxn ang="0">
+                <a:pos x="connsiteX0" y="connsiteY0"/>
+              </a:cxn>
+              <a:cxn ang="0">
+                <a:pos x="connsiteX1" y="connsiteY1"/>
+              </a:cxn>
+              <a:cxn ang="0">
+                <a:pos x="connsiteX2" y="connsiteY2"/>
+              </a:cxn>
+              <a:cxn ang="0">
+                <a:pos x="connsiteX3" y="connsiteY3"/>
+              </a:cxn>
+              <a:cxn ang="0">
+                <a:pos x="connsiteX4" y="connsiteY4"/>
+              </a:cxn>
+              <a:cxn ang="0">
+                <a:pos x="connsiteX5" y="connsiteY5"/>
+              </a:cxn>
+              <a:cxn ang="0">
+                <a:pos x="connsiteX6" y="connsiteY6"/>
+              </a:cxn>
+              <a:cxn ang="0">
+                <a:pos x="connsiteX7" y="connsiteY7"/>
+              </a:cxn>
+              <a:cxn ang="0">
+                <a:pos x="connsiteX8" y="connsiteY8"/>
+              </a:cxn>
+              <a:cxn ang="0">
+                <a:pos x="connsiteX9" y="connsiteY9"/>
+              </a:cxn>
+              <a:cxn ang="0">
+                <a:pos x="connsiteX10" y="connsiteY10"/>
+              </a:cxn>
+              <a:cxn ang="0">
+                <a:pos x="connsiteX11" y="connsiteY11"/>
+              </a:cxn>
+              <a:cxn ang="0">
+                <a:pos x="connsiteX12" y="connsiteY12"/>
+              </a:cxn>
+              <a:cxn ang="0">
+                <a:pos x="connsiteX13" y="connsiteY13"/>
+              </a:cxn>
+              <a:cxn ang="0">
+                <a:pos x="connsiteX14" y="connsiteY14"/>
+              </a:cxn>
+              <a:cxn ang="0">
+                <a:pos x="connsiteX15" y="connsiteY15"/>
+              </a:cxn>
+              <a:cxn ang="0">
+                <a:pos x="connsiteX16" y="connsiteY16"/>
+              </a:cxn>
+              <a:cxn ang="0">
+                <a:pos x="connsiteX17" y="connsiteY17"/>
+              </a:cxn>
+              <a:cxn ang="0">
+                <a:pos x="connsiteX18" y="connsiteY18"/>
+              </a:cxn>
+              <a:cxn ang="0">
+                <a:pos x="connsiteX19" y="connsiteY19"/>
+              </a:cxn>
+              <a:cxn ang="0">
+                <a:pos x="connsiteX20" y="connsiteY20"/>
+              </a:cxn>
+              <a:cxn ang="0">
+                <a:pos x="connsiteX21" y="connsiteY21"/>
+              </a:cxn>
+              <a:cxn ang="0">
+                <a:pos x="connsiteX22" y="connsiteY22"/>
+              </a:cxn>
+              <a:cxn ang="0">
+                <a:pos x="connsiteX23" y="connsiteY23"/>
+              </a:cxn>
+              <a:cxn ang="0">
+                <a:pos x="connsiteX24" y="connsiteY24"/>
+              </a:cxn>
+              <a:cxn ang="0">
+                <a:pos x="connsiteX25" y="connsiteY25"/>
+              </a:cxn>
+              <a:cxn ang="0">
+                <a:pos x="connsiteX26" y="connsiteY26"/>
+              </a:cxn>
+              <a:cxn ang="0">
+                <a:pos x="connsiteX27" y="connsiteY27"/>
+              </a:cxn>
+              <a:cxn ang="0">
+                <a:pos x="connsiteX28" y="connsiteY28"/>
+              </a:cxn>
+              <a:cxn ang="0">
+                <a:pos x="connsiteX29" y="connsiteY29"/>
+              </a:cxn>
+              <a:cxn ang="0">
+                <a:pos x="connsiteX30" y="connsiteY30"/>
+              </a:cxn>
+              <a:cxn ang="0">
+                <a:pos x="connsiteX31" y="connsiteY31"/>
+              </a:cxn>
+              <a:cxn ang="0">
+                <a:pos x="connsiteX32" y="connsiteY32"/>
+              </a:cxn>
+              <a:cxn ang="0">
+                <a:pos x="connsiteX33" y="connsiteY33"/>
+              </a:cxn>
+              <a:cxn ang="0">
+                <a:pos x="connsiteX34" y="connsiteY34"/>
+              </a:cxn>
+              <a:cxn ang="0">
+                <a:pos x="connsiteX35" y="connsiteY35"/>
+              </a:cxn>
+              <a:cxn ang="0">
+                <a:pos x="connsiteX36" y="connsiteY36"/>
+              </a:cxn>
+              <a:cxn ang="0">
+                <a:pos x="connsiteX37" y="connsiteY37"/>
+              </a:cxn>
+              <a:cxn ang="0">
+                <a:pos x="connsiteX38" y="connsiteY38"/>
+              </a:cxn>
+              <a:cxn ang="0">
+                <a:pos x="connsiteX39" y="connsiteY39"/>
+              </a:cxn>
+              <a:cxn ang="0">
+                <a:pos x="connsiteX40" y="connsiteY40"/>
+              </a:cxn>
+              <a:cxn ang="0">
+                <a:pos x="connsiteX41" y="connsiteY41"/>
+              </a:cxn>
+              <a:cxn ang="0">
+                <a:pos x="connsiteX42" y="connsiteY42"/>
+              </a:cxn>
+              <a:cxn ang="0">
+                <a:pos x="connsiteX43" y="connsiteY43"/>
+              </a:cxn>
+              <a:cxn ang="0">
+                <a:pos x="connsiteX44" y="connsiteY44"/>
+              </a:cxn>
+              <a:cxn ang="0">
+                <a:pos x="connsiteX45" y="connsiteY45"/>
+              </a:cxn>
+              <a:cxn ang="0">
+                <a:pos x="connsiteX46" y="connsiteY46"/>
+              </a:cxn>
+            </a:cxnLst>
+            <a:rect l="l" t="t" r="r" b="b"/>
+            <a:pathLst>
+              <a:path w="4381009" h="5892104">
+                <a:moveTo>
+                  <a:pt x="0" y="0"/>
+                </a:moveTo>
+                <a:lnTo>
+                  <a:pt x="4157628" y="0"/>
+                </a:lnTo>
+                <a:lnTo>
+                  <a:pt x="4169302" y="68659"/>
+                </a:lnTo>
+                <a:lnTo>
+                  <a:pt x="4191571" y="205472"/>
+                </a:lnTo>
+                <a:lnTo>
+                  <a:pt x="4213368" y="342890"/>
+                </a:lnTo>
+                <a:lnTo>
+                  <a:pt x="4232030" y="480913"/>
+                </a:lnTo>
+                <a:lnTo>
+                  <a:pt x="4250848" y="618332"/>
+                </a:lnTo>
+                <a:lnTo>
+                  <a:pt x="4268412" y="756355"/>
+                </a:lnTo>
+                <a:lnTo>
+                  <a:pt x="4283467" y="892563"/>
+                </a:lnTo>
+                <a:lnTo>
+                  <a:pt x="4297737" y="1030587"/>
+                </a:lnTo>
+                <a:lnTo>
+                  <a:pt x="4310754" y="1168005"/>
+                </a:lnTo>
+                <a:lnTo>
+                  <a:pt x="4322045" y="1303002"/>
+                </a:lnTo>
+                <a:lnTo>
+                  <a:pt x="4333336" y="1439815"/>
+                </a:lnTo>
+                <a:lnTo>
+                  <a:pt x="4342745" y="1574812"/>
+                </a:lnTo>
+                <a:lnTo>
+                  <a:pt x="4350115" y="1709808"/>
+                </a:lnTo>
+                <a:lnTo>
+                  <a:pt x="4357799" y="1844200"/>
+                </a:lnTo>
+                <a:lnTo>
+                  <a:pt x="4364229" y="1977381"/>
+                </a:lnTo>
+                <a:lnTo>
+                  <a:pt x="4368777" y="2109351"/>
+                </a:lnTo>
+                <a:lnTo>
+                  <a:pt x="4372697" y="2241321"/>
+                </a:lnTo>
+                <a:lnTo>
+                  <a:pt x="4376461" y="2372080"/>
+                </a:lnTo>
+                <a:lnTo>
+                  <a:pt x="4378186" y="2501023"/>
+                </a:lnTo>
+                <a:lnTo>
+                  <a:pt x="4380068" y="2629966"/>
+                </a:lnTo>
+                <a:lnTo>
+                  <a:pt x="4381009" y="2757093"/>
+                </a:lnTo>
+                <a:lnTo>
+                  <a:pt x="4380068" y="2883010"/>
+                </a:lnTo>
+                <a:lnTo>
+                  <a:pt x="4380068" y="3007715"/>
+                </a:lnTo>
+                <a:lnTo>
+                  <a:pt x="4378186" y="3131210"/>
+                </a:lnTo>
+                <a:lnTo>
+                  <a:pt x="4375363" y="3252283"/>
+                </a:lnTo>
+                <a:lnTo>
+                  <a:pt x="4372697" y="3372146"/>
+                </a:lnTo>
+                <a:lnTo>
+                  <a:pt x="4369718" y="3489587"/>
+                </a:lnTo>
+                <a:lnTo>
+                  <a:pt x="4365170" y="3606423"/>
+                </a:lnTo>
+                <a:lnTo>
+                  <a:pt x="4360309" y="3721443"/>
+                </a:lnTo>
+                <a:lnTo>
+                  <a:pt x="4355918" y="3834041"/>
+                </a:lnTo>
+                <a:lnTo>
+                  <a:pt x="4343529" y="4053789"/>
+                </a:lnTo>
+                <a:lnTo>
+                  <a:pt x="4330356" y="4264457"/>
+                </a:lnTo>
+                <a:lnTo>
+                  <a:pt x="4316556" y="4466650"/>
+                </a:lnTo>
+                <a:lnTo>
+                  <a:pt x="4301344" y="4657946"/>
+                </a:lnTo>
+                <a:lnTo>
+                  <a:pt x="4285506" y="4840767"/>
+                </a:lnTo>
+                <a:lnTo>
+                  <a:pt x="4268412" y="5010269"/>
+                </a:lnTo>
+                <a:lnTo>
+                  <a:pt x="4251633" y="5169481"/>
+                </a:lnTo>
+                <a:lnTo>
+                  <a:pt x="4234853" y="5315980"/>
+                </a:lnTo>
+                <a:lnTo>
+                  <a:pt x="4219014" y="5450371"/>
+                </a:lnTo>
+                <a:lnTo>
+                  <a:pt x="4203959" y="5569628"/>
+                </a:lnTo>
+                <a:lnTo>
+                  <a:pt x="4189689" y="5677384"/>
+                </a:lnTo>
+                <a:lnTo>
+                  <a:pt x="4177770" y="5768189"/>
+                </a:lnTo>
+                <a:lnTo>
+                  <a:pt x="4166479" y="5844465"/>
+                </a:lnTo>
+                <a:lnTo>
+                  <a:pt x="4159132" y="5892104"/>
+                </a:lnTo>
+                <a:lnTo>
+                  <a:pt x="0" y="5892104"/>
+                </a:lnTo>
+                <a:close/>
+              </a:path>
+            </a:pathLst>
+          </a:custGeom>
+          <a:solidFill>
+            <a:srgbClr val="404040"/>
+          </a:solidFill>
+          <a:ln>
+            <a:noFill/>
+          </a:ln>
+        </p:spPr>
+        <p:style>
+          <a:lnRef idx="2">
+            <a:schemeClr val="accent1">
+              <a:shade val="50000"/>
+            </a:schemeClr>
+          </a:lnRef>
+          <a:fillRef idx="1">
+            <a:schemeClr val="accent1"/>
+          </a:fillRef>
+          <a:effectRef idx="0">
+            <a:schemeClr val="accent1"/>
+          </a:effectRef>
+          <a:fontRef idx="minor">
+            <a:schemeClr val="lt1"/>
+          </a:fontRef>
+        </p:style>
+        <p:txBody>
+          <a:bodyPr wrap="square" rtlCol="0" anchor="ctr">
+            <a:noAutofit/>
+          </a:bodyPr>
+          <a:lstStyle/>
+          <a:p>
+            <a:pPr marL="0" marR="0" lvl="0" indent="0" algn="ctr" defTabSz="457200" rtl="0" eaLnBrk="1" fontAlgn="auto" latinLnBrk="0" hangingPunct="1">
+              <a:lnSpc>
+                <a:spcPct val="100000"/>
+              </a:lnSpc>
+              <a:spcBef>
+                <a:spcPts val="0"/>
+              </a:spcBef>
+              <a:spcAft>
+                <a:spcPts val="0"/>
+              </a:spcAft>
+              <a:buClrTx/>
+              <a:buSzTx/>
+              <a:buFontTx/>
+              <a:buNone/>
+              <a:tabLst/>
+              <a:defRPr/>
+            </a:pPr>
+            <a:endParaRPr kumimoji="0" lang="en-US" sz="1800" b="0" i="0" u="none" strike="noStrike" kern="1200" cap="none" spc="0" normalizeH="0" baseline="0" noProof="0">
+              <a:ln>
+                <a:noFill/>
+              </a:ln>
+              <a:solidFill>
+                <a:prstClr val="white"/>
+              </a:solidFill>
+              <a:effectLst/>
+              <a:uLnTx/>
+              <a:uFillTx/>
+              <a:latin typeface="Calibri" panose="020F0502020204030204"/>
+              <a:ea typeface="+mn-ea"/>
+              <a:cs typeface="+mn-cs"/>
+            </a:endParaRPr>
+          </a:p>
+        </p:txBody>
+      </p:sp>
+      <p:sp>
+        <p:nvSpPr>
           <p:cNvPr id="2" name="タイトル 1">
             <a:extLst>
               <a:ext uri="{FF2B5EF4-FFF2-40B4-BE49-F238E27FC236}">
@@ -8232,95 +11942,65 @@
             <p:ph type="title"/>
           </p:nvPr>
         </p:nvSpPr>
-        <p:spPr/>
+        <p:spPr>
+          <a:xfrm>
+            <a:off x="863029" y="1012004"/>
+            <a:ext cx="3416158" cy="4795408"/>
+          </a:xfrm>
+        </p:spPr>
         <p:txBody>
-          <a:bodyPr/>
+          <a:bodyPr>
+            <a:normAutofit/>
+          </a:bodyPr>
           <a:lstStyle/>
           <a:p>
             <a:r>
-              <a:rPr lang="ja-JP" altLang="en-US" dirty="0"/>
+              <a:rPr lang="ja-JP" altLang="en-US">
+                <a:solidFill>
+                  <a:srgbClr val="FFFFFF"/>
+                </a:solidFill>
+              </a:rPr>
               <a:t>課題</a:t>
             </a:r>
-            <a:endParaRPr kumimoji="1" lang="ja-JP" altLang="en-US" dirty="0"/>
+            <a:endParaRPr kumimoji="1" lang="ja-JP" altLang="en-US">
+              <a:solidFill>
+                <a:srgbClr val="FFFFFF"/>
+              </a:solidFill>
+            </a:endParaRPr>
           </a:p>
         </p:txBody>
       </p:sp>
-      <p:sp>
-        <p:nvSpPr>
-          <p:cNvPr id="3" name="コンテンツ プレースホルダー 2">
+      <p:graphicFrame>
+        <p:nvGraphicFramePr>
+          <p:cNvPr id="5" name="コンテンツ プレースホルダー 2">
             <a:extLst>
               <a:ext uri="{FF2B5EF4-FFF2-40B4-BE49-F238E27FC236}">
-                <a16:creationId xmlns:a16="http://schemas.microsoft.com/office/drawing/2014/main" id="{54301FAA-90A5-4911-BC84-5CC35CA3D637}"/>
+                <a16:creationId xmlns:a16="http://schemas.microsoft.com/office/drawing/2014/main" id="{D136F7CE-FBFE-4017-933B-F50759D67561}"/>
               </a:ext>
             </a:extLst>
           </p:cNvPr>
-          <p:cNvSpPr>
-            <a:spLocks noGrp="1"/>
-          </p:cNvSpPr>
+          <p:cNvGraphicFramePr>
+            <a:graphicFrameLocks noGrp="1"/>
+          </p:cNvGraphicFramePr>
           <p:nvPr>
             <p:ph idx="1"/>
+            <p:extLst>
+              <p:ext uri="{D42A27DB-BD31-4B8C-83A1-F6EECF244321}">
+                <p14:modId xmlns:p14="http://schemas.microsoft.com/office/powerpoint/2010/main" val="2795348339"/>
+              </p:ext>
+            </p:extLst>
           </p:nvPr>
-        </p:nvSpPr>
-        <p:spPr/>
-        <p:txBody>
-          <a:bodyPr/>
-          <a:lstStyle/>
-          <a:p>
-            <a:r>
-              <a:rPr kumimoji="1" lang="ja-JP" altLang="en-US" dirty="0"/>
-              <a:t>拡張しきれなかった機能（落とし穴、アイテム</a:t>
-            </a:r>
-            <a:r>
-              <a:rPr kumimoji="1" lang="en-US" altLang="ja-JP" dirty="0"/>
-              <a:t>etc.</a:t>
-            </a:r>
-            <a:r>
-              <a:rPr kumimoji="1" lang="ja-JP" altLang="en-US" dirty="0"/>
-              <a:t>）</a:t>
-            </a:r>
-            <a:endParaRPr kumimoji="1" lang="en-US" altLang="ja-JP" dirty="0"/>
-          </a:p>
-          <a:p>
-            <a:r>
-              <a:rPr kumimoji="1" lang="ja-JP" altLang="en-US" dirty="0"/>
-              <a:t>駒の</a:t>
-            </a:r>
-            <a:r>
-              <a:rPr kumimoji="1" lang="en-US" altLang="ja-JP" dirty="0" err="1"/>
-              <a:t>ImageView</a:t>
-            </a:r>
-            <a:r>
-              <a:rPr kumimoji="1" lang="ja-JP" altLang="en-US" dirty="0"/>
-              <a:t>を</a:t>
-            </a:r>
-            <a:r>
-              <a:rPr kumimoji="1" lang="en-US" altLang="ja-JP" dirty="0"/>
-              <a:t>Piece</a:t>
-            </a:r>
-            <a:r>
-              <a:rPr kumimoji="1" lang="ja-JP" altLang="en-US" dirty="0"/>
-              <a:t>クラスで定義すればよかった</a:t>
-            </a:r>
-            <a:endParaRPr kumimoji="1" lang="en-US" altLang="ja-JP" dirty="0"/>
-          </a:p>
-          <a:p>
-            <a:r>
-              <a:rPr lang="ja-JP" altLang="en-US" dirty="0"/>
-              <a:t>同じような処理を一つのメソッドにまとめればよかった</a:t>
-            </a:r>
-            <a:endParaRPr kumimoji="1" lang="en-US" altLang="ja-JP" dirty="0"/>
-          </a:p>
-          <a:p>
-            <a:endParaRPr kumimoji="1" lang="en-US" altLang="ja-JP" dirty="0"/>
-          </a:p>
-          <a:p>
-            <a:endParaRPr kumimoji="1" lang="en-US" altLang="ja-JP" dirty="0"/>
-          </a:p>
-          <a:p>
-            <a:endParaRPr kumimoji="1" lang="ja-JP" altLang="en-US" dirty="0"/>
-          </a:p>
-        </p:txBody>
-      </p:sp>
+        </p:nvGraphicFramePr>
+        <p:xfrm>
+          <a:off x="5194300" y="470924"/>
+          <a:ext cx="6513604" cy="5885426"/>
+        </p:xfrm>
+        <a:graphic>
+          <a:graphicData uri="http://schemas.openxmlformats.org/drawingml/2006/diagram">
+            <dgm:relIds xmlns:dgm="http://schemas.openxmlformats.org/drawingml/2006/diagram" xmlns:r="http://schemas.openxmlformats.org/officeDocument/2006/relationships" r:dm="rId2" r:lo="rId3" r:qs="rId4" r:cs="rId5"/>
+          </a:graphicData>
+        </a:graphic>
+      </p:graphicFrame>
     </p:spTree>
     <p:extLst>
       <p:ext uri="{BB962C8B-B14F-4D97-AF65-F5344CB8AC3E}">

--- a/presen.pptx
+++ b/presen.pptx
@@ -7100,7 +7100,7 @@
           <a:p>
             <a:fld id="{03E20026-2068-46A2-8EC6-102ABAAEB3F0}" type="datetimeFigureOut">
               <a:rPr kumimoji="1" lang="ja-JP" altLang="en-US" smtClean="0"/>
-              <a:t>2020/1/31</a:t>
+              <a:t>2020/2/6</a:t>
             </a:fld>
             <a:endParaRPr kumimoji="1" lang="ja-JP" altLang="en-US"/>
           </a:p>
@@ -7302,7 +7302,7 @@
           <a:p>
             <a:fld id="{03E20026-2068-46A2-8EC6-102ABAAEB3F0}" type="datetimeFigureOut">
               <a:rPr kumimoji="1" lang="ja-JP" altLang="en-US" smtClean="0"/>
-              <a:t>2020/1/31</a:t>
+              <a:t>2020/2/6</a:t>
             </a:fld>
             <a:endParaRPr kumimoji="1" lang="ja-JP" altLang="en-US"/>
           </a:p>
@@ -7514,7 +7514,7 @@
           <a:p>
             <a:fld id="{03E20026-2068-46A2-8EC6-102ABAAEB3F0}" type="datetimeFigureOut">
               <a:rPr kumimoji="1" lang="ja-JP" altLang="en-US" smtClean="0"/>
-              <a:t>2020/1/31</a:t>
+              <a:t>2020/2/6</a:t>
             </a:fld>
             <a:endParaRPr kumimoji="1" lang="ja-JP" altLang="en-US"/>
           </a:p>
@@ -7716,7 +7716,7 @@
           <a:p>
             <a:fld id="{03E20026-2068-46A2-8EC6-102ABAAEB3F0}" type="datetimeFigureOut">
               <a:rPr kumimoji="1" lang="ja-JP" altLang="en-US" smtClean="0"/>
-              <a:t>2020/1/31</a:t>
+              <a:t>2020/2/6</a:t>
             </a:fld>
             <a:endParaRPr kumimoji="1" lang="ja-JP" altLang="en-US"/>
           </a:p>
@@ -7962,7 +7962,7 @@
           <a:p>
             <a:fld id="{03E20026-2068-46A2-8EC6-102ABAAEB3F0}" type="datetimeFigureOut">
               <a:rPr kumimoji="1" lang="ja-JP" altLang="en-US" smtClean="0"/>
-              <a:t>2020/1/31</a:t>
+              <a:t>2020/2/6</a:t>
             </a:fld>
             <a:endParaRPr kumimoji="1" lang="ja-JP" altLang="en-US"/>
           </a:p>
@@ -8258,7 +8258,7 @@
           <a:p>
             <a:fld id="{03E20026-2068-46A2-8EC6-102ABAAEB3F0}" type="datetimeFigureOut">
               <a:rPr kumimoji="1" lang="ja-JP" altLang="en-US" smtClean="0"/>
-              <a:t>2020/1/31</a:t>
+              <a:t>2020/2/6</a:t>
             </a:fld>
             <a:endParaRPr kumimoji="1" lang="ja-JP" altLang="en-US"/>
           </a:p>
@@ -8689,7 +8689,7 @@
           <a:p>
             <a:fld id="{03E20026-2068-46A2-8EC6-102ABAAEB3F0}" type="datetimeFigureOut">
               <a:rPr kumimoji="1" lang="ja-JP" altLang="en-US" smtClean="0"/>
-              <a:t>2020/1/31</a:t>
+              <a:t>2020/2/6</a:t>
             </a:fld>
             <a:endParaRPr kumimoji="1" lang="ja-JP" altLang="en-US"/>
           </a:p>
@@ -8807,7 +8807,7 @@
           <a:p>
             <a:fld id="{03E20026-2068-46A2-8EC6-102ABAAEB3F0}" type="datetimeFigureOut">
               <a:rPr kumimoji="1" lang="ja-JP" altLang="en-US" smtClean="0"/>
-              <a:t>2020/1/31</a:t>
+              <a:t>2020/2/6</a:t>
             </a:fld>
             <a:endParaRPr kumimoji="1" lang="ja-JP" altLang="en-US"/>
           </a:p>
@@ -8902,7 +8902,7 @@
           <a:p>
             <a:fld id="{03E20026-2068-46A2-8EC6-102ABAAEB3F0}" type="datetimeFigureOut">
               <a:rPr kumimoji="1" lang="ja-JP" altLang="en-US" smtClean="0"/>
-              <a:t>2020/1/31</a:t>
+              <a:t>2020/2/6</a:t>
             </a:fld>
             <a:endParaRPr kumimoji="1" lang="ja-JP" altLang="en-US"/>
           </a:p>
@@ -9211,7 +9211,7 @@
           <a:p>
             <a:fld id="{03E20026-2068-46A2-8EC6-102ABAAEB3F0}" type="datetimeFigureOut">
               <a:rPr kumimoji="1" lang="ja-JP" altLang="en-US" smtClean="0"/>
-              <a:t>2020/1/31</a:t>
+              <a:t>2020/2/6</a:t>
             </a:fld>
             <a:endParaRPr kumimoji="1" lang="ja-JP" altLang="en-US"/>
           </a:p>
@@ -9468,7 +9468,7 @@
           <a:p>
             <a:fld id="{03E20026-2068-46A2-8EC6-102ABAAEB3F0}" type="datetimeFigureOut">
               <a:rPr kumimoji="1" lang="ja-JP" altLang="en-US" smtClean="0"/>
-              <a:t>2020/1/31</a:t>
+              <a:t>2020/2/6</a:t>
             </a:fld>
             <a:endParaRPr kumimoji="1" lang="ja-JP" altLang="en-US"/>
           </a:p>
@@ -9713,7 +9713,7 @@
           <a:p>
             <a:fld id="{03E20026-2068-46A2-8EC6-102ABAAEB3F0}" type="datetimeFigureOut">
               <a:rPr kumimoji="1" lang="ja-JP" altLang="en-US" smtClean="0"/>
-              <a:t>2020/1/31</a:t>
+              <a:t>2020/2/6</a:t>
             </a:fld>
             <a:endParaRPr kumimoji="1" lang="ja-JP" altLang="en-US"/>
           </a:p>
@@ -10870,7 +10870,7 @@
         </p:spPr>
         <p:txBody>
           <a:bodyPr>
-            <a:normAutofit/>
+            <a:normAutofit fontScale="92500" lnSpcReduction="10000"/>
           </a:bodyPr>
           <a:lstStyle/>
           <a:p>
@@ -10905,6 +10905,20 @@
             <a:r>
               <a:rPr lang="ja-JP" altLang="en-US" dirty="0"/>
               <a:t>人の対戦</a:t>
+            </a:r>
+            <a:endParaRPr lang="en-US" altLang="ja-JP" dirty="0"/>
+          </a:p>
+          <a:p>
+            <a:endParaRPr lang="en-US" altLang="ja-JP" dirty="0"/>
+          </a:p>
+          <a:p>
+            <a:r>
+              <a:rPr lang="en-US" altLang="ja-JP" dirty="0"/>
+              <a:t>BGM</a:t>
+            </a:r>
+            <a:r>
+              <a:rPr lang="ja-JP" altLang="en-US" dirty="0"/>
+              <a:t>あり</a:t>
             </a:r>
             <a:endParaRPr lang="en-US" altLang="ja-JP" dirty="0"/>
           </a:p>
@@ -11306,12 +11320,12 @@
         <p:spPr>
           <a:xfrm>
             <a:off x="966951" y="3355130"/>
-            <a:ext cx="3636783" cy="2550370"/>
+            <a:ext cx="3636783" cy="3045670"/>
           </a:xfrm>
         </p:spPr>
         <p:txBody>
           <a:bodyPr>
-            <a:normAutofit/>
+            <a:normAutofit fontScale="92500" lnSpcReduction="20000"/>
           </a:bodyPr>
           <a:lstStyle/>
           <a:p>
@@ -11330,8 +11344,40 @@
           </a:p>
           <a:p>
             <a:r>
+              <a:rPr lang="ja-JP" altLang="en-US" sz="2000" dirty="0"/>
+              <a:t>ランダムモード</a:t>
+            </a:r>
+            <a:endParaRPr kumimoji="1" lang="en-US" altLang="ja-JP" sz="2000" dirty="0"/>
+          </a:p>
+          <a:p>
+            <a:r>
               <a:rPr kumimoji="1" lang="ja-JP" altLang="en-US" sz="2000" dirty="0"/>
               <a:t>王選択モードでは王を相手に知られずに選択できる</a:t>
+            </a:r>
+            <a:endParaRPr kumimoji="1" lang="en-US" altLang="ja-JP" sz="2000" dirty="0"/>
+          </a:p>
+          <a:p>
+            <a:r>
+              <a:rPr kumimoji="1" lang="ja-JP" altLang="en-US" sz="2000" dirty="0"/>
+              <a:t>ランダムモードでは自分も王がどれかわからない</a:t>
+            </a:r>
+            <a:endParaRPr kumimoji="1" lang="en-US" altLang="ja-JP" sz="2000" dirty="0"/>
+          </a:p>
+          <a:p>
+            <a:pPr marL="0" indent="0">
+              <a:buNone/>
+            </a:pPr>
+            <a:r>
+              <a:rPr kumimoji="1" lang="ja-JP" altLang="en-US" sz="2000" dirty="0"/>
+              <a:t>　（</a:t>
+            </a:r>
+            <a:r>
+              <a:rPr kumimoji="1" lang="en-US" altLang="ja-JP" sz="2000" dirty="0"/>
+              <a:t>Shift</a:t>
+            </a:r>
+            <a:r>
+              <a:rPr kumimoji="1" lang="ja-JP" altLang="en-US" sz="2000" dirty="0"/>
+              <a:t>＋王選択モード）</a:t>
             </a:r>
             <a:endParaRPr kumimoji="1" lang="en-US" altLang="ja-JP" sz="2000" dirty="0"/>
           </a:p>
